--- a/1_Semester/Einführung_in_die_Informatik(DSEI)/IU_Präsentation_DSEI.pptx
+++ b/1_Semester/Einführung_in_die_Informatik(DSEI)/IU_Präsentation_DSEI.pptx
@@ -5,12 +5,24 @@
     <p:sldMasterId id="2147483648" r:id="rId1"/>
   </p:sldMasterIdLst>
   <p:notesMasterIdLst>
-    <p:notesMasterId r:id="rId5"/>
+    <p:notesMasterId r:id="rId17"/>
   </p:notesMasterIdLst>
   <p:sldIdLst>
     <p:sldId id="256" r:id="rId2"/>
     <p:sldId id="257" r:id="rId3"/>
     <p:sldId id="258" r:id="rId4"/>
+    <p:sldId id="259" r:id="rId5"/>
+    <p:sldId id="260" r:id="rId6"/>
+    <p:sldId id="261" r:id="rId7"/>
+    <p:sldId id="262" r:id="rId8"/>
+    <p:sldId id="263" r:id="rId9"/>
+    <p:sldId id="264" r:id="rId10"/>
+    <p:sldId id="265" r:id="rId11"/>
+    <p:sldId id="266" r:id="rId12"/>
+    <p:sldId id="267" r:id="rId13"/>
+    <p:sldId id="270" r:id="rId14"/>
+    <p:sldId id="269" r:id="rId15"/>
+    <p:sldId id="271" r:id="rId16"/>
   </p:sldIdLst>
   <p:sldSz cx="12192000" cy="6858000"/>
   <p:notesSz cx="6858000" cy="9144000"/>
@@ -199,7 +211,7 @@
           <a:p>
             <a:fld id="{4C407AE7-3DC2-4CB6-B10D-9DFBA6E8F93A}" type="datetimeFigureOut">
               <a:rPr lang="de-DE" smtClean="0"/>
-              <a:t>22.11.2023</a:t>
+              <a:t>23.11.2023</a:t>
             </a:fld>
             <a:endParaRPr lang="de-DE"/>
           </a:p>
@@ -466,6 +478,90 @@
 </p:notesMaster>
 </file>
 
+<file path=ppt/notesSlides/notesSlide1.xml><?xml version="1.0" encoding="utf-8"?>
+<p:notes xmlns:a="http://schemas.openxmlformats.org/drawingml/2006/main" xmlns:r="http://schemas.openxmlformats.org/officeDocument/2006/relationships" xmlns:p="http://schemas.openxmlformats.org/presentationml/2006/main">
+  <p:cSld>
+    <p:spTree>
+      <p:nvGrpSpPr>
+        <p:cNvPr id="1" name=""/>
+        <p:cNvGrpSpPr/>
+        <p:nvPr/>
+      </p:nvGrpSpPr>
+      <p:grpSpPr>
+        <a:xfrm>
+          <a:off x="0" y="0"/>
+          <a:ext cx="0" cy="0"/>
+          <a:chOff x="0" y="0"/>
+          <a:chExt cx="0" cy="0"/>
+        </a:xfrm>
+      </p:grpSpPr>
+      <p:sp>
+        <p:nvSpPr>
+          <p:cNvPr id="2" name="Folienbildplatzhalter 1"/>
+          <p:cNvSpPr>
+            <a:spLocks noGrp="1" noRot="1" noChangeAspect="1"/>
+          </p:cNvSpPr>
+          <p:nvPr>
+            <p:ph type="sldImg"/>
+          </p:nvPr>
+        </p:nvSpPr>
+        <p:spPr/>
+      </p:sp>
+      <p:sp>
+        <p:nvSpPr>
+          <p:cNvPr id="3" name="Notizenplatzhalter 2"/>
+          <p:cNvSpPr>
+            <a:spLocks noGrp="1"/>
+          </p:cNvSpPr>
+          <p:nvPr>
+            <p:ph type="body" idx="1"/>
+          </p:nvPr>
+        </p:nvSpPr>
+        <p:spPr/>
+        <p:txBody>
+          <a:bodyPr/>
+          <a:lstStyle/>
+          <a:p>
+            <a:endParaRPr lang="de-DE" dirty="0"/>
+          </a:p>
+        </p:txBody>
+      </p:sp>
+      <p:sp>
+        <p:nvSpPr>
+          <p:cNvPr id="4" name="Foliennummernplatzhalter 3"/>
+          <p:cNvSpPr>
+            <a:spLocks noGrp="1"/>
+          </p:cNvSpPr>
+          <p:nvPr>
+            <p:ph type="sldNum" sz="quarter" idx="5"/>
+          </p:nvPr>
+        </p:nvSpPr>
+        <p:spPr/>
+        <p:txBody>
+          <a:bodyPr/>
+          <a:lstStyle/>
+          <a:p>
+            <a:fld id="{89DE471C-28B5-4A2A-AAE1-B2023BCC4594}" type="slidenum">
+              <a:rPr lang="de-DE" smtClean="0"/>
+              <a:t>4</a:t>
+            </a:fld>
+            <a:endParaRPr lang="de-DE"/>
+          </a:p>
+        </p:txBody>
+      </p:sp>
+    </p:spTree>
+    <p:extLst>
+      <p:ext uri="{BB962C8B-B14F-4D97-AF65-F5344CB8AC3E}">
+        <p14:creationId xmlns:p14="http://schemas.microsoft.com/office/powerpoint/2010/main" val="1112064940"/>
+      </p:ext>
+    </p:extLst>
+  </p:cSld>
+  <p:clrMapOvr>
+    <a:masterClrMapping/>
+  </p:clrMapOvr>
+</p:notes>
+</file>
+
 <file path=ppt/slideLayouts/slideLayout1.xml><?xml version="1.0" encoding="utf-8"?>
 <p:sldLayout xmlns:a="http://schemas.openxmlformats.org/drawingml/2006/main" xmlns:r="http://schemas.openxmlformats.org/officeDocument/2006/relationships" xmlns:p="http://schemas.openxmlformats.org/presentationml/2006/main" type="title" preserve="1">
   <p:cSld name="Titelfolie">
@@ -611,9 +707,9 @@
           <a:bodyPr/>
           <a:lstStyle/>
           <a:p>
-            <a:fld id="{457C9168-C660-44DF-8A8E-A7514F83A634}" type="datetime1">
+            <a:fld id="{1CBA45C3-33FF-457A-9178-AFBFF5B4446A}" type="datetime1">
               <a:rPr lang="de-DE" smtClean="0"/>
-              <a:t>22.11.2023</a:t>
+              <a:t>23.11.2023</a:t>
             </a:fld>
             <a:endParaRPr lang="de-DE"/>
           </a:p>
@@ -640,6 +736,10 @@
           <a:bodyPr/>
           <a:lstStyle/>
           <a:p>
+            <a:r>
+              <a:rPr lang="de-DE"/>
+              <a:t>Korbinian Müller -Wired und Wireless Netzwerke und ihre Topologien-Fach: Einführung in die Informatik</a:t>
+            </a:r>
             <a:endParaRPr lang="de-DE" dirty="0"/>
           </a:p>
         </p:txBody>
@@ -826,9 +926,9 @@
           <a:bodyPr/>
           <a:lstStyle/>
           <a:p>
-            <a:fld id="{FFCCFBF8-802A-4E02-A620-85C9B4AF8F71}" type="datetime1">
+            <a:fld id="{CDF3BACB-F35C-4EB6-AB22-9E9EA63B1866}" type="datetime1">
               <a:rPr lang="de-DE" smtClean="0"/>
-              <a:t>22.11.2023</a:t>
+              <a:t>23.11.2023</a:t>
             </a:fld>
             <a:endParaRPr lang="de-DE"/>
           </a:p>
@@ -855,7 +955,10 @@
           <a:bodyPr/>
           <a:lstStyle/>
           <a:p>
-            <a:endParaRPr lang="de-DE"/>
+            <a:r>
+              <a:rPr lang="de-DE"/>
+              <a:t>Korbinian Müller -Wired und Wireless Netzwerke und ihre Topologien-Fach: Einführung in die Informatik</a:t>
+            </a:r>
           </a:p>
         </p:txBody>
       </p:sp>
@@ -984,9 +1087,9 @@
           <a:bodyPr/>
           <a:lstStyle/>
           <a:p>
-            <a:fld id="{8255664B-5707-4217-B801-DC7B26FBE9C4}" type="datetime1">
+            <a:fld id="{FC4D47F1-46D1-4646-9E91-836A61804234}" type="datetime1">
               <a:rPr lang="de-DE" smtClean="0"/>
-              <a:t>22.11.2023</a:t>
+              <a:t>23.11.2023</a:t>
             </a:fld>
             <a:endParaRPr lang="de-DE" dirty="0"/>
           </a:p>
@@ -1013,6 +1116,10 @@
           <a:bodyPr/>
           <a:lstStyle/>
           <a:p>
+            <a:r>
+              <a:rPr lang="de-DE"/>
+              <a:t>Korbinian Müller -Wired und Wireless Netzwerke und ihre Topologien-Fach: Einführung in die Informatik</a:t>
+            </a:r>
             <a:endParaRPr lang="de-DE" dirty="0"/>
           </a:p>
         </p:txBody>
@@ -1098,9 +1205,9 @@
           <a:bodyPr/>
           <a:lstStyle/>
           <a:p>
-            <a:fld id="{8255664B-5707-4217-B801-DC7B26FBE9C4}" type="datetime1">
+            <a:fld id="{D6AEE7B7-EA38-4A12-8758-E55DFEFCADC1}" type="datetime1">
               <a:rPr lang="de-DE" smtClean="0"/>
-              <a:t>22.11.2023</a:t>
+              <a:t>23.11.2023</a:t>
             </a:fld>
             <a:endParaRPr lang="de-DE" dirty="0"/>
           </a:p>
@@ -1127,6 +1234,10 @@
           <a:bodyPr/>
           <a:lstStyle/>
           <a:p>
+            <a:r>
+              <a:rPr lang="de-DE"/>
+              <a:t>Korbinian Müller -Wired und Wireless Netzwerke und ihre Topologien-Fach: Einführung in die Informatik</a:t>
+            </a:r>
             <a:endParaRPr lang="de-DE" dirty="0"/>
           </a:p>
         </p:txBody>
@@ -1397,9 +1508,9 @@
             </a:lvl1pPr>
           </a:lstStyle>
           <a:p>
-            <a:fld id="{8255664B-5707-4217-B801-DC7B26FBE9C4}" type="datetime1">
+            <a:fld id="{32B012C1-7FBF-44E4-A2ED-90FDB8C4A9F8}" type="datetime1">
               <a:rPr lang="de-DE" smtClean="0"/>
-              <a:t>22.11.2023</a:t>
+              <a:t>23.11.2023</a:t>
             </a:fld>
             <a:endParaRPr lang="de-DE" dirty="0"/>
           </a:p>
@@ -1442,6 +1553,10 @@
             </a:lvl1pPr>
           </a:lstStyle>
           <a:p>
+            <a:r>
+              <a:rPr lang="de-DE"/>
+              <a:t>Korbinian Müller -Wired und Wireless Netzwerke und ihre Topologien-Fach: Einführung in die Informatik</a:t>
+            </a:r>
             <a:endParaRPr lang="de-DE" dirty="0"/>
           </a:p>
         </p:txBody>
@@ -1903,6 +2018,2395 @@
 </p:sld>
 </file>
 
+<file path=ppt/slides/slide10.xml><?xml version="1.0" encoding="utf-8"?>
+<p:sld xmlns:a="http://schemas.openxmlformats.org/drawingml/2006/main" xmlns:r="http://schemas.openxmlformats.org/officeDocument/2006/relationships" xmlns:p="http://schemas.openxmlformats.org/presentationml/2006/main">
+  <p:cSld>
+    <p:spTree>
+      <p:nvGrpSpPr>
+        <p:cNvPr id="1" name=""/>
+        <p:cNvGrpSpPr/>
+        <p:nvPr/>
+      </p:nvGrpSpPr>
+      <p:grpSpPr>
+        <a:xfrm>
+          <a:off x="0" y="0"/>
+          <a:ext cx="0" cy="0"/>
+          <a:chOff x="0" y="0"/>
+          <a:chExt cx="0" cy="0"/>
+        </a:xfrm>
+      </p:grpSpPr>
+      <p:sp>
+        <p:nvSpPr>
+          <p:cNvPr id="2" name="Titel 1">
+            <a:extLst>
+              <a:ext uri="{FF2B5EF4-FFF2-40B4-BE49-F238E27FC236}">
+                <a16:creationId xmlns:a16="http://schemas.microsoft.com/office/drawing/2014/main" id="{49724150-AE62-9A57-2BF0-D69AC68C64CE}"/>
+              </a:ext>
+            </a:extLst>
+          </p:cNvPr>
+          <p:cNvSpPr>
+            <a:spLocks noGrp="1"/>
+          </p:cNvSpPr>
+          <p:nvPr>
+            <p:ph type="title"/>
+          </p:nvPr>
+        </p:nvSpPr>
+        <p:spPr/>
+        <p:txBody>
+          <a:bodyPr/>
+          <a:lstStyle/>
+          <a:p>
+            <a:r>
+              <a:rPr lang="de-DE" b="0" i="0" dirty="0">
+                <a:solidFill>
+                  <a:srgbClr val="333333"/>
+                </a:solidFill>
+                <a:effectLst/>
+              </a:rPr>
+              <a:t>Guglielmo Giovanni Maria Marconi</a:t>
+            </a:r>
+            <a:endParaRPr lang="de-DE" dirty="0"/>
+          </a:p>
+        </p:txBody>
+      </p:sp>
+      <p:sp>
+        <p:nvSpPr>
+          <p:cNvPr id="3" name="Inhaltsplatzhalter 2">
+            <a:extLst>
+              <a:ext uri="{FF2B5EF4-FFF2-40B4-BE49-F238E27FC236}">
+                <a16:creationId xmlns:a16="http://schemas.microsoft.com/office/drawing/2014/main" id="{434FC807-002C-BE84-B49D-5E74C3460A62}"/>
+              </a:ext>
+            </a:extLst>
+          </p:cNvPr>
+          <p:cNvSpPr>
+            <a:spLocks noGrp="1"/>
+          </p:cNvSpPr>
+          <p:nvPr>
+            <p:ph idx="1"/>
+          </p:nvPr>
+        </p:nvSpPr>
+        <p:spPr>
+          <a:xfrm>
+            <a:off x="838200" y="1825625"/>
+            <a:ext cx="5512358" cy="4351338"/>
+          </a:xfrm>
+        </p:spPr>
+        <p:txBody>
+          <a:bodyPr>
+            <a:normAutofit fontScale="92500" lnSpcReduction="10000"/>
+          </a:bodyPr>
+          <a:lstStyle/>
+          <a:p>
+            <a:r>
+              <a:rPr lang="de-DE" dirty="0"/>
+              <a:t>Studierte Theorien von Hertz</a:t>
+            </a:r>
+          </a:p>
+          <a:p>
+            <a:r>
+              <a:rPr lang="de-DE" dirty="0"/>
+              <a:t>1895: Distanz 2km</a:t>
+            </a:r>
+          </a:p>
+          <a:p>
+            <a:r>
+              <a:rPr lang="de-DE" dirty="0"/>
+              <a:t>Wireless Telegraph &amp; Signal Company</a:t>
+            </a:r>
+          </a:p>
+          <a:p>
+            <a:r>
+              <a:rPr lang="de-DE" dirty="0"/>
+              <a:t>Transatlantische Datenübertragung</a:t>
+            </a:r>
+          </a:p>
+          <a:p>
+            <a:endParaRPr lang="de-DE" dirty="0"/>
+          </a:p>
+          <a:p>
+            <a:endParaRPr lang="de-DE" dirty="0"/>
+          </a:p>
+          <a:p>
+            <a:endParaRPr lang="de-DE" dirty="0"/>
+          </a:p>
+          <a:p>
+            <a:endParaRPr lang="de-DE" dirty="0"/>
+          </a:p>
+          <a:p>
+            <a:pPr marL="0" indent="0">
+              <a:buNone/>
+            </a:pPr>
+            <a:r>
+              <a:rPr lang="de-DE" sz="1500" dirty="0"/>
+              <a:t> Quelle: https://prabook.com/web/show-photo-icon.jpg?id=2602255&amp;width=220&amp;cache=false</a:t>
+            </a:r>
+          </a:p>
+        </p:txBody>
+      </p:sp>
+      <p:sp>
+        <p:nvSpPr>
+          <p:cNvPr id="4" name="Datumsplatzhalter 3">
+            <a:extLst>
+              <a:ext uri="{FF2B5EF4-FFF2-40B4-BE49-F238E27FC236}">
+                <a16:creationId xmlns:a16="http://schemas.microsoft.com/office/drawing/2014/main" id="{794F589A-AAFF-8B3A-F90D-FEDE9AB11069}"/>
+              </a:ext>
+            </a:extLst>
+          </p:cNvPr>
+          <p:cNvSpPr>
+            <a:spLocks noGrp="1"/>
+          </p:cNvSpPr>
+          <p:nvPr>
+            <p:ph type="dt" sz="half" idx="10"/>
+          </p:nvPr>
+        </p:nvSpPr>
+        <p:spPr/>
+        <p:txBody>
+          <a:bodyPr/>
+          <a:lstStyle/>
+          <a:p>
+            <a:fld id="{CDF3BACB-F35C-4EB6-AB22-9E9EA63B1866}" type="datetime1">
+              <a:rPr lang="de-DE" smtClean="0"/>
+              <a:t>23.11.2023</a:t>
+            </a:fld>
+            <a:endParaRPr lang="de-DE"/>
+          </a:p>
+        </p:txBody>
+      </p:sp>
+      <p:sp>
+        <p:nvSpPr>
+          <p:cNvPr id="5" name="Fußzeilenplatzhalter 4">
+            <a:extLst>
+              <a:ext uri="{FF2B5EF4-FFF2-40B4-BE49-F238E27FC236}">
+                <a16:creationId xmlns:a16="http://schemas.microsoft.com/office/drawing/2014/main" id="{A3E89ABA-D0E3-1BD0-8834-8DCA5FBB9D70}"/>
+              </a:ext>
+            </a:extLst>
+          </p:cNvPr>
+          <p:cNvSpPr>
+            <a:spLocks noGrp="1"/>
+          </p:cNvSpPr>
+          <p:nvPr>
+            <p:ph type="ftr" sz="quarter" idx="11"/>
+          </p:nvPr>
+        </p:nvSpPr>
+        <p:spPr/>
+        <p:txBody>
+          <a:bodyPr/>
+          <a:lstStyle/>
+          <a:p>
+            <a:r>
+              <a:rPr lang="de-DE"/>
+              <a:t>Korbinian Müller -Wired und Wireless Netzwerke und ihre Topologien-Fach: Einführung in die Informatik</a:t>
+            </a:r>
+          </a:p>
+        </p:txBody>
+      </p:sp>
+      <p:sp>
+        <p:nvSpPr>
+          <p:cNvPr id="6" name="Foliennummernplatzhalter 5">
+            <a:extLst>
+              <a:ext uri="{FF2B5EF4-FFF2-40B4-BE49-F238E27FC236}">
+                <a16:creationId xmlns:a16="http://schemas.microsoft.com/office/drawing/2014/main" id="{A44F3F24-5E46-138D-824E-247B31FC278F}"/>
+              </a:ext>
+            </a:extLst>
+          </p:cNvPr>
+          <p:cNvSpPr>
+            <a:spLocks noGrp="1"/>
+          </p:cNvSpPr>
+          <p:nvPr>
+            <p:ph type="sldNum" sz="quarter" idx="12"/>
+          </p:nvPr>
+        </p:nvSpPr>
+        <p:spPr/>
+        <p:txBody>
+          <a:bodyPr/>
+          <a:lstStyle/>
+          <a:p>
+            <a:fld id="{5DE6925C-1583-47A7-A548-3B5B1B0709B5}" type="slidenum">
+              <a:rPr lang="de-DE" smtClean="0"/>
+              <a:pPr/>
+              <a:t>10</a:t>
+            </a:fld>
+            <a:endParaRPr lang="de-DE" dirty="0"/>
+          </a:p>
+        </p:txBody>
+      </p:sp>
+      <p:pic>
+        <p:nvPicPr>
+          <p:cNvPr id="9" name="Grafik 8" descr="Ein Bild, das Kleidung, Person, Menschliches Gesicht, Porträt enthält.&#10;&#10;Automatisch generierte Beschreibung">
+            <a:extLst>
+              <a:ext uri="{FF2B5EF4-FFF2-40B4-BE49-F238E27FC236}">
+                <a16:creationId xmlns:a16="http://schemas.microsoft.com/office/drawing/2014/main" id="{8DB54626-2202-2319-6902-42E67D8BCDEB}"/>
+              </a:ext>
+            </a:extLst>
+          </p:cNvPr>
+          <p:cNvPicPr>
+            <a:picLocks noChangeAspect="1"/>
+          </p:cNvPicPr>
+          <p:nvPr/>
+        </p:nvPicPr>
+        <p:blipFill>
+          <a:blip r:embed="rId2">
+            <a:extLst>
+              <a:ext uri="{28A0092B-C50C-407E-A947-70E740481C1C}">
+                <a14:useLocalDpi xmlns:a14="http://schemas.microsoft.com/office/drawing/2010/main" val="0"/>
+              </a:ext>
+            </a:extLst>
+          </a:blip>
+          <a:stretch>
+            <a:fillRect/>
+          </a:stretch>
+        </p:blipFill>
+        <p:spPr>
+          <a:xfrm>
+            <a:off x="7046912" y="1870075"/>
+            <a:ext cx="4306888" cy="4306888"/>
+          </a:xfrm>
+          <a:prstGeom prst="rect">
+            <a:avLst/>
+          </a:prstGeom>
+        </p:spPr>
+      </p:pic>
+    </p:spTree>
+    <p:extLst>
+      <p:ext uri="{BB962C8B-B14F-4D97-AF65-F5344CB8AC3E}">
+        <p14:creationId xmlns:p14="http://schemas.microsoft.com/office/powerpoint/2010/main" val="2346743059"/>
+      </p:ext>
+    </p:extLst>
+  </p:cSld>
+  <p:clrMapOvr>
+    <a:masterClrMapping/>
+  </p:clrMapOvr>
+</p:sld>
+</file>
+
+<file path=ppt/slides/slide11.xml><?xml version="1.0" encoding="utf-8"?>
+<p:sld xmlns:a="http://schemas.openxmlformats.org/drawingml/2006/main" xmlns:r="http://schemas.openxmlformats.org/officeDocument/2006/relationships" xmlns:p="http://schemas.openxmlformats.org/presentationml/2006/main">
+  <p:cSld>
+    <p:spTree>
+      <p:nvGrpSpPr>
+        <p:cNvPr id="1" name=""/>
+        <p:cNvGrpSpPr/>
+        <p:nvPr/>
+      </p:nvGrpSpPr>
+      <p:grpSpPr>
+        <a:xfrm>
+          <a:off x="0" y="0"/>
+          <a:ext cx="0" cy="0"/>
+          <a:chOff x="0" y="0"/>
+          <a:chExt cx="0" cy="0"/>
+        </a:xfrm>
+      </p:grpSpPr>
+      <p:sp>
+        <p:nvSpPr>
+          <p:cNvPr id="2" name="Titel 1">
+            <a:extLst>
+              <a:ext uri="{FF2B5EF4-FFF2-40B4-BE49-F238E27FC236}">
+                <a16:creationId xmlns:a16="http://schemas.microsoft.com/office/drawing/2014/main" id="{49724150-AE62-9A57-2BF0-D69AC68C64CE}"/>
+              </a:ext>
+            </a:extLst>
+          </p:cNvPr>
+          <p:cNvSpPr>
+            <a:spLocks noGrp="1"/>
+          </p:cNvSpPr>
+          <p:nvPr>
+            <p:ph type="title"/>
+          </p:nvPr>
+        </p:nvSpPr>
+        <p:spPr/>
+        <p:txBody>
+          <a:bodyPr/>
+          <a:lstStyle/>
+          <a:p>
+            <a:r>
+              <a:rPr lang="de-DE" b="0" i="0" dirty="0">
+                <a:solidFill>
+                  <a:srgbClr val="333333"/>
+                </a:solidFill>
+                <a:effectLst/>
+                <a:latin typeface="Karla" panose="020F0502020204030204" pitchFamily="2" charset="0"/>
+              </a:rPr>
+              <a:t>Hedy Lamarr</a:t>
+            </a:r>
+            <a:endParaRPr lang="de-DE" dirty="0"/>
+          </a:p>
+        </p:txBody>
+      </p:sp>
+      <p:sp>
+        <p:nvSpPr>
+          <p:cNvPr id="3" name="Inhaltsplatzhalter 2">
+            <a:extLst>
+              <a:ext uri="{FF2B5EF4-FFF2-40B4-BE49-F238E27FC236}">
+                <a16:creationId xmlns:a16="http://schemas.microsoft.com/office/drawing/2014/main" id="{434FC807-002C-BE84-B49D-5E74C3460A62}"/>
+              </a:ext>
+            </a:extLst>
+          </p:cNvPr>
+          <p:cNvSpPr>
+            <a:spLocks noGrp="1"/>
+          </p:cNvSpPr>
+          <p:nvPr>
+            <p:ph idx="1"/>
+          </p:nvPr>
+        </p:nvSpPr>
+        <p:spPr>
+          <a:xfrm>
+            <a:off x="838200" y="1825625"/>
+            <a:ext cx="5512358" cy="4351338"/>
+          </a:xfrm>
+        </p:spPr>
+        <p:txBody>
+          <a:bodyPr>
+            <a:normAutofit lnSpcReduction="10000"/>
+          </a:bodyPr>
+          <a:lstStyle/>
+          <a:p>
+            <a:endParaRPr lang="de-DE" dirty="0"/>
+          </a:p>
+          <a:p>
+            <a:r>
+              <a:rPr lang="de-DE" dirty="0"/>
+              <a:t>Schauspielerin/ Ingenieurin</a:t>
+            </a:r>
+          </a:p>
+          <a:p>
+            <a:r>
+              <a:rPr lang="de-DE" dirty="0"/>
+              <a:t>Verschlüsselte Übertragung</a:t>
+            </a:r>
+          </a:p>
+          <a:p>
+            <a:r>
+              <a:rPr lang="de-DE" dirty="0"/>
+              <a:t>Frequenz Hopping</a:t>
+            </a:r>
+          </a:p>
+          <a:p>
+            <a:endParaRPr lang="de-DE" dirty="0"/>
+          </a:p>
+          <a:p>
+            <a:endParaRPr lang="de-DE" dirty="0"/>
+          </a:p>
+          <a:p>
+            <a:endParaRPr lang="de-DE" dirty="0"/>
+          </a:p>
+          <a:p>
+            <a:pPr marL="0" indent="0">
+              <a:buNone/>
+            </a:pPr>
+            <a:r>
+              <a:rPr lang="de-DE" sz="1500" dirty="0"/>
+              <a:t> Quelle:</a:t>
+            </a:r>
+          </a:p>
+          <a:p>
+            <a:pPr marL="0" indent="0">
+              <a:buNone/>
+            </a:pPr>
+            <a:r>
+              <a:rPr lang="de-DE" sz="1500" dirty="0"/>
+              <a:t>https://i0.wp.com/prologue.blogs.archives.gov/wp-content/uploads/sites/9/2020/05/2017-2076.jpg?ssl=1</a:t>
+            </a:r>
+          </a:p>
+        </p:txBody>
+      </p:sp>
+      <p:sp>
+        <p:nvSpPr>
+          <p:cNvPr id="4" name="Datumsplatzhalter 3">
+            <a:extLst>
+              <a:ext uri="{FF2B5EF4-FFF2-40B4-BE49-F238E27FC236}">
+                <a16:creationId xmlns:a16="http://schemas.microsoft.com/office/drawing/2014/main" id="{794F589A-AAFF-8B3A-F90D-FEDE9AB11069}"/>
+              </a:ext>
+            </a:extLst>
+          </p:cNvPr>
+          <p:cNvSpPr>
+            <a:spLocks noGrp="1"/>
+          </p:cNvSpPr>
+          <p:nvPr>
+            <p:ph type="dt" sz="half" idx="10"/>
+          </p:nvPr>
+        </p:nvSpPr>
+        <p:spPr/>
+        <p:txBody>
+          <a:bodyPr/>
+          <a:lstStyle/>
+          <a:p>
+            <a:fld id="{CDF3BACB-F35C-4EB6-AB22-9E9EA63B1866}" type="datetime1">
+              <a:rPr lang="de-DE" smtClean="0"/>
+              <a:t>23.11.2023</a:t>
+            </a:fld>
+            <a:endParaRPr lang="de-DE"/>
+          </a:p>
+        </p:txBody>
+      </p:sp>
+      <p:sp>
+        <p:nvSpPr>
+          <p:cNvPr id="5" name="Fußzeilenplatzhalter 4">
+            <a:extLst>
+              <a:ext uri="{FF2B5EF4-FFF2-40B4-BE49-F238E27FC236}">
+                <a16:creationId xmlns:a16="http://schemas.microsoft.com/office/drawing/2014/main" id="{A3E89ABA-D0E3-1BD0-8834-8DCA5FBB9D70}"/>
+              </a:ext>
+            </a:extLst>
+          </p:cNvPr>
+          <p:cNvSpPr>
+            <a:spLocks noGrp="1"/>
+          </p:cNvSpPr>
+          <p:nvPr>
+            <p:ph type="ftr" sz="quarter" idx="11"/>
+          </p:nvPr>
+        </p:nvSpPr>
+        <p:spPr/>
+        <p:txBody>
+          <a:bodyPr/>
+          <a:lstStyle/>
+          <a:p>
+            <a:r>
+              <a:rPr lang="de-DE"/>
+              <a:t>Korbinian Müller -Wired und Wireless Netzwerke und ihre Topologien-Fach: Einführung in die Informatik</a:t>
+            </a:r>
+          </a:p>
+        </p:txBody>
+      </p:sp>
+      <p:sp>
+        <p:nvSpPr>
+          <p:cNvPr id="6" name="Foliennummernplatzhalter 5">
+            <a:extLst>
+              <a:ext uri="{FF2B5EF4-FFF2-40B4-BE49-F238E27FC236}">
+                <a16:creationId xmlns:a16="http://schemas.microsoft.com/office/drawing/2014/main" id="{A44F3F24-5E46-138D-824E-247B31FC278F}"/>
+              </a:ext>
+            </a:extLst>
+          </p:cNvPr>
+          <p:cNvSpPr>
+            <a:spLocks noGrp="1"/>
+          </p:cNvSpPr>
+          <p:nvPr>
+            <p:ph type="sldNum" sz="quarter" idx="12"/>
+          </p:nvPr>
+        </p:nvSpPr>
+        <p:spPr/>
+        <p:txBody>
+          <a:bodyPr/>
+          <a:lstStyle/>
+          <a:p>
+            <a:fld id="{5DE6925C-1583-47A7-A548-3B5B1B0709B5}" type="slidenum">
+              <a:rPr lang="de-DE" smtClean="0"/>
+              <a:pPr/>
+              <a:t>11</a:t>
+            </a:fld>
+            <a:endParaRPr lang="de-DE" dirty="0"/>
+          </a:p>
+        </p:txBody>
+      </p:sp>
+      <p:pic>
+        <p:nvPicPr>
+          <p:cNvPr id="8" name="Grafik 7" descr="Ein Bild, das Kleidung, Person, draußen, Menschliches Gesicht enthält.&#10;&#10;Automatisch generierte Beschreibung">
+            <a:extLst>
+              <a:ext uri="{FF2B5EF4-FFF2-40B4-BE49-F238E27FC236}">
+                <a16:creationId xmlns:a16="http://schemas.microsoft.com/office/drawing/2014/main" id="{9A434DF4-3395-AD4C-CC92-F08E56228424}"/>
+              </a:ext>
+            </a:extLst>
+          </p:cNvPr>
+          <p:cNvPicPr>
+            <a:picLocks noChangeAspect="1"/>
+          </p:cNvPicPr>
+          <p:nvPr/>
+        </p:nvPicPr>
+        <p:blipFill>
+          <a:blip r:embed="rId2">
+            <a:extLst>
+              <a:ext uri="{28A0092B-C50C-407E-A947-70E740481C1C}">
+                <a14:useLocalDpi xmlns:a14="http://schemas.microsoft.com/office/drawing/2010/main" val="0"/>
+              </a:ext>
+            </a:extLst>
+          </a:blip>
+          <a:stretch>
+            <a:fillRect/>
+          </a:stretch>
+        </p:blipFill>
+        <p:spPr>
+          <a:xfrm>
+            <a:off x="6350558" y="1620837"/>
+            <a:ext cx="5308367" cy="3616325"/>
+          </a:xfrm>
+          <a:prstGeom prst="rect">
+            <a:avLst/>
+          </a:prstGeom>
+        </p:spPr>
+      </p:pic>
+    </p:spTree>
+    <p:extLst>
+      <p:ext uri="{BB962C8B-B14F-4D97-AF65-F5344CB8AC3E}">
+        <p14:creationId xmlns:p14="http://schemas.microsoft.com/office/powerpoint/2010/main" val="735879149"/>
+      </p:ext>
+    </p:extLst>
+  </p:cSld>
+  <p:clrMapOvr>
+    <a:masterClrMapping/>
+  </p:clrMapOvr>
+</p:sld>
+</file>
+
+<file path=ppt/slides/slide12.xml><?xml version="1.0" encoding="utf-8"?>
+<p:sld xmlns:a="http://schemas.openxmlformats.org/drawingml/2006/main" xmlns:r="http://schemas.openxmlformats.org/officeDocument/2006/relationships" xmlns:p="http://schemas.openxmlformats.org/presentationml/2006/main">
+  <p:cSld>
+    <p:spTree>
+      <p:nvGrpSpPr>
+        <p:cNvPr id="1" name=""/>
+        <p:cNvGrpSpPr/>
+        <p:nvPr/>
+      </p:nvGrpSpPr>
+      <p:grpSpPr>
+        <a:xfrm>
+          <a:off x="0" y="0"/>
+          <a:ext cx="0" cy="0"/>
+          <a:chOff x="0" y="0"/>
+          <a:chExt cx="0" cy="0"/>
+        </a:xfrm>
+      </p:grpSpPr>
+      <p:sp>
+        <p:nvSpPr>
+          <p:cNvPr id="2" name="Titel 1">
+            <a:extLst>
+              <a:ext uri="{FF2B5EF4-FFF2-40B4-BE49-F238E27FC236}">
+                <a16:creationId xmlns:a16="http://schemas.microsoft.com/office/drawing/2014/main" id="{52828195-6021-7B9B-B168-6CC3C60A52B6}"/>
+              </a:ext>
+            </a:extLst>
+          </p:cNvPr>
+          <p:cNvSpPr>
+            <a:spLocks noGrp="1"/>
+          </p:cNvSpPr>
+          <p:nvPr>
+            <p:ph type="title"/>
+          </p:nvPr>
+        </p:nvSpPr>
+        <p:spPr/>
+        <p:txBody>
+          <a:bodyPr/>
+          <a:lstStyle/>
+          <a:p>
+            <a:r>
+              <a:rPr lang="de-DE" dirty="0"/>
+              <a:t>Victor Hayes</a:t>
+            </a:r>
+          </a:p>
+        </p:txBody>
+      </p:sp>
+      <p:sp>
+        <p:nvSpPr>
+          <p:cNvPr id="3" name="Inhaltsplatzhalter 2">
+            <a:extLst>
+              <a:ext uri="{FF2B5EF4-FFF2-40B4-BE49-F238E27FC236}">
+                <a16:creationId xmlns:a16="http://schemas.microsoft.com/office/drawing/2014/main" id="{297B7C5D-2D2F-F510-A5D2-9BAE4BCD1AF7}"/>
+              </a:ext>
+            </a:extLst>
+          </p:cNvPr>
+          <p:cNvSpPr>
+            <a:spLocks noGrp="1"/>
+          </p:cNvSpPr>
+          <p:nvPr>
+            <p:ph idx="1"/>
+          </p:nvPr>
+        </p:nvSpPr>
+        <p:spPr>
+          <a:xfrm>
+            <a:off x="838200" y="1825625"/>
+            <a:ext cx="5257800" cy="4351338"/>
+          </a:xfrm>
+        </p:spPr>
+        <p:txBody>
+          <a:bodyPr>
+            <a:normAutofit/>
+          </a:bodyPr>
+          <a:lstStyle/>
+          <a:p>
+            <a:r>
+              <a:rPr lang="de-DE" dirty="0" err="1"/>
+              <a:t>Pionierte</a:t>
+            </a:r>
+            <a:r>
+              <a:rPr lang="de-DE" dirty="0"/>
+              <a:t> IEE 802.11</a:t>
+            </a:r>
+          </a:p>
+          <a:p>
+            <a:r>
+              <a:rPr lang="de-DE" dirty="0"/>
+              <a:t>Basiert auf ISO/OSI</a:t>
+            </a:r>
+          </a:p>
+          <a:p>
+            <a:r>
+              <a:rPr lang="de-DE" dirty="0"/>
+              <a:t>Änderung auf Schicht 0 / 1</a:t>
+            </a:r>
+          </a:p>
+          <a:p>
+            <a:endParaRPr lang="de-DE" dirty="0"/>
+          </a:p>
+          <a:p>
+            <a:endParaRPr lang="de-DE" dirty="0"/>
+          </a:p>
+          <a:p>
+            <a:endParaRPr lang="de-DE" dirty="0"/>
+          </a:p>
+          <a:p>
+            <a:pPr marL="0" indent="0">
+              <a:buNone/>
+            </a:pPr>
+            <a:r>
+              <a:rPr lang="de-DE" sz="1500" dirty="0"/>
+              <a:t>Quelle</a:t>
+            </a:r>
+          </a:p>
+          <a:p>
+            <a:pPr marL="0" indent="0">
+              <a:buNone/>
+            </a:pPr>
+            <a:r>
+              <a:rPr lang="de-DE" sz="1600" dirty="0"/>
+              <a:t>https://th.bing.com/th?id=OIP.zFXB4AXw3K_obhn7HEeS6AAAAA&amp;w=80&amp;h=80&amp;c=1&amp;vt=10&amp;bgcl=6cdd62&amp;r=0&amp;o=6&amp;pid=5.1</a:t>
+            </a:r>
+          </a:p>
+        </p:txBody>
+      </p:sp>
+      <p:sp>
+        <p:nvSpPr>
+          <p:cNvPr id="4" name="Datumsplatzhalter 3">
+            <a:extLst>
+              <a:ext uri="{FF2B5EF4-FFF2-40B4-BE49-F238E27FC236}">
+                <a16:creationId xmlns:a16="http://schemas.microsoft.com/office/drawing/2014/main" id="{A408A93B-E4F2-51D6-CCEF-38FFCD319264}"/>
+              </a:ext>
+            </a:extLst>
+          </p:cNvPr>
+          <p:cNvSpPr>
+            <a:spLocks noGrp="1"/>
+          </p:cNvSpPr>
+          <p:nvPr>
+            <p:ph type="dt" sz="half" idx="10"/>
+          </p:nvPr>
+        </p:nvSpPr>
+        <p:spPr/>
+        <p:txBody>
+          <a:bodyPr/>
+          <a:lstStyle/>
+          <a:p>
+            <a:fld id="{CDF3BACB-F35C-4EB6-AB22-9E9EA63B1866}" type="datetime1">
+              <a:rPr lang="de-DE" smtClean="0"/>
+              <a:t>23.11.2023</a:t>
+            </a:fld>
+            <a:endParaRPr lang="de-DE"/>
+          </a:p>
+        </p:txBody>
+      </p:sp>
+      <p:sp>
+        <p:nvSpPr>
+          <p:cNvPr id="5" name="Fußzeilenplatzhalter 4">
+            <a:extLst>
+              <a:ext uri="{FF2B5EF4-FFF2-40B4-BE49-F238E27FC236}">
+                <a16:creationId xmlns:a16="http://schemas.microsoft.com/office/drawing/2014/main" id="{68C23D93-D2DD-C870-0C80-EDB0C35F7BA4}"/>
+              </a:ext>
+            </a:extLst>
+          </p:cNvPr>
+          <p:cNvSpPr>
+            <a:spLocks noGrp="1"/>
+          </p:cNvSpPr>
+          <p:nvPr>
+            <p:ph type="ftr" sz="quarter" idx="11"/>
+          </p:nvPr>
+        </p:nvSpPr>
+        <p:spPr/>
+        <p:txBody>
+          <a:bodyPr/>
+          <a:lstStyle/>
+          <a:p>
+            <a:r>
+              <a:rPr lang="de-DE"/>
+              <a:t>Korbinian Müller -Wired und Wireless Netzwerke und ihre Topologien-Fach: Einführung in die Informatik</a:t>
+            </a:r>
+          </a:p>
+        </p:txBody>
+      </p:sp>
+      <p:sp>
+        <p:nvSpPr>
+          <p:cNvPr id="6" name="Foliennummernplatzhalter 5">
+            <a:extLst>
+              <a:ext uri="{FF2B5EF4-FFF2-40B4-BE49-F238E27FC236}">
+                <a16:creationId xmlns:a16="http://schemas.microsoft.com/office/drawing/2014/main" id="{E9BB3ADA-443A-104A-CE56-E3B5F5A4C7F8}"/>
+              </a:ext>
+            </a:extLst>
+          </p:cNvPr>
+          <p:cNvSpPr>
+            <a:spLocks noGrp="1"/>
+          </p:cNvSpPr>
+          <p:nvPr>
+            <p:ph type="sldNum" sz="quarter" idx="12"/>
+          </p:nvPr>
+        </p:nvSpPr>
+        <p:spPr/>
+        <p:txBody>
+          <a:bodyPr/>
+          <a:lstStyle/>
+          <a:p>
+            <a:fld id="{5DE6925C-1583-47A7-A548-3B5B1B0709B5}" type="slidenum">
+              <a:rPr lang="de-DE" smtClean="0"/>
+              <a:pPr/>
+              <a:t>12</a:t>
+            </a:fld>
+            <a:endParaRPr lang="de-DE" dirty="0"/>
+          </a:p>
+        </p:txBody>
+      </p:sp>
+      <p:pic>
+        <p:nvPicPr>
+          <p:cNvPr id="8" name="Grafik 7" descr="Ein Bild, das Person, Menschliches Gesicht, Vorderkopf, Kinn enthält.&#10;&#10;Automatisch generierte Beschreibung">
+            <a:extLst>
+              <a:ext uri="{FF2B5EF4-FFF2-40B4-BE49-F238E27FC236}">
+                <a16:creationId xmlns:a16="http://schemas.microsoft.com/office/drawing/2014/main" id="{D066C66F-EF9B-C8D8-B333-06AAC175F7BB}"/>
+              </a:ext>
+            </a:extLst>
+          </p:cNvPr>
+          <p:cNvPicPr>
+            <a:picLocks noChangeAspect="1"/>
+          </p:cNvPicPr>
+          <p:nvPr/>
+        </p:nvPicPr>
+        <p:blipFill>
+          <a:blip r:embed="rId2">
+            <a:extLst>
+              <a:ext uri="{28A0092B-C50C-407E-A947-70E740481C1C}">
+                <a14:useLocalDpi xmlns:a14="http://schemas.microsoft.com/office/drawing/2010/main" val="0"/>
+              </a:ext>
+            </a:extLst>
+          </a:blip>
+          <a:stretch>
+            <a:fillRect/>
+          </a:stretch>
+        </p:blipFill>
+        <p:spPr>
+          <a:xfrm>
+            <a:off x="8039100" y="1690688"/>
+            <a:ext cx="3314700" cy="3314700"/>
+          </a:xfrm>
+          <a:prstGeom prst="rect">
+            <a:avLst/>
+          </a:prstGeom>
+        </p:spPr>
+      </p:pic>
+    </p:spTree>
+    <p:extLst>
+      <p:ext uri="{BB962C8B-B14F-4D97-AF65-F5344CB8AC3E}">
+        <p14:creationId xmlns:p14="http://schemas.microsoft.com/office/powerpoint/2010/main" val="2402079544"/>
+      </p:ext>
+    </p:extLst>
+  </p:cSld>
+  <p:clrMapOvr>
+    <a:masterClrMapping/>
+  </p:clrMapOvr>
+</p:sld>
+</file>
+
+<file path=ppt/slides/slide13.xml><?xml version="1.0" encoding="utf-8"?>
+<p:sld xmlns:a="http://schemas.openxmlformats.org/drawingml/2006/main" xmlns:r="http://schemas.openxmlformats.org/officeDocument/2006/relationships" xmlns:p="http://schemas.openxmlformats.org/presentationml/2006/main">
+  <p:cSld>
+    <p:spTree>
+      <p:nvGrpSpPr>
+        <p:cNvPr id="1" name=""/>
+        <p:cNvGrpSpPr/>
+        <p:nvPr/>
+      </p:nvGrpSpPr>
+      <p:grpSpPr>
+        <a:xfrm>
+          <a:off x="0" y="0"/>
+          <a:ext cx="0" cy="0"/>
+          <a:chOff x="0" y="0"/>
+          <a:chExt cx="0" cy="0"/>
+        </a:xfrm>
+      </p:grpSpPr>
+      <p:sp>
+        <p:nvSpPr>
+          <p:cNvPr id="2" name="Datumsplatzhalter 1">
+            <a:extLst>
+              <a:ext uri="{FF2B5EF4-FFF2-40B4-BE49-F238E27FC236}">
+                <a16:creationId xmlns:a16="http://schemas.microsoft.com/office/drawing/2014/main" id="{201F5B06-7162-E133-756C-6EFA1C1C101D}"/>
+              </a:ext>
+            </a:extLst>
+          </p:cNvPr>
+          <p:cNvSpPr>
+            <a:spLocks noGrp="1"/>
+          </p:cNvSpPr>
+          <p:nvPr>
+            <p:ph type="dt" sz="half" idx="10"/>
+          </p:nvPr>
+        </p:nvSpPr>
+        <p:spPr/>
+        <p:txBody>
+          <a:bodyPr/>
+          <a:lstStyle/>
+          <a:p>
+            <a:fld id="{D6AEE7B7-EA38-4A12-8758-E55DFEFCADC1}" type="datetime1">
+              <a:rPr lang="de-DE" smtClean="0"/>
+              <a:t>23.11.2023</a:t>
+            </a:fld>
+            <a:endParaRPr lang="de-DE" dirty="0"/>
+          </a:p>
+        </p:txBody>
+      </p:sp>
+      <p:sp>
+        <p:nvSpPr>
+          <p:cNvPr id="3" name="Fußzeilenplatzhalter 2">
+            <a:extLst>
+              <a:ext uri="{FF2B5EF4-FFF2-40B4-BE49-F238E27FC236}">
+                <a16:creationId xmlns:a16="http://schemas.microsoft.com/office/drawing/2014/main" id="{455EEA79-D5BB-ACE8-2E76-440141C3F2A8}"/>
+              </a:ext>
+            </a:extLst>
+          </p:cNvPr>
+          <p:cNvSpPr>
+            <a:spLocks noGrp="1"/>
+          </p:cNvSpPr>
+          <p:nvPr>
+            <p:ph type="ftr" sz="quarter" idx="11"/>
+          </p:nvPr>
+        </p:nvSpPr>
+        <p:spPr/>
+        <p:txBody>
+          <a:bodyPr/>
+          <a:lstStyle/>
+          <a:p>
+            <a:r>
+              <a:rPr lang="de-DE"/>
+              <a:t>Korbinian Müller -Wired und Wireless Netzwerke und ihre Topologien-Fach: Einführung in die Informatik</a:t>
+            </a:r>
+            <a:endParaRPr lang="de-DE" dirty="0"/>
+          </a:p>
+        </p:txBody>
+      </p:sp>
+      <p:sp>
+        <p:nvSpPr>
+          <p:cNvPr id="4" name="Foliennummernplatzhalter 3">
+            <a:extLst>
+              <a:ext uri="{FF2B5EF4-FFF2-40B4-BE49-F238E27FC236}">
+                <a16:creationId xmlns:a16="http://schemas.microsoft.com/office/drawing/2014/main" id="{17BC135B-0F37-1D5D-D33D-9BF386D20173}"/>
+              </a:ext>
+            </a:extLst>
+          </p:cNvPr>
+          <p:cNvSpPr>
+            <a:spLocks noGrp="1"/>
+          </p:cNvSpPr>
+          <p:nvPr>
+            <p:ph type="sldNum" sz="quarter" idx="12"/>
+          </p:nvPr>
+        </p:nvSpPr>
+        <p:spPr/>
+        <p:txBody>
+          <a:bodyPr/>
+          <a:lstStyle/>
+          <a:p>
+            <a:fld id="{5DE6925C-1583-47A7-A548-3B5B1B0709B5}" type="slidenum">
+              <a:rPr lang="de-DE" smtClean="0"/>
+              <a:pPr/>
+              <a:t>13</a:t>
+            </a:fld>
+            <a:endParaRPr lang="de-DE" dirty="0"/>
+          </a:p>
+        </p:txBody>
+      </p:sp>
+      <p:graphicFrame>
+        <p:nvGraphicFramePr>
+          <p:cNvPr id="5" name="Tabelle 4">
+            <a:extLst>
+              <a:ext uri="{FF2B5EF4-FFF2-40B4-BE49-F238E27FC236}">
+                <a16:creationId xmlns:a16="http://schemas.microsoft.com/office/drawing/2014/main" id="{FBB3A258-BBA1-015A-2D51-9C09F24E3283}"/>
+              </a:ext>
+            </a:extLst>
+          </p:cNvPr>
+          <p:cNvGraphicFramePr>
+            <a:graphicFrameLocks noGrp="1"/>
+          </p:cNvGraphicFramePr>
+          <p:nvPr>
+            <p:extLst>
+              <p:ext uri="{D42A27DB-BD31-4B8C-83A1-F6EECF244321}">
+                <p14:modId xmlns:p14="http://schemas.microsoft.com/office/powerpoint/2010/main" val="3661278430"/>
+              </p:ext>
+            </p:extLst>
+          </p:nvPr>
+        </p:nvGraphicFramePr>
+        <p:xfrm>
+          <a:off x="971550" y="567266"/>
+          <a:ext cx="10248900" cy="4347030"/>
+        </p:xfrm>
+        <a:graphic>
+          <a:graphicData uri="http://schemas.openxmlformats.org/drawingml/2006/table">
+            <a:tbl>
+              <a:tblPr firstRow="1" bandRow="1">
+                <a:tableStyleId>{2D5ABB26-0587-4C30-8999-92F81FD0307C}</a:tableStyleId>
+              </a:tblPr>
+              <a:tblGrid>
+                <a:gridCol w="3416300">
+                  <a:extLst>
+                    <a:ext uri="{9D8B030D-6E8A-4147-A177-3AD203B41FA5}">
+                      <a16:colId xmlns:a16="http://schemas.microsoft.com/office/drawing/2014/main" val="3900620165"/>
+                    </a:ext>
+                  </a:extLst>
+                </a:gridCol>
+                <a:gridCol w="3416300">
+                  <a:extLst>
+                    <a:ext uri="{9D8B030D-6E8A-4147-A177-3AD203B41FA5}">
+                      <a16:colId xmlns:a16="http://schemas.microsoft.com/office/drawing/2014/main" val="1118886835"/>
+                    </a:ext>
+                  </a:extLst>
+                </a:gridCol>
+                <a:gridCol w="3416300">
+                  <a:extLst>
+                    <a:ext uri="{9D8B030D-6E8A-4147-A177-3AD203B41FA5}">
+                      <a16:colId xmlns:a16="http://schemas.microsoft.com/office/drawing/2014/main" val="4164240493"/>
+                    </a:ext>
+                  </a:extLst>
+                </a:gridCol>
+              </a:tblGrid>
+              <a:tr h="724505">
+                <a:tc>
+                  <a:txBody>
+                    <a:bodyPr/>
+                    <a:lstStyle/>
+                    <a:p>
+                      <a:r>
+                        <a:rPr lang="de-DE" dirty="0" err="1"/>
+                        <a:t>Standart</a:t>
+                      </a:r>
+                      <a:endParaRPr lang="de-DE" dirty="0"/>
+                    </a:p>
+                  </a:txBody>
+                  <a:tcPr>
+                    <a:lnL w="19050" cap="flat" cmpd="sng" algn="ctr">
+                      <a:solidFill>
+                        <a:srgbClr val="387373"/>
+                      </a:solidFill>
+                      <a:prstDash val="solid"/>
+                      <a:round/>
+                      <a:headEnd type="none" w="med" len="med"/>
+                      <a:tailEnd type="none" w="med" len="med"/>
+                    </a:lnL>
+                    <a:lnR w="19050" cap="flat" cmpd="sng" algn="ctr">
+                      <a:solidFill>
+                        <a:srgbClr val="387373"/>
+                      </a:solidFill>
+                      <a:prstDash val="solid"/>
+                      <a:round/>
+                      <a:headEnd type="none" w="med" len="med"/>
+                      <a:tailEnd type="none" w="med" len="med"/>
+                    </a:lnR>
+                    <a:lnT w="19050" cap="flat" cmpd="sng" algn="ctr">
+                      <a:solidFill>
+                        <a:srgbClr val="387373"/>
+                      </a:solidFill>
+                      <a:prstDash val="solid"/>
+                      <a:round/>
+                      <a:headEnd type="none" w="med" len="med"/>
+                      <a:tailEnd type="none" w="med" len="med"/>
+                    </a:lnT>
+                    <a:lnB w="19050" cap="flat" cmpd="sng" algn="ctr">
+                      <a:solidFill>
+                        <a:srgbClr val="387373"/>
+                      </a:solidFill>
+                      <a:prstDash val="solid"/>
+                      <a:round/>
+                      <a:headEnd type="none" w="med" len="med"/>
+                      <a:tailEnd type="none" w="med" len="med"/>
+                    </a:lnB>
+                  </a:tcPr>
+                </a:tc>
+                <a:tc>
+                  <a:txBody>
+                    <a:bodyPr/>
+                    <a:lstStyle/>
+                    <a:p>
+                      <a:r>
+                        <a:rPr lang="de-DE" dirty="0"/>
+                        <a:t>Frequenz</a:t>
+                      </a:r>
+                    </a:p>
+                  </a:txBody>
+                  <a:tcPr>
+                    <a:lnL w="19050" cap="flat" cmpd="sng" algn="ctr">
+                      <a:solidFill>
+                        <a:srgbClr val="387373"/>
+                      </a:solidFill>
+                      <a:prstDash val="solid"/>
+                      <a:round/>
+                      <a:headEnd type="none" w="med" len="med"/>
+                      <a:tailEnd type="none" w="med" len="med"/>
+                    </a:lnL>
+                    <a:lnR w="19050" cap="flat" cmpd="sng" algn="ctr">
+                      <a:solidFill>
+                        <a:srgbClr val="387373"/>
+                      </a:solidFill>
+                      <a:prstDash val="solid"/>
+                      <a:round/>
+                      <a:headEnd type="none" w="med" len="med"/>
+                      <a:tailEnd type="none" w="med" len="med"/>
+                    </a:lnR>
+                    <a:lnT w="19050" cap="flat" cmpd="sng" algn="ctr">
+                      <a:solidFill>
+                        <a:srgbClr val="387373"/>
+                      </a:solidFill>
+                      <a:prstDash val="solid"/>
+                      <a:round/>
+                      <a:headEnd type="none" w="med" len="med"/>
+                      <a:tailEnd type="none" w="med" len="med"/>
+                    </a:lnT>
+                    <a:lnB w="19050" cap="flat" cmpd="sng" algn="ctr">
+                      <a:solidFill>
+                        <a:srgbClr val="387373"/>
+                      </a:solidFill>
+                      <a:prstDash val="solid"/>
+                      <a:round/>
+                      <a:headEnd type="none" w="med" len="med"/>
+                      <a:tailEnd type="none" w="med" len="med"/>
+                    </a:lnB>
+                  </a:tcPr>
+                </a:tc>
+                <a:tc>
+                  <a:txBody>
+                    <a:bodyPr/>
+                    <a:lstStyle/>
+                    <a:p>
+                      <a:r>
+                        <a:rPr lang="de-DE" dirty="0"/>
+                        <a:t>Geschwindigkeit</a:t>
+                      </a:r>
+                    </a:p>
+                  </a:txBody>
+                  <a:tcPr>
+                    <a:lnL w="19050" cap="flat" cmpd="sng" algn="ctr">
+                      <a:solidFill>
+                        <a:srgbClr val="387373"/>
+                      </a:solidFill>
+                      <a:prstDash val="solid"/>
+                      <a:round/>
+                      <a:headEnd type="none" w="med" len="med"/>
+                      <a:tailEnd type="none" w="med" len="med"/>
+                    </a:lnL>
+                    <a:lnR w="19050" cap="flat" cmpd="sng" algn="ctr">
+                      <a:solidFill>
+                        <a:srgbClr val="387373"/>
+                      </a:solidFill>
+                      <a:prstDash val="solid"/>
+                      <a:round/>
+                      <a:headEnd type="none" w="med" len="med"/>
+                      <a:tailEnd type="none" w="med" len="med"/>
+                    </a:lnR>
+                    <a:lnT w="19050" cap="flat" cmpd="sng" algn="ctr">
+                      <a:solidFill>
+                        <a:srgbClr val="387373"/>
+                      </a:solidFill>
+                      <a:prstDash val="solid"/>
+                      <a:round/>
+                      <a:headEnd type="none" w="med" len="med"/>
+                      <a:tailEnd type="none" w="med" len="med"/>
+                    </a:lnT>
+                    <a:lnB w="19050" cap="flat" cmpd="sng" algn="ctr">
+                      <a:solidFill>
+                        <a:srgbClr val="387373"/>
+                      </a:solidFill>
+                      <a:prstDash val="solid"/>
+                      <a:round/>
+                      <a:headEnd type="none" w="med" len="med"/>
+                      <a:tailEnd type="none" w="med" len="med"/>
+                    </a:lnB>
+                  </a:tcPr>
+                </a:tc>
+                <a:extLst>
+                  <a:ext uri="{0D108BD9-81ED-4DB2-BD59-A6C34878D82A}">
+                    <a16:rowId xmlns:a16="http://schemas.microsoft.com/office/drawing/2014/main" val="1353109405"/>
+                  </a:ext>
+                </a:extLst>
+              </a:tr>
+              <a:tr h="724505">
+                <a:tc>
+                  <a:txBody>
+                    <a:bodyPr/>
+                    <a:lstStyle/>
+                    <a:p>
+                      <a:r>
+                        <a:rPr lang="de-DE" dirty="0"/>
+                        <a:t>802.11</a:t>
+                      </a:r>
+                    </a:p>
+                  </a:txBody>
+                  <a:tcPr>
+                    <a:lnL w="12700" cap="flat" cmpd="sng" algn="ctr">
+                      <a:solidFill>
+                        <a:schemeClr val="tx1"/>
+                      </a:solidFill>
+                      <a:prstDash val="solid"/>
+                      <a:round/>
+                      <a:headEnd type="none" w="med" len="med"/>
+                      <a:tailEnd type="none" w="med" len="med"/>
+                    </a:lnL>
+                    <a:lnR w="12700" cap="flat" cmpd="sng" algn="ctr">
+                      <a:solidFill>
+                        <a:schemeClr val="tx1"/>
+                      </a:solidFill>
+                      <a:prstDash val="solid"/>
+                      <a:round/>
+                      <a:headEnd type="none" w="med" len="med"/>
+                      <a:tailEnd type="none" w="med" len="med"/>
+                    </a:lnR>
+                    <a:lnT w="19050" cap="flat" cmpd="sng" algn="ctr">
+                      <a:solidFill>
+                        <a:srgbClr val="387373"/>
+                      </a:solidFill>
+                      <a:prstDash val="solid"/>
+                      <a:round/>
+                      <a:headEnd type="none" w="med" len="med"/>
+                      <a:tailEnd type="none" w="med" len="med"/>
+                    </a:lnT>
+                    <a:lnB w="12700" cap="flat" cmpd="sng" algn="ctr">
+                      <a:solidFill>
+                        <a:schemeClr val="tx1"/>
+                      </a:solidFill>
+                      <a:prstDash val="solid"/>
+                      <a:round/>
+                      <a:headEnd type="none" w="med" len="med"/>
+                      <a:tailEnd type="none" w="med" len="med"/>
+                    </a:lnB>
+                  </a:tcPr>
+                </a:tc>
+                <a:tc>
+                  <a:txBody>
+                    <a:bodyPr/>
+                    <a:lstStyle/>
+                    <a:p>
+                      <a:r>
+                        <a:rPr lang="de-DE" dirty="0"/>
+                        <a:t>2.4GHz</a:t>
+                      </a:r>
+                    </a:p>
+                  </a:txBody>
+                  <a:tcPr>
+                    <a:lnL w="12700" cap="flat" cmpd="sng" algn="ctr">
+                      <a:solidFill>
+                        <a:schemeClr val="tx1"/>
+                      </a:solidFill>
+                      <a:prstDash val="solid"/>
+                      <a:round/>
+                      <a:headEnd type="none" w="med" len="med"/>
+                      <a:tailEnd type="none" w="med" len="med"/>
+                    </a:lnL>
+                    <a:lnR w="12700" cap="flat" cmpd="sng" algn="ctr">
+                      <a:solidFill>
+                        <a:schemeClr val="tx1"/>
+                      </a:solidFill>
+                      <a:prstDash val="solid"/>
+                      <a:round/>
+                      <a:headEnd type="none" w="med" len="med"/>
+                      <a:tailEnd type="none" w="med" len="med"/>
+                    </a:lnR>
+                    <a:lnT w="19050" cap="flat" cmpd="sng" algn="ctr">
+                      <a:solidFill>
+                        <a:srgbClr val="387373"/>
+                      </a:solidFill>
+                      <a:prstDash val="solid"/>
+                      <a:round/>
+                      <a:headEnd type="none" w="med" len="med"/>
+                      <a:tailEnd type="none" w="med" len="med"/>
+                    </a:lnT>
+                    <a:lnB w="12700" cap="flat" cmpd="sng" algn="ctr">
+                      <a:solidFill>
+                        <a:schemeClr val="tx1"/>
+                      </a:solidFill>
+                      <a:prstDash val="solid"/>
+                      <a:round/>
+                      <a:headEnd type="none" w="med" len="med"/>
+                      <a:tailEnd type="none" w="med" len="med"/>
+                    </a:lnB>
+                  </a:tcPr>
+                </a:tc>
+                <a:tc>
+                  <a:txBody>
+                    <a:bodyPr/>
+                    <a:lstStyle/>
+                    <a:p>
+                      <a:r>
+                        <a:rPr lang="de-DE" dirty="0"/>
+                        <a:t>2 Mbit/s</a:t>
+                      </a:r>
+                    </a:p>
+                  </a:txBody>
+                  <a:tcPr>
+                    <a:lnL w="12700" cap="flat" cmpd="sng" algn="ctr">
+                      <a:solidFill>
+                        <a:schemeClr val="tx1"/>
+                      </a:solidFill>
+                      <a:prstDash val="solid"/>
+                      <a:round/>
+                      <a:headEnd type="none" w="med" len="med"/>
+                      <a:tailEnd type="none" w="med" len="med"/>
+                    </a:lnL>
+                    <a:lnR w="12700" cap="flat" cmpd="sng" algn="ctr">
+                      <a:solidFill>
+                        <a:schemeClr val="tx1"/>
+                      </a:solidFill>
+                      <a:prstDash val="solid"/>
+                      <a:round/>
+                      <a:headEnd type="none" w="med" len="med"/>
+                      <a:tailEnd type="none" w="med" len="med"/>
+                    </a:lnR>
+                    <a:lnT w="19050" cap="flat" cmpd="sng" algn="ctr">
+                      <a:solidFill>
+                        <a:srgbClr val="387373"/>
+                      </a:solidFill>
+                      <a:prstDash val="solid"/>
+                      <a:round/>
+                      <a:headEnd type="none" w="med" len="med"/>
+                      <a:tailEnd type="none" w="med" len="med"/>
+                    </a:lnT>
+                    <a:lnB w="12700" cap="flat" cmpd="sng" algn="ctr">
+                      <a:solidFill>
+                        <a:schemeClr val="tx1"/>
+                      </a:solidFill>
+                      <a:prstDash val="solid"/>
+                      <a:round/>
+                      <a:headEnd type="none" w="med" len="med"/>
+                      <a:tailEnd type="none" w="med" len="med"/>
+                    </a:lnB>
+                  </a:tcPr>
+                </a:tc>
+                <a:extLst>
+                  <a:ext uri="{0D108BD9-81ED-4DB2-BD59-A6C34878D82A}">
+                    <a16:rowId xmlns:a16="http://schemas.microsoft.com/office/drawing/2014/main" val="160223265"/>
+                  </a:ext>
+                </a:extLst>
+              </a:tr>
+              <a:tr h="724505">
+                <a:tc>
+                  <a:txBody>
+                    <a:bodyPr/>
+                    <a:lstStyle/>
+                    <a:p>
+                      <a:r>
+                        <a:rPr lang="de-DE" dirty="0"/>
+                        <a:t>802.11a</a:t>
+                      </a:r>
+                    </a:p>
+                  </a:txBody>
+                  <a:tcPr>
+                    <a:lnL w="12700" cap="flat" cmpd="sng" algn="ctr">
+                      <a:solidFill>
+                        <a:schemeClr val="tx1"/>
+                      </a:solidFill>
+                      <a:prstDash val="solid"/>
+                      <a:round/>
+                      <a:headEnd type="none" w="med" len="med"/>
+                      <a:tailEnd type="none" w="med" len="med"/>
+                    </a:lnL>
+                    <a:lnR w="12700" cap="flat" cmpd="sng" algn="ctr">
+                      <a:solidFill>
+                        <a:schemeClr val="tx1"/>
+                      </a:solidFill>
+                      <a:prstDash val="solid"/>
+                      <a:round/>
+                      <a:headEnd type="none" w="med" len="med"/>
+                      <a:tailEnd type="none" w="med" len="med"/>
+                    </a:lnR>
+                    <a:lnT w="12700" cap="flat" cmpd="sng" algn="ctr">
+                      <a:solidFill>
+                        <a:schemeClr val="tx1"/>
+                      </a:solidFill>
+                      <a:prstDash val="solid"/>
+                      <a:round/>
+                      <a:headEnd type="none" w="med" len="med"/>
+                      <a:tailEnd type="none" w="med" len="med"/>
+                    </a:lnT>
+                    <a:lnB w="12700" cap="flat" cmpd="sng" algn="ctr">
+                      <a:solidFill>
+                        <a:schemeClr val="tx1"/>
+                      </a:solidFill>
+                      <a:prstDash val="solid"/>
+                      <a:round/>
+                      <a:headEnd type="none" w="med" len="med"/>
+                      <a:tailEnd type="none" w="med" len="med"/>
+                    </a:lnB>
+                  </a:tcPr>
+                </a:tc>
+                <a:tc>
+                  <a:txBody>
+                    <a:bodyPr/>
+                    <a:lstStyle/>
+                    <a:p>
+                      <a:r>
+                        <a:rPr lang="de-DE" dirty="0"/>
+                        <a:t>5.0GHz</a:t>
+                      </a:r>
+                    </a:p>
+                  </a:txBody>
+                  <a:tcPr>
+                    <a:lnL w="12700" cap="flat" cmpd="sng" algn="ctr">
+                      <a:solidFill>
+                        <a:schemeClr val="tx1"/>
+                      </a:solidFill>
+                      <a:prstDash val="solid"/>
+                      <a:round/>
+                      <a:headEnd type="none" w="med" len="med"/>
+                      <a:tailEnd type="none" w="med" len="med"/>
+                    </a:lnL>
+                    <a:lnR w="12700" cap="flat" cmpd="sng" algn="ctr">
+                      <a:solidFill>
+                        <a:schemeClr val="tx1"/>
+                      </a:solidFill>
+                      <a:prstDash val="solid"/>
+                      <a:round/>
+                      <a:headEnd type="none" w="med" len="med"/>
+                      <a:tailEnd type="none" w="med" len="med"/>
+                    </a:lnR>
+                    <a:lnT w="12700" cap="flat" cmpd="sng" algn="ctr">
+                      <a:solidFill>
+                        <a:schemeClr val="tx1"/>
+                      </a:solidFill>
+                      <a:prstDash val="solid"/>
+                      <a:round/>
+                      <a:headEnd type="none" w="med" len="med"/>
+                      <a:tailEnd type="none" w="med" len="med"/>
+                    </a:lnT>
+                    <a:lnB w="12700" cap="flat" cmpd="sng" algn="ctr">
+                      <a:solidFill>
+                        <a:schemeClr val="tx1"/>
+                      </a:solidFill>
+                      <a:prstDash val="solid"/>
+                      <a:round/>
+                      <a:headEnd type="none" w="med" len="med"/>
+                      <a:tailEnd type="none" w="med" len="med"/>
+                    </a:lnB>
+                  </a:tcPr>
+                </a:tc>
+                <a:tc>
+                  <a:txBody>
+                    <a:bodyPr/>
+                    <a:lstStyle/>
+                    <a:p>
+                      <a:r>
+                        <a:rPr lang="de-DE" dirty="0"/>
+                        <a:t>&lt;54Mbit/s</a:t>
+                      </a:r>
+                    </a:p>
+                  </a:txBody>
+                  <a:tcPr>
+                    <a:lnL w="12700" cap="flat" cmpd="sng" algn="ctr">
+                      <a:solidFill>
+                        <a:schemeClr val="tx1"/>
+                      </a:solidFill>
+                      <a:prstDash val="solid"/>
+                      <a:round/>
+                      <a:headEnd type="none" w="med" len="med"/>
+                      <a:tailEnd type="none" w="med" len="med"/>
+                    </a:lnL>
+                    <a:lnR w="12700" cap="flat" cmpd="sng" algn="ctr">
+                      <a:solidFill>
+                        <a:schemeClr val="tx1"/>
+                      </a:solidFill>
+                      <a:prstDash val="solid"/>
+                      <a:round/>
+                      <a:headEnd type="none" w="med" len="med"/>
+                      <a:tailEnd type="none" w="med" len="med"/>
+                    </a:lnR>
+                    <a:lnT w="12700" cap="flat" cmpd="sng" algn="ctr">
+                      <a:solidFill>
+                        <a:schemeClr val="tx1"/>
+                      </a:solidFill>
+                      <a:prstDash val="solid"/>
+                      <a:round/>
+                      <a:headEnd type="none" w="med" len="med"/>
+                      <a:tailEnd type="none" w="med" len="med"/>
+                    </a:lnT>
+                    <a:lnB w="12700" cap="flat" cmpd="sng" algn="ctr">
+                      <a:solidFill>
+                        <a:schemeClr val="tx1"/>
+                      </a:solidFill>
+                      <a:prstDash val="solid"/>
+                      <a:round/>
+                      <a:headEnd type="none" w="med" len="med"/>
+                      <a:tailEnd type="none" w="med" len="med"/>
+                    </a:lnB>
+                  </a:tcPr>
+                </a:tc>
+                <a:extLst>
+                  <a:ext uri="{0D108BD9-81ED-4DB2-BD59-A6C34878D82A}">
+                    <a16:rowId xmlns:a16="http://schemas.microsoft.com/office/drawing/2014/main" val="4214035224"/>
+                  </a:ext>
+                </a:extLst>
+              </a:tr>
+              <a:tr h="724505">
+                <a:tc>
+                  <a:txBody>
+                    <a:bodyPr/>
+                    <a:lstStyle/>
+                    <a:p>
+                      <a:r>
+                        <a:rPr lang="de-DE" dirty="0"/>
+                        <a:t>802.11b</a:t>
+                      </a:r>
+                    </a:p>
+                  </a:txBody>
+                  <a:tcPr>
+                    <a:lnL w="12700" cap="flat" cmpd="sng" algn="ctr">
+                      <a:solidFill>
+                        <a:schemeClr val="tx1"/>
+                      </a:solidFill>
+                      <a:prstDash val="solid"/>
+                      <a:round/>
+                      <a:headEnd type="none" w="med" len="med"/>
+                      <a:tailEnd type="none" w="med" len="med"/>
+                    </a:lnL>
+                    <a:lnR w="12700" cap="flat" cmpd="sng" algn="ctr">
+                      <a:solidFill>
+                        <a:schemeClr val="tx1"/>
+                      </a:solidFill>
+                      <a:prstDash val="solid"/>
+                      <a:round/>
+                      <a:headEnd type="none" w="med" len="med"/>
+                      <a:tailEnd type="none" w="med" len="med"/>
+                    </a:lnR>
+                    <a:lnT w="12700" cap="flat" cmpd="sng" algn="ctr">
+                      <a:solidFill>
+                        <a:schemeClr val="tx1"/>
+                      </a:solidFill>
+                      <a:prstDash val="solid"/>
+                      <a:round/>
+                      <a:headEnd type="none" w="med" len="med"/>
+                      <a:tailEnd type="none" w="med" len="med"/>
+                    </a:lnT>
+                    <a:lnB w="12700" cap="flat" cmpd="sng" algn="ctr">
+                      <a:solidFill>
+                        <a:schemeClr val="tx1"/>
+                      </a:solidFill>
+                      <a:prstDash val="solid"/>
+                      <a:round/>
+                      <a:headEnd type="none" w="med" len="med"/>
+                      <a:tailEnd type="none" w="med" len="med"/>
+                    </a:lnB>
+                  </a:tcPr>
+                </a:tc>
+                <a:tc>
+                  <a:txBody>
+                    <a:bodyPr/>
+                    <a:lstStyle/>
+                    <a:p>
+                      <a:r>
+                        <a:rPr lang="de-DE" dirty="0"/>
+                        <a:t>2.4GHz</a:t>
+                      </a:r>
+                    </a:p>
+                  </a:txBody>
+                  <a:tcPr>
+                    <a:lnL w="12700" cap="flat" cmpd="sng" algn="ctr">
+                      <a:solidFill>
+                        <a:schemeClr val="tx1"/>
+                      </a:solidFill>
+                      <a:prstDash val="solid"/>
+                      <a:round/>
+                      <a:headEnd type="none" w="med" len="med"/>
+                      <a:tailEnd type="none" w="med" len="med"/>
+                    </a:lnL>
+                    <a:lnR w="12700" cap="flat" cmpd="sng" algn="ctr">
+                      <a:solidFill>
+                        <a:schemeClr val="tx1"/>
+                      </a:solidFill>
+                      <a:prstDash val="solid"/>
+                      <a:round/>
+                      <a:headEnd type="none" w="med" len="med"/>
+                      <a:tailEnd type="none" w="med" len="med"/>
+                    </a:lnR>
+                    <a:lnT w="12700" cap="flat" cmpd="sng" algn="ctr">
+                      <a:solidFill>
+                        <a:schemeClr val="tx1"/>
+                      </a:solidFill>
+                      <a:prstDash val="solid"/>
+                      <a:round/>
+                      <a:headEnd type="none" w="med" len="med"/>
+                      <a:tailEnd type="none" w="med" len="med"/>
+                    </a:lnT>
+                    <a:lnB w="12700" cap="flat" cmpd="sng" algn="ctr">
+                      <a:solidFill>
+                        <a:schemeClr val="tx1"/>
+                      </a:solidFill>
+                      <a:prstDash val="solid"/>
+                      <a:round/>
+                      <a:headEnd type="none" w="med" len="med"/>
+                      <a:tailEnd type="none" w="med" len="med"/>
+                    </a:lnB>
+                  </a:tcPr>
+                </a:tc>
+                <a:tc>
+                  <a:txBody>
+                    <a:bodyPr/>
+                    <a:lstStyle/>
+                    <a:p>
+                      <a:r>
+                        <a:rPr lang="de-DE" dirty="0"/>
+                        <a:t>22Mbit/s</a:t>
+                      </a:r>
+                    </a:p>
+                  </a:txBody>
+                  <a:tcPr>
+                    <a:lnL w="12700" cap="flat" cmpd="sng" algn="ctr">
+                      <a:solidFill>
+                        <a:schemeClr val="tx1"/>
+                      </a:solidFill>
+                      <a:prstDash val="solid"/>
+                      <a:round/>
+                      <a:headEnd type="none" w="med" len="med"/>
+                      <a:tailEnd type="none" w="med" len="med"/>
+                    </a:lnL>
+                    <a:lnR w="12700" cap="flat" cmpd="sng" algn="ctr">
+                      <a:solidFill>
+                        <a:schemeClr val="tx1"/>
+                      </a:solidFill>
+                      <a:prstDash val="solid"/>
+                      <a:round/>
+                      <a:headEnd type="none" w="med" len="med"/>
+                      <a:tailEnd type="none" w="med" len="med"/>
+                    </a:lnR>
+                    <a:lnT w="12700" cap="flat" cmpd="sng" algn="ctr">
+                      <a:solidFill>
+                        <a:schemeClr val="tx1"/>
+                      </a:solidFill>
+                      <a:prstDash val="solid"/>
+                      <a:round/>
+                      <a:headEnd type="none" w="med" len="med"/>
+                      <a:tailEnd type="none" w="med" len="med"/>
+                    </a:lnT>
+                    <a:lnB w="12700" cap="flat" cmpd="sng" algn="ctr">
+                      <a:solidFill>
+                        <a:schemeClr val="tx1"/>
+                      </a:solidFill>
+                      <a:prstDash val="solid"/>
+                      <a:round/>
+                      <a:headEnd type="none" w="med" len="med"/>
+                      <a:tailEnd type="none" w="med" len="med"/>
+                    </a:lnB>
+                  </a:tcPr>
+                </a:tc>
+                <a:extLst>
+                  <a:ext uri="{0D108BD9-81ED-4DB2-BD59-A6C34878D82A}">
+                    <a16:rowId xmlns:a16="http://schemas.microsoft.com/office/drawing/2014/main" val="1961397923"/>
+                  </a:ext>
+                </a:extLst>
+              </a:tr>
+              <a:tr h="724505">
+                <a:tc>
+                  <a:txBody>
+                    <a:bodyPr/>
+                    <a:lstStyle/>
+                    <a:p>
+                      <a:r>
+                        <a:rPr lang="de-DE" dirty="0"/>
+                        <a:t>802.11g</a:t>
+                      </a:r>
+                    </a:p>
+                  </a:txBody>
+                  <a:tcPr>
+                    <a:lnL w="12700" cap="flat" cmpd="sng" algn="ctr">
+                      <a:solidFill>
+                        <a:schemeClr val="tx1"/>
+                      </a:solidFill>
+                      <a:prstDash val="solid"/>
+                      <a:round/>
+                      <a:headEnd type="none" w="med" len="med"/>
+                      <a:tailEnd type="none" w="med" len="med"/>
+                    </a:lnL>
+                    <a:lnR w="12700" cap="flat" cmpd="sng" algn="ctr">
+                      <a:solidFill>
+                        <a:schemeClr val="tx1"/>
+                      </a:solidFill>
+                      <a:prstDash val="solid"/>
+                      <a:round/>
+                      <a:headEnd type="none" w="med" len="med"/>
+                      <a:tailEnd type="none" w="med" len="med"/>
+                    </a:lnR>
+                    <a:lnT w="12700" cap="flat" cmpd="sng" algn="ctr">
+                      <a:solidFill>
+                        <a:schemeClr val="tx1"/>
+                      </a:solidFill>
+                      <a:prstDash val="solid"/>
+                      <a:round/>
+                      <a:headEnd type="none" w="med" len="med"/>
+                      <a:tailEnd type="none" w="med" len="med"/>
+                    </a:lnT>
+                    <a:lnB w="12700" cap="flat" cmpd="sng" algn="ctr">
+                      <a:solidFill>
+                        <a:schemeClr val="tx1"/>
+                      </a:solidFill>
+                      <a:prstDash val="solid"/>
+                      <a:round/>
+                      <a:headEnd type="none" w="med" len="med"/>
+                      <a:tailEnd type="none" w="med" len="med"/>
+                    </a:lnB>
+                  </a:tcPr>
+                </a:tc>
+                <a:tc>
+                  <a:txBody>
+                    <a:bodyPr/>
+                    <a:lstStyle/>
+                    <a:p>
+                      <a:r>
+                        <a:rPr lang="de-DE" dirty="0"/>
+                        <a:t>2.4GHz</a:t>
+                      </a:r>
+                    </a:p>
+                  </a:txBody>
+                  <a:tcPr>
+                    <a:lnL w="12700" cap="flat" cmpd="sng" algn="ctr">
+                      <a:solidFill>
+                        <a:schemeClr val="tx1"/>
+                      </a:solidFill>
+                      <a:prstDash val="solid"/>
+                      <a:round/>
+                      <a:headEnd type="none" w="med" len="med"/>
+                      <a:tailEnd type="none" w="med" len="med"/>
+                    </a:lnL>
+                    <a:lnR w="12700" cap="flat" cmpd="sng" algn="ctr">
+                      <a:solidFill>
+                        <a:schemeClr val="tx1"/>
+                      </a:solidFill>
+                      <a:prstDash val="solid"/>
+                      <a:round/>
+                      <a:headEnd type="none" w="med" len="med"/>
+                      <a:tailEnd type="none" w="med" len="med"/>
+                    </a:lnR>
+                    <a:lnT w="12700" cap="flat" cmpd="sng" algn="ctr">
+                      <a:solidFill>
+                        <a:schemeClr val="tx1"/>
+                      </a:solidFill>
+                      <a:prstDash val="solid"/>
+                      <a:round/>
+                      <a:headEnd type="none" w="med" len="med"/>
+                      <a:tailEnd type="none" w="med" len="med"/>
+                    </a:lnT>
+                    <a:lnB w="12700" cap="flat" cmpd="sng" algn="ctr">
+                      <a:solidFill>
+                        <a:schemeClr val="tx1"/>
+                      </a:solidFill>
+                      <a:prstDash val="solid"/>
+                      <a:round/>
+                      <a:headEnd type="none" w="med" len="med"/>
+                      <a:tailEnd type="none" w="med" len="med"/>
+                    </a:lnB>
+                  </a:tcPr>
+                </a:tc>
+                <a:tc>
+                  <a:txBody>
+                    <a:bodyPr/>
+                    <a:lstStyle/>
+                    <a:p>
+                      <a:r>
+                        <a:rPr lang="de-DE" dirty="0"/>
+                        <a:t>&lt;54Mbit/s</a:t>
+                      </a:r>
+                    </a:p>
+                  </a:txBody>
+                  <a:tcPr>
+                    <a:lnL w="12700" cap="flat" cmpd="sng" algn="ctr">
+                      <a:solidFill>
+                        <a:schemeClr val="tx1"/>
+                      </a:solidFill>
+                      <a:prstDash val="solid"/>
+                      <a:round/>
+                      <a:headEnd type="none" w="med" len="med"/>
+                      <a:tailEnd type="none" w="med" len="med"/>
+                    </a:lnL>
+                    <a:lnR w="12700" cap="flat" cmpd="sng" algn="ctr">
+                      <a:solidFill>
+                        <a:schemeClr val="tx1"/>
+                      </a:solidFill>
+                      <a:prstDash val="solid"/>
+                      <a:round/>
+                      <a:headEnd type="none" w="med" len="med"/>
+                      <a:tailEnd type="none" w="med" len="med"/>
+                    </a:lnR>
+                    <a:lnT w="12700" cap="flat" cmpd="sng" algn="ctr">
+                      <a:solidFill>
+                        <a:schemeClr val="tx1"/>
+                      </a:solidFill>
+                      <a:prstDash val="solid"/>
+                      <a:round/>
+                      <a:headEnd type="none" w="med" len="med"/>
+                      <a:tailEnd type="none" w="med" len="med"/>
+                    </a:lnT>
+                    <a:lnB w="12700" cap="flat" cmpd="sng" algn="ctr">
+                      <a:solidFill>
+                        <a:schemeClr val="tx1"/>
+                      </a:solidFill>
+                      <a:prstDash val="solid"/>
+                      <a:round/>
+                      <a:headEnd type="none" w="med" len="med"/>
+                      <a:tailEnd type="none" w="med" len="med"/>
+                    </a:lnB>
+                  </a:tcPr>
+                </a:tc>
+                <a:extLst>
+                  <a:ext uri="{0D108BD9-81ED-4DB2-BD59-A6C34878D82A}">
+                    <a16:rowId xmlns:a16="http://schemas.microsoft.com/office/drawing/2014/main" val="3949883657"/>
+                  </a:ext>
+                </a:extLst>
+              </a:tr>
+              <a:tr h="724505">
+                <a:tc>
+                  <a:txBody>
+                    <a:bodyPr/>
+                    <a:lstStyle/>
+                    <a:p>
+                      <a:r>
+                        <a:rPr lang="de-DE" dirty="0"/>
+                        <a:t>802.11n6</a:t>
+                      </a:r>
+                    </a:p>
+                  </a:txBody>
+                  <a:tcPr>
+                    <a:lnL w="12700" cap="flat" cmpd="sng" algn="ctr">
+                      <a:solidFill>
+                        <a:schemeClr val="tx1"/>
+                      </a:solidFill>
+                      <a:prstDash val="solid"/>
+                      <a:round/>
+                      <a:headEnd type="none" w="med" len="med"/>
+                      <a:tailEnd type="none" w="med" len="med"/>
+                    </a:lnL>
+                    <a:lnR w="12700" cap="flat" cmpd="sng" algn="ctr">
+                      <a:solidFill>
+                        <a:schemeClr val="tx1"/>
+                      </a:solidFill>
+                      <a:prstDash val="solid"/>
+                      <a:round/>
+                      <a:headEnd type="none" w="med" len="med"/>
+                      <a:tailEnd type="none" w="med" len="med"/>
+                    </a:lnR>
+                    <a:lnT w="12700" cap="flat" cmpd="sng" algn="ctr">
+                      <a:solidFill>
+                        <a:schemeClr val="tx1"/>
+                      </a:solidFill>
+                      <a:prstDash val="solid"/>
+                      <a:round/>
+                      <a:headEnd type="none" w="med" len="med"/>
+                      <a:tailEnd type="none" w="med" len="med"/>
+                    </a:lnT>
+                    <a:lnB w="12700" cap="flat" cmpd="sng" algn="ctr">
+                      <a:solidFill>
+                        <a:schemeClr val="tx1"/>
+                      </a:solidFill>
+                      <a:prstDash val="solid"/>
+                      <a:round/>
+                      <a:headEnd type="none" w="med" len="med"/>
+                      <a:tailEnd type="none" w="med" len="med"/>
+                    </a:lnB>
+                  </a:tcPr>
+                </a:tc>
+                <a:tc>
+                  <a:txBody>
+                    <a:bodyPr/>
+                    <a:lstStyle/>
+                    <a:p>
+                      <a:r>
+                        <a:rPr lang="de-DE" dirty="0"/>
+                        <a:t>2.4GHz</a:t>
+                      </a:r>
+                    </a:p>
+                  </a:txBody>
+                  <a:tcPr>
+                    <a:lnL w="12700" cap="flat" cmpd="sng" algn="ctr">
+                      <a:solidFill>
+                        <a:schemeClr val="tx1"/>
+                      </a:solidFill>
+                      <a:prstDash val="solid"/>
+                      <a:round/>
+                      <a:headEnd type="none" w="med" len="med"/>
+                      <a:tailEnd type="none" w="med" len="med"/>
+                    </a:lnL>
+                    <a:lnR w="12700" cap="flat" cmpd="sng" algn="ctr">
+                      <a:solidFill>
+                        <a:schemeClr val="tx1"/>
+                      </a:solidFill>
+                      <a:prstDash val="solid"/>
+                      <a:round/>
+                      <a:headEnd type="none" w="med" len="med"/>
+                      <a:tailEnd type="none" w="med" len="med"/>
+                    </a:lnR>
+                    <a:lnT w="12700" cap="flat" cmpd="sng" algn="ctr">
+                      <a:solidFill>
+                        <a:schemeClr val="tx1"/>
+                      </a:solidFill>
+                      <a:prstDash val="solid"/>
+                      <a:round/>
+                      <a:headEnd type="none" w="med" len="med"/>
+                      <a:tailEnd type="none" w="med" len="med"/>
+                    </a:lnT>
+                    <a:lnB w="12700" cap="flat" cmpd="sng" algn="ctr">
+                      <a:solidFill>
+                        <a:schemeClr val="tx1"/>
+                      </a:solidFill>
+                      <a:prstDash val="solid"/>
+                      <a:round/>
+                      <a:headEnd type="none" w="med" len="med"/>
+                      <a:tailEnd type="none" w="med" len="med"/>
+                    </a:lnB>
+                  </a:tcPr>
+                </a:tc>
+                <a:tc>
+                  <a:txBody>
+                    <a:bodyPr/>
+                    <a:lstStyle/>
+                    <a:p>
+                      <a:r>
+                        <a:rPr lang="de-DE" dirty="0"/>
+                        <a:t>&lt;600Mbit/s</a:t>
+                      </a:r>
+                    </a:p>
+                  </a:txBody>
+                  <a:tcPr>
+                    <a:lnL w="12700" cap="flat" cmpd="sng" algn="ctr">
+                      <a:solidFill>
+                        <a:schemeClr val="tx1"/>
+                      </a:solidFill>
+                      <a:prstDash val="solid"/>
+                      <a:round/>
+                      <a:headEnd type="none" w="med" len="med"/>
+                      <a:tailEnd type="none" w="med" len="med"/>
+                    </a:lnL>
+                    <a:lnR w="12700" cap="flat" cmpd="sng" algn="ctr">
+                      <a:solidFill>
+                        <a:schemeClr val="tx1"/>
+                      </a:solidFill>
+                      <a:prstDash val="solid"/>
+                      <a:round/>
+                      <a:headEnd type="none" w="med" len="med"/>
+                      <a:tailEnd type="none" w="med" len="med"/>
+                    </a:lnR>
+                    <a:lnT w="12700" cap="flat" cmpd="sng" algn="ctr">
+                      <a:solidFill>
+                        <a:schemeClr val="tx1"/>
+                      </a:solidFill>
+                      <a:prstDash val="solid"/>
+                      <a:round/>
+                      <a:headEnd type="none" w="med" len="med"/>
+                      <a:tailEnd type="none" w="med" len="med"/>
+                    </a:lnT>
+                    <a:lnB w="12700" cap="flat" cmpd="sng" algn="ctr">
+                      <a:solidFill>
+                        <a:schemeClr val="tx1"/>
+                      </a:solidFill>
+                      <a:prstDash val="solid"/>
+                      <a:round/>
+                      <a:headEnd type="none" w="med" len="med"/>
+                      <a:tailEnd type="none" w="med" len="med"/>
+                    </a:lnB>
+                  </a:tcPr>
+                </a:tc>
+                <a:extLst>
+                  <a:ext uri="{0D108BD9-81ED-4DB2-BD59-A6C34878D82A}">
+                    <a16:rowId xmlns:a16="http://schemas.microsoft.com/office/drawing/2014/main" val="2708096383"/>
+                  </a:ext>
+                </a:extLst>
+              </a:tr>
+            </a:tbl>
+          </a:graphicData>
+        </a:graphic>
+      </p:graphicFrame>
+    </p:spTree>
+    <p:extLst>
+      <p:ext uri="{BB962C8B-B14F-4D97-AF65-F5344CB8AC3E}">
+        <p14:creationId xmlns:p14="http://schemas.microsoft.com/office/powerpoint/2010/main" val="2534079609"/>
+      </p:ext>
+    </p:extLst>
+  </p:cSld>
+  <p:clrMapOvr>
+    <a:masterClrMapping/>
+  </p:clrMapOvr>
+</p:sld>
+</file>
+
+<file path=ppt/slides/slide14.xml><?xml version="1.0" encoding="utf-8"?>
+<p:sld xmlns:a="http://schemas.openxmlformats.org/drawingml/2006/main" xmlns:r="http://schemas.openxmlformats.org/officeDocument/2006/relationships" xmlns:p="http://schemas.openxmlformats.org/presentationml/2006/main">
+  <p:cSld>
+    <p:spTree>
+      <p:nvGrpSpPr>
+        <p:cNvPr id="1" name=""/>
+        <p:cNvGrpSpPr/>
+        <p:nvPr/>
+      </p:nvGrpSpPr>
+      <p:grpSpPr>
+        <a:xfrm>
+          <a:off x="0" y="0"/>
+          <a:ext cx="0" cy="0"/>
+          <a:chOff x="0" y="0"/>
+          <a:chExt cx="0" cy="0"/>
+        </a:xfrm>
+      </p:grpSpPr>
+      <p:sp>
+        <p:nvSpPr>
+          <p:cNvPr id="2" name="Titel 1">
+            <a:extLst>
+              <a:ext uri="{FF2B5EF4-FFF2-40B4-BE49-F238E27FC236}">
+                <a16:creationId xmlns:a16="http://schemas.microsoft.com/office/drawing/2014/main" id="{6CE1AD25-4780-EE37-2BD3-101670730EEE}"/>
+              </a:ext>
+            </a:extLst>
+          </p:cNvPr>
+          <p:cNvSpPr>
+            <a:spLocks noGrp="1"/>
+          </p:cNvSpPr>
+          <p:nvPr>
+            <p:ph type="title"/>
+          </p:nvPr>
+        </p:nvSpPr>
+        <p:spPr/>
+        <p:txBody>
+          <a:bodyPr/>
+          <a:lstStyle/>
+          <a:p>
+            <a:r>
+              <a:rPr lang="de-DE" dirty="0"/>
+              <a:t>Alternativen</a:t>
+            </a:r>
+          </a:p>
+        </p:txBody>
+      </p:sp>
+      <p:sp>
+        <p:nvSpPr>
+          <p:cNvPr id="3" name="Inhaltsplatzhalter 2">
+            <a:extLst>
+              <a:ext uri="{FF2B5EF4-FFF2-40B4-BE49-F238E27FC236}">
+                <a16:creationId xmlns:a16="http://schemas.microsoft.com/office/drawing/2014/main" id="{5BA3543A-6903-FBB1-F691-38F0A112798A}"/>
+              </a:ext>
+            </a:extLst>
+          </p:cNvPr>
+          <p:cNvSpPr>
+            <a:spLocks noGrp="1"/>
+          </p:cNvSpPr>
+          <p:nvPr>
+            <p:ph idx="1"/>
+          </p:nvPr>
+        </p:nvSpPr>
+        <p:spPr/>
+        <p:txBody>
+          <a:bodyPr/>
+          <a:lstStyle/>
+          <a:p>
+            <a:r>
+              <a:rPr lang="de-DE" dirty="0"/>
+              <a:t>Richtfunk</a:t>
+            </a:r>
+          </a:p>
+          <a:p>
+            <a:r>
+              <a:rPr lang="de-DE" dirty="0" err="1"/>
+              <a:t>LiFi</a:t>
+            </a:r>
+            <a:endParaRPr lang="de-DE" dirty="0"/>
+          </a:p>
+        </p:txBody>
+      </p:sp>
+      <p:sp>
+        <p:nvSpPr>
+          <p:cNvPr id="4" name="Datumsplatzhalter 3">
+            <a:extLst>
+              <a:ext uri="{FF2B5EF4-FFF2-40B4-BE49-F238E27FC236}">
+                <a16:creationId xmlns:a16="http://schemas.microsoft.com/office/drawing/2014/main" id="{64C91E68-D722-13FA-22B1-08F48B87E6DD}"/>
+              </a:ext>
+            </a:extLst>
+          </p:cNvPr>
+          <p:cNvSpPr>
+            <a:spLocks noGrp="1"/>
+          </p:cNvSpPr>
+          <p:nvPr>
+            <p:ph type="dt" sz="half" idx="10"/>
+          </p:nvPr>
+        </p:nvSpPr>
+        <p:spPr/>
+        <p:txBody>
+          <a:bodyPr/>
+          <a:lstStyle/>
+          <a:p>
+            <a:fld id="{CDF3BACB-F35C-4EB6-AB22-9E9EA63B1866}" type="datetime1">
+              <a:rPr lang="de-DE" smtClean="0"/>
+              <a:t>23.11.2023</a:t>
+            </a:fld>
+            <a:endParaRPr lang="de-DE"/>
+          </a:p>
+        </p:txBody>
+      </p:sp>
+      <p:sp>
+        <p:nvSpPr>
+          <p:cNvPr id="5" name="Fußzeilenplatzhalter 4">
+            <a:extLst>
+              <a:ext uri="{FF2B5EF4-FFF2-40B4-BE49-F238E27FC236}">
+                <a16:creationId xmlns:a16="http://schemas.microsoft.com/office/drawing/2014/main" id="{9E5CBEFE-8E8D-57CA-0C2D-48B3F3691DF2}"/>
+              </a:ext>
+            </a:extLst>
+          </p:cNvPr>
+          <p:cNvSpPr>
+            <a:spLocks noGrp="1"/>
+          </p:cNvSpPr>
+          <p:nvPr>
+            <p:ph type="ftr" sz="quarter" idx="11"/>
+          </p:nvPr>
+        </p:nvSpPr>
+        <p:spPr/>
+        <p:txBody>
+          <a:bodyPr/>
+          <a:lstStyle/>
+          <a:p>
+            <a:r>
+              <a:rPr lang="de-DE"/>
+              <a:t>Korbinian Müller -Wired und Wireless Netzwerke und ihre Topologien-Fach: Einführung in die Informatik</a:t>
+            </a:r>
+          </a:p>
+        </p:txBody>
+      </p:sp>
+      <p:sp>
+        <p:nvSpPr>
+          <p:cNvPr id="6" name="Foliennummernplatzhalter 5">
+            <a:extLst>
+              <a:ext uri="{FF2B5EF4-FFF2-40B4-BE49-F238E27FC236}">
+                <a16:creationId xmlns:a16="http://schemas.microsoft.com/office/drawing/2014/main" id="{E9CDC369-BF7D-486B-5020-705EBD0989CB}"/>
+              </a:ext>
+            </a:extLst>
+          </p:cNvPr>
+          <p:cNvSpPr>
+            <a:spLocks noGrp="1"/>
+          </p:cNvSpPr>
+          <p:nvPr>
+            <p:ph type="sldNum" sz="quarter" idx="12"/>
+          </p:nvPr>
+        </p:nvSpPr>
+        <p:spPr/>
+        <p:txBody>
+          <a:bodyPr/>
+          <a:lstStyle/>
+          <a:p>
+            <a:fld id="{5DE6925C-1583-47A7-A548-3B5B1B0709B5}" type="slidenum">
+              <a:rPr lang="de-DE" smtClean="0"/>
+              <a:pPr/>
+              <a:t>14</a:t>
+            </a:fld>
+            <a:endParaRPr lang="de-DE" dirty="0"/>
+          </a:p>
+        </p:txBody>
+      </p:sp>
+    </p:spTree>
+    <p:extLst>
+      <p:ext uri="{BB962C8B-B14F-4D97-AF65-F5344CB8AC3E}">
+        <p14:creationId xmlns:p14="http://schemas.microsoft.com/office/powerpoint/2010/main" val="2201376277"/>
+      </p:ext>
+    </p:extLst>
+  </p:cSld>
+  <p:clrMapOvr>
+    <a:masterClrMapping/>
+  </p:clrMapOvr>
+</p:sld>
+</file>
+
+<file path=ppt/slides/slide15.xml><?xml version="1.0" encoding="utf-8"?>
+<p:sld xmlns:a="http://schemas.openxmlformats.org/drawingml/2006/main" xmlns:r="http://schemas.openxmlformats.org/officeDocument/2006/relationships" xmlns:p="http://schemas.openxmlformats.org/presentationml/2006/main">
+  <p:cSld>
+    <p:spTree>
+      <p:nvGrpSpPr>
+        <p:cNvPr id="1" name=""/>
+        <p:cNvGrpSpPr/>
+        <p:nvPr/>
+      </p:nvGrpSpPr>
+      <p:grpSpPr>
+        <a:xfrm>
+          <a:off x="0" y="0"/>
+          <a:ext cx="0" cy="0"/>
+          <a:chOff x="0" y="0"/>
+          <a:chExt cx="0" cy="0"/>
+        </a:xfrm>
+      </p:grpSpPr>
+      <p:sp>
+        <p:nvSpPr>
+          <p:cNvPr id="2" name="Titel 1">
+            <a:extLst>
+              <a:ext uri="{FF2B5EF4-FFF2-40B4-BE49-F238E27FC236}">
+                <a16:creationId xmlns:a16="http://schemas.microsoft.com/office/drawing/2014/main" id="{ECB82B7D-0A9D-4EE3-2F96-1D39EFBEC1E3}"/>
+              </a:ext>
+            </a:extLst>
+          </p:cNvPr>
+          <p:cNvSpPr>
+            <a:spLocks noGrp="1"/>
+          </p:cNvSpPr>
+          <p:nvPr>
+            <p:ph type="title"/>
+          </p:nvPr>
+        </p:nvSpPr>
+        <p:spPr/>
+        <p:txBody>
+          <a:bodyPr/>
+          <a:lstStyle/>
+          <a:p>
+            <a:r>
+              <a:rPr lang="de-DE" dirty="0"/>
+              <a:t>Quellen</a:t>
+            </a:r>
+          </a:p>
+        </p:txBody>
+      </p:sp>
+      <p:sp>
+        <p:nvSpPr>
+          <p:cNvPr id="3" name="Inhaltsplatzhalter 2">
+            <a:extLst>
+              <a:ext uri="{FF2B5EF4-FFF2-40B4-BE49-F238E27FC236}">
+                <a16:creationId xmlns:a16="http://schemas.microsoft.com/office/drawing/2014/main" id="{6193943C-3322-FF18-D239-C62BD41A1FA5}"/>
+              </a:ext>
+            </a:extLst>
+          </p:cNvPr>
+          <p:cNvSpPr>
+            <a:spLocks noGrp="1"/>
+          </p:cNvSpPr>
+          <p:nvPr>
+            <p:ph idx="1"/>
+          </p:nvPr>
+        </p:nvSpPr>
+        <p:spPr/>
+        <p:txBody>
+          <a:bodyPr>
+            <a:normAutofit fontScale="92500" lnSpcReduction="10000"/>
+          </a:bodyPr>
+          <a:lstStyle/>
+          <a:p>
+            <a:r>
+              <a:rPr lang="de-DE" dirty="0"/>
+              <a:t>Inhalt</a:t>
+            </a:r>
+          </a:p>
+          <a:p>
+            <a:pPr lvl="1"/>
+            <a:r>
+              <a:rPr lang="de-DE" sz="1800" dirty="0" err="1">
+                <a:effectLst/>
+              </a:rPr>
+              <a:t>Fölsing</a:t>
+            </a:r>
+            <a:r>
+              <a:rPr lang="de-DE" sz="1800" dirty="0">
+                <a:effectLst/>
+              </a:rPr>
+              <a:t>, Albrecht. </a:t>
+            </a:r>
+            <a:r>
+              <a:rPr lang="de-DE" sz="1800" i="1" dirty="0">
+                <a:effectLst/>
+              </a:rPr>
+              <a:t>Heinrich Hertz: eine Biographie</a:t>
+            </a:r>
+            <a:r>
+              <a:rPr lang="de-DE" sz="1800" dirty="0">
+                <a:effectLst/>
+              </a:rPr>
+              <a:t>. Hamburg: Hoffmann und Campe, 1997.</a:t>
+            </a:r>
+          </a:p>
+          <a:p>
+            <a:pPr lvl="1"/>
+            <a:r>
+              <a:rPr lang="de-DE" sz="1800" dirty="0">
+                <a:effectLst/>
+              </a:rPr>
+              <a:t>Kersken, Sascha. </a:t>
+            </a:r>
+            <a:r>
+              <a:rPr lang="de-DE" sz="1800" i="1" dirty="0">
+                <a:effectLst/>
+              </a:rPr>
+              <a:t>IT-Handbuch für Fachinformatiker: der Ausbildungsbegleiter; EDV-Grundlagen, Netzwerktechnik, Programmierung...</a:t>
+            </a:r>
+            <a:r>
+              <a:rPr lang="de-DE" sz="1800" dirty="0">
+                <a:effectLst/>
+              </a:rPr>
+              <a:t> 6., Aktualisierte Aufl., 1., korr. </a:t>
+            </a:r>
+            <a:r>
+              <a:rPr lang="de-DE" sz="1800" dirty="0" err="1">
+                <a:effectLst/>
+              </a:rPr>
+              <a:t>Nachdr</a:t>
+            </a:r>
+            <a:r>
+              <a:rPr lang="de-DE" sz="1800" dirty="0">
+                <a:effectLst/>
+              </a:rPr>
+              <a:t>. Galileo Computing. Bonn: Galileo Press, 2014.</a:t>
+            </a:r>
+          </a:p>
+          <a:p>
+            <a:pPr lvl="1"/>
+            <a:r>
+              <a:rPr lang="de-DE" sz="1800" dirty="0">
+                <a:effectLst/>
+              </a:rPr>
+              <a:t>Schnabel, Patrick. </a:t>
+            </a:r>
+            <a:r>
+              <a:rPr lang="de-DE" sz="1800" i="1" dirty="0">
+                <a:effectLst/>
+              </a:rPr>
+              <a:t>Netzwerktechnik-Fibel: Grundlagen der Netzwerktechnik, Übertragungstechnik, TCP/IP, Anwendungen und Dienste, Netzwerk-Sicherheit</a:t>
+            </a:r>
+            <a:r>
+              <a:rPr lang="de-DE" sz="1800" dirty="0">
+                <a:effectLst/>
+              </a:rPr>
+              <a:t>. 5. vollständig überarbeitete Auflage. Ludwigsburg, Deutschland: Patrick Schnabel, 2022.</a:t>
+            </a:r>
+          </a:p>
+          <a:p>
+            <a:endParaRPr lang="de-DE" dirty="0"/>
+          </a:p>
+          <a:p>
+            <a:r>
+              <a:rPr lang="de-DE" dirty="0"/>
+              <a:t>Bild</a:t>
+            </a:r>
+          </a:p>
+          <a:p>
+            <a:pPr lvl="1"/>
+            <a:r>
+              <a:rPr lang="de-DE" sz="1800" dirty="0">
+                <a:hlinkClick r:id="rId2"/>
+              </a:rPr>
+              <a:t>https://www.dhm.de/fileadmin/medien/lemo/Titelbilder/heinrichhertz.jpg</a:t>
+            </a:r>
+            <a:endParaRPr lang="de-DE" sz="1800" dirty="0"/>
+          </a:p>
+          <a:p>
+            <a:pPr lvl="1"/>
+            <a:r>
+              <a:rPr lang="de-DE" sz="1800" dirty="0">
+                <a:hlinkClick r:id="rId3"/>
+              </a:rPr>
+              <a:t>https://prabook.com/web/show-photo-icon.jpg?id=2602255&amp;width=220&amp;cache=false</a:t>
+            </a:r>
+            <a:endParaRPr lang="de-DE" sz="1800" dirty="0"/>
+          </a:p>
+          <a:p>
+            <a:pPr lvl="1"/>
+            <a:r>
+              <a:rPr lang="de-DE" sz="1800" dirty="0">
+                <a:hlinkClick r:id="rId4"/>
+              </a:rPr>
+              <a:t>https://i0.wp.com/prologue.blogs.archives.gov/wp-content/uploads/sites/9/2020/05/2017-2076.jpg?ssl=1</a:t>
+            </a:r>
+            <a:endParaRPr lang="de-DE" sz="1800" dirty="0"/>
+          </a:p>
+          <a:p>
+            <a:pPr lvl="1"/>
+            <a:r>
+              <a:rPr lang="de-DE" sz="1800" dirty="0"/>
+              <a:t>https://th.bing.com/th?id=OIP.zFXB4AXw3K_obhn7HEeS6AAAAA&amp;w=80&amp;h=80&amp;c=1&amp;vt=10&amp;bgcl=6cdd62&amp;r=0&amp;o=6&amp;pid=5.1</a:t>
+            </a:r>
+          </a:p>
+          <a:p>
+            <a:pPr lvl="1"/>
+            <a:endParaRPr lang="de-DE" dirty="0"/>
+          </a:p>
+        </p:txBody>
+      </p:sp>
+      <p:sp>
+        <p:nvSpPr>
+          <p:cNvPr id="4" name="Datumsplatzhalter 3">
+            <a:extLst>
+              <a:ext uri="{FF2B5EF4-FFF2-40B4-BE49-F238E27FC236}">
+                <a16:creationId xmlns:a16="http://schemas.microsoft.com/office/drawing/2014/main" id="{73E68534-C391-B1CA-1D57-ED7016B96DC6}"/>
+              </a:ext>
+            </a:extLst>
+          </p:cNvPr>
+          <p:cNvSpPr>
+            <a:spLocks noGrp="1"/>
+          </p:cNvSpPr>
+          <p:nvPr>
+            <p:ph type="dt" sz="half" idx="10"/>
+          </p:nvPr>
+        </p:nvSpPr>
+        <p:spPr/>
+        <p:txBody>
+          <a:bodyPr/>
+          <a:lstStyle/>
+          <a:p>
+            <a:fld id="{CDF3BACB-F35C-4EB6-AB22-9E9EA63B1866}" type="datetime1">
+              <a:rPr lang="de-DE" smtClean="0"/>
+              <a:t>23.11.2023</a:t>
+            </a:fld>
+            <a:endParaRPr lang="de-DE"/>
+          </a:p>
+        </p:txBody>
+      </p:sp>
+      <p:sp>
+        <p:nvSpPr>
+          <p:cNvPr id="5" name="Fußzeilenplatzhalter 4">
+            <a:extLst>
+              <a:ext uri="{FF2B5EF4-FFF2-40B4-BE49-F238E27FC236}">
+                <a16:creationId xmlns:a16="http://schemas.microsoft.com/office/drawing/2014/main" id="{7D005C99-2EA7-C812-B3C5-69D756922002}"/>
+              </a:ext>
+            </a:extLst>
+          </p:cNvPr>
+          <p:cNvSpPr>
+            <a:spLocks noGrp="1"/>
+          </p:cNvSpPr>
+          <p:nvPr>
+            <p:ph type="ftr" sz="quarter" idx="11"/>
+          </p:nvPr>
+        </p:nvSpPr>
+        <p:spPr/>
+        <p:txBody>
+          <a:bodyPr/>
+          <a:lstStyle/>
+          <a:p>
+            <a:r>
+              <a:rPr lang="de-DE"/>
+              <a:t>Korbinian Müller -Wired und Wireless Netzwerke und ihre Topologien-Fach: Einführung in die Informatik</a:t>
+            </a:r>
+          </a:p>
+        </p:txBody>
+      </p:sp>
+      <p:sp>
+        <p:nvSpPr>
+          <p:cNvPr id="6" name="Foliennummernplatzhalter 5">
+            <a:extLst>
+              <a:ext uri="{FF2B5EF4-FFF2-40B4-BE49-F238E27FC236}">
+                <a16:creationId xmlns:a16="http://schemas.microsoft.com/office/drawing/2014/main" id="{8F2AA41E-1FC5-566F-9B87-98CBC89051AE}"/>
+              </a:ext>
+            </a:extLst>
+          </p:cNvPr>
+          <p:cNvSpPr>
+            <a:spLocks noGrp="1"/>
+          </p:cNvSpPr>
+          <p:nvPr>
+            <p:ph type="sldNum" sz="quarter" idx="12"/>
+          </p:nvPr>
+        </p:nvSpPr>
+        <p:spPr/>
+        <p:txBody>
+          <a:bodyPr/>
+          <a:lstStyle/>
+          <a:p>
+            <a:fld id="{5DE6925C-1583-47A7-A548-3B5B1B0709B5}" type="slidenum">
+              <a:rPr lang="de-DE" smtClean="0"/>
+              <a:pPr/>
+              <a:t>15</a:t>
+            </a:fld>
+            <a:endParaRPr lang="de-DE" dirty="0"/>
+          </a:p>
+        </p:txBody>
+      </p:sp>
+    </p:spTree>
+    <p:extLst>
+      <p:ext uri="{BB962C8B-B14F-4D97-AF65-F5344CB8AC3E}">
+        <p14:creationId xmlns:p14="http://schemas.microsoft.com/office/powerpoint/2010/main" val="1728622066"/>
+      </p:ext>
+    </p:extLst>
+  </p:cSld>
+  <p:clrMapOvr>
+    <a:masterClrMapping/>
+  </p:clrMapOvr>
+</p:sld>
+</file>
+
 <file path=ppt/slides/slide2.xml><?xml version="1.0" encoding="utf-8"?>
 <p:sld xmlns:a="http://schemas.openxmlformats.org/drawingml/2006/main" xmlns:r="http://schemas.openxmlformats.org/officeDocument/2006/relationships" xmlns:p="http://schemas.openxmlformats.org/presentationml/2006/main">
   <p:cSld>
@@ -2015,9 +4519,9 @@
           <a:bodyPr/>
           <a:lstStyle/>
           <a:p>
-            <a:fld id="{8EB21F08-9764-4DE3-8487-78402D08E8DB}" type="datetime1">
+            <a:fld id="{229C36AE-B324-4094-9530-525070C02304}" type="datetime1">
               <a:rPr lang="de-DE" smtClean="0"/>
-              <a:t>22.11.2023</a:t>
+              <a:t>23.11.2023</a:t>
             </a:fld>
             <a:endParaRPr lang="de-DE"/>
           </a:p>
@@ -2167,9 +4671,9 @@
           <a:bodyPr/>
           <a:lstStyle/>
           <a:p>
-            <a:fld id="{8255664B-5707-4217-B801-DC7B26FBE9C4}" type="datetime1">
+            <a:fld id="{1A6D7320-410B-4718-BEF2-2E1B608770AD}" type="datetime1">
               <a:rPr lang="de-DE" smtClean="0"/>
-              <a:t>22.11.2023</a:t>
+              <a:t>23.11.2023</a:t>
             </a:fld>
             <a:endParaRPr lang="de-DE" dirty="0"/>
           </a:p>
@@ -2196,6 +4700,10 @@
           <a:bodyPr/>
           <a:lstStyle/>
           <a:p>
+            <a:r>
+              <a:rPr lang="de-DE"/>
+              <a:t>Korbinian Müller -Wired und Wireless Netzwerke und ihre Topologien-Fach: Einführung in die Informatik</a:t>
+            </a:r>
             <a:endParaRPr lang="de-DE" dirty="0"/>
           </a:p>
         </p:txBody>
@@ -2230,12 +4738,56 @@
           </a:p>
         </p:txBody>
       </p:sp>
-      <p:sp>
-        <p:nvSpPr>
-          <p:cNvPr id="8" name="Rechteck 7">
-            <a:extLst>
-              <a:ext uri="{FF2B5EF4-FFF2-40B4-BE49-F238E27FC236}">
-                <a16:creationId xmlns:a16="http://schemas.microsoft.com/office/drawing/2014/main" id="{460040C7-5062-DABD-C51A-9431127CDE9C}"/>
+      <p:cxnSp>
+        <p:nvCxnSpPr>
+          <p:cNvPr id="12" name="Gerader Verbinder 11">
+            <a:extLst>
+              <a:ext uri="{FF2B5EF4-FFF2-40B4-BE49-F238E27FC236}">
+                <a16:creationId xmlns:a16="http://schemas.microsoft.com/office/drawing/2014/main" id="{B869A250-F379-D32E-274A-EAA7ADC15D01}"/>
+              </a:ext>
+            </a:extLst>
+          </p:cNvPr>
+          <p:cNvCxnSpPr>
+            <a:stCxn id="10" idx="6"/>
+            <a:endCxn id="7" idx="2"/>
+          </p:cNvCxnSpPr>
+          <p:nvPr/>
+        </p:nvCxnSpPr>
+        <p:spPr>
+          <a:xfrm>
+            <a:off x="4077744" y="3343494"/>
+            <a:ext cx="4036513" cy="0"/>
+          </a:xfrm>
+          <a:prstGeom prst="line">
+            <a:avLst/>
+          </a:prstGeom>
+          <a:ln>
+            <a:solidFill>
+              <a:srgbClr val="387373"/>
+            </a:solidFill>
+          </a:ln>
+        </p:spPr>
+        <p:style>
+          <a:lnRef idx="1">
+            <a:schemeClr val="accent1"/>
+          </a:lnRef>
+          <a:fillRef idx="0">
+            <a:schemeClr val="accent1"/>
+          </a:fillRef>
+          <a:effectRef idx="0">
+            <a:schemeClr val="accent1"/>
+          </a:effectRef>
+          <a:fontRef idx="minor">
+            <a:schemeClr val="tx1"/>
+          </a:fontRef>
+        </p:style>
+      </p:cxnSp>
+      <p:sp>
+        <p:nvSpPr>
+          <p:cNvPr id="13" name="Rechteck 12">
+            <a:extLst>
+              <a:ext uri="{FF2B5EF4-FFF2-40B4-BE49-F238E27FC236}">
+                <a16:creationId xmlns:a16="http://schemas.microsoft.com/office/drawing/2014/main" id="{688FDD2D-20F8-21F5-5380-BB3692BECE5C}"/>
               </a:ext>
             </a:extLst>
           </p:cNvPr>
@@ -2244,12 +4796,15 @@
         </p:nvSpPr>
         <p:spPr>
           <a:xfrm>
-            <a:off x="2319528" y="2983230"/>
-            <a:ext cx="6510528" cy="224028"/>
+            <a:off x="5436462" y="3249000"/>
+            <a:ext cx="180000" cy="180000"/>
           </a:xfrm>
           <a:prstGeom prst="rect">
             <a:avLst/>
           </a:prstGeom>
+          <a:solidFill>
+            <a:srgbClr val="97A6A0"/>
+          </a:solidFill>
         </p:spPr>
         <p:style>
           <a:lnRef idx="2">
@@ -2278,10 +4833,10 @@
       </p:sp>
       <p:sp>
         <p:nvSpPr>
-          <p:cNvPr id="7" name="Ellipse 6">
-            <a:extLst>
-              <a:ext uri="{FF2B5EF4-FFF2-40B4-BE49-F238E27FC236}">
-                <a16:creationId xmlns:a16="http://schemas.microsoft.com/office/drawing/2014/main" id="{909E502D-00E7-21FF-2C63-F835409E9AC3}"/>
+          <p:cNvPr id="14" name="Rechteck 13">
+            <a:extLst>
+              <a:ext uri="{FF2B5EF4-FFF2-40B4-BE49-F238E27FC236}">
+                <a16:creationId xmlns:a16="http://schemas.microsoft.com/office/drawing/2014/main" id="{94734606-0133-DCF7-BD8C-C6C714C836EA}"/>
               </a:ext>
             </a:extLst>
           </p:cNvPr>
@@ -2290,12 +4845,15 @@
         </p:nvSpPr>
         <p:spPr>
           <a:xfrm>
-            <a:off x="8226552" y="2496312"/>
-            <a:ext cx="1207008" cy="1197864"/>
+            <a:off x="5693214" y="3249000"/>
+            <a:ext cx="180000" cy="180000"/>
           </a:xfrm>
-          <a:prstGeom prst="ellipse">
+          <a:prstGeom prst="rect">
             <a:avLst/>
           </a:prstGeom>
+          <a:solidFill>
+            <a:srgbClr val="97A6A0"/>
+          </a:solidFill>
         </p:spPr>
         <p:style>
           <a:lnRef idx="2">
@@ -2324,10 +4882,10 @@
       </p:sp>
       <p:sp>
         <p:nvSpPr>
-          <p:cNvPr id="6" name="Ellipse 5">
-            <a:extLst>
-              <a:ext uri="{FF2B5EF4-FFF2-40B4-BE49-F238E27FC236}">
-                <a16:creationId xmlns:a16="http://schemas.microsoft.com/office/drawing/2014/main" id="{3560991F-F6F7-A72E-9396-F9EFEF69ABAA}"/>
+          <p:cNvPr id="15" name="Rechteck 14">
+            <a:extLst>
+              <a:ext uri="{FF2B5EF4-FFF2-40B4-BE49-F238E27FC236}">
+                <a16:creationId xmlns:a16="http://schemas.microsoft.com/office/drawing/2014/main" id="{CB415A5B-A160-2497-C938-7D052C9B678D}"/>
               </a:ext>
             </a:extLst>
           </p:cNvPr>
@@ -2336,12 +4894,15 @@
         </p:nvSpPr>
         <p:spPr>
           <a:xfrm>
-            <a:off x="1527048" y="2496312"/>
-            <a:ext cx="1207008" cy="1197864"/>
+            <a:off x="5949966" y="3249000"/>
+            <a:ext cx="180000" cy="180000"/>
           </a:xfrm>
-          <a:prstGeom prst="ellipse">
+          <a:prstGeom prst="rect">
             <a:avLst/>
           </a:prstGeom>
+          <a:solidFill>
+            <a:srgbClr val="97A6A0"/>
+          </a:solidFill>
         </p:spPr>
         <p:style>
           <a:lnRef idx="2">
@@ -2370,10 +4931,10 @@
       </p:sp>
       <p:sp>
         <p:nvSpPr>
-          <p:cNvPr id="9" name="Ellipse 8">
-            <a:extLst>
-              <a:ext uri="{FF2B5EF4-FFF2-40B4-BE49-F238E27FC236}">
-                <a16:creationId xmlns:a16="http://schemas.microsoft.com/office/drawing/2014/main" id="{37EC36CD-1094-0F93-7DE8-1217360E723E}"/>
+          <p:cNvPr id="7" name="Ellipse 6">
+            <a:extLst>
+              <a:ext uri="{FF2B5EF4-FFF2-40B4-BE49-F238E27FC236}">
+                <a16:creationId xmlns:a16="http://schemas.microsoft.com/office/drawing/2014/main" id="{909E502D-00E7-21FF-2C63-F835409E9AC3}"/>
               </a:ext>
             </a:extLst>
           </p:cNvPr>
@@ -2382,12 +4943,74 @@
         </p:nvSpPr>
         <p:spPr>
           <a:xfrm>
-            <a:off x="3606800" y="2676144"/>
-            <a:ext cx="863600" cy="838200"/>
+            <a:off x="8114257" y="2744562"/>
+            <a:ext cx="1207008" cy="1197864"/>
           </a:xfrm>
           <a:prstGeom prst="ellipse">
             <a:avLst/>
           </a:prstGeom>
+          <a:solidFill>
+            <a:srgbClr val="387373"/>
+          </a:solidFill>
+          <a:ln>
+            <a:solidFill>
+              <a:srgbClr val="2D3E40"/>
+            </a:solidFill>
+          </a:ln>
+        </p:spPr>
+        <p:style>
+          <a:lnRef idx="2">
+            <a:schemeClr val="accent1">
+              <a:shade val="15000"/>
+            </a:schemeClr>
+          </a:lnRef>
+          <a:fillRef idx="1">
+            <a:schemeClr val="accent1"/>
+          </a:fillRef>
+          <a:effectRef idx="0">
+            <a:schemeClr val="accent1"/>
+          </a:effectRef>
+          <a:fontRef idx="minor">
+            <a:schemeClr val="lt1"/>
+          </a:fontRef>
+        </p:style>
+        <p:txBody>
+          <a:bodyPr rtlCol="0" anchor="ctr"/>
+          <a:lstStyle/>
+          <a:p>
+            <a:pPr algn="ctr"/>
+            <a:endParaRPr lang="de-DE"/>
+          </a:p>
+        </p:txBody>
+      </p:sp>
+      <p:sp>
+        <p:nvSpPr>
+          <p:cNvPr id="10" name="Ellipse 9">
+            <a:extLst>
+              <a:ext uri="{FF2B5EF4-FFF2-40B4-BE49-F238E27FC236}">
+                <a16:creationId xmlns:a16="http://schemas.microsoft.com/office/drawing/2014/main" id="{35481580-9454-08E3-F4EA-5E8F00114E35}"/>
+              </a:ext>
+            </a:extLst>
+          </p:cNvPr>
+          <p:cNvSpPr/>
+          <p:nvPr/>
+        </p:nvSpPr>
+        <p:spPr>
+          <a:xfrm>
+            <a:off x="2870736" y="2744562"/>
+            <a:ext cx="1207008" cy="1197864"/>
+          </a:xfrm>
+          <a:prstGeom prst="ellipse">
+            <a:avLst/>
+          </a:prstGeom>
+          <a:solidFill>
+            <a:srgbClr val="387373"/>
+          </a:solidFill>
+          <a:ln>
+            <a:solidFill>
+              <a:srgbClr val="2D3E40"/>
+            </a:solidFill>
+          </a:ln>
         </p:spPr>
         <p:style>
           <a:lnRef idx="2">
@@ -2436,9 +5059,6 @@
                     <p:cTn id="3" fill="hold">
                       <p:stCondLst>
                         <p:cond delay="indefinite"/>
-                        <p:cond evt="onBegin" delay="0">
-                          <p:tn val="2"/>
-                        </p:cond>
                       </p:stCondLst>
                       <p:childTnLst>
                         <p:par>
@@ -2448,23 +5068,67 @@
                             </p:stCondLst>
                             <p:childTnLst>
                               <p:par>
-                                <p:cTn id="5" presetID="42" presetClass="path" presetSubtype="0" repeatCount="indefinite" accel="50000" decel="50000" autoRev="1" fill="hold" grpId="0" nodeType="afterEffect">
+                                <p:cTn id="5" presetID="35" presetClass="path" presetSubtype="0" repeatCount="indefinite" accel="50000" decel="50000" autoRev="1" fill="hold" grpId="0" nodeType="clickEffect">
                                   <p:stCondLst>
                                     <p:cond delay="0"/>
                                   </p:stCondLst>
                                   <p:childTnLst>
-                                    <p:animMotion origin="layout" path="M 0.38021 0.00046 L -0.14102 -0.00139 " pathEditMode="fixed" rAng="0" ptsTypes="AA">
+                                    <p:animMotion origin="layout" path="M 0.22265 4.44444E-6 L -0.19076 4.44444E-6 " pathEditMode="relative" rAng="0" ptsTypes="AA">
                                       <p:cBhvr>
-                                        <p:cTn id="6" dur="2000" fill="hold"/>
+                                        <p:cTn id="6" dur="3000" fill="hold"/>
                                         <p:tgtEl>
-                                          <p:spTgt spid="9"/>
+                                          <p:spTgt spid="13"/>
                                         </p:tgtEl>
                                         <p:attrNameLst>
                                           <p:attrName>ppt_x</p:attrName>
                                           <p:attrName>ppt_y</p:attrName>
                                         </p:attrNameLst>
                                       </p:cBhvr>
-                                      <p:rCtr x="-26068" y="-93"/>
+                                      <p:rCtr x="-20677" y="0"/>
+                                    </p:animMotion>
+                                  </p:childTnLst>
+                                </p:cTn>
+                              </p:par>
+                              <p:par>
+                                <p:cTn id="7" presetID="35" presetClass="path" presetSubtype="0" repeatCount="indefinite" accel="50000" decel="50000" autoRev="1" fill="hold" grpId="0" nodeType="withEffect">
+                                  <p:stCondLst>
+                                    <p:cond delay="0"/>
+                                  </p:stCondLst>
+                                  <p:childTnLst>
+                                    <p:animMotion origin="layout" path="M 0.22331 4.44444E-6 L -0.19089 4.44444E-6 " pathEditMode="relative" rAng="0" ptsTypes="AA">
+                                      <p:cBhvr>
+                                        <p:cTn id="8" dur="3000" fill="hold"/>
+                                        <p:tgtEl>
+                                          <p:spTgt spid="14"/>
+                                        </p:tgtEl>
+                                        <p:attrNameLst>
+                                          <p:attrName>ppt_x</p:attrName>
+                                          <p:attrName>ppt_y</p:attrName>
+                                        </p:attrNameLst>
+                                      </p:cBhvr>
+                                      <p:rCtr x="-20716" y="0"/>
+                                    </p:animMotion>
+                                  </p:childTnLst>
+                                </p:cTn>
+                              </p:par>
+                              <p:par>
+                                <p:cTn id="9" presetID="35" presetClass="path" presetSubtype="0" repeatCount="indefinite" accel="50000" decel="50000" autoRev="1" fill="hold" grpId="0" nodeType="withEffect">
+                                  <p:stCondLst>
+                                    <p:cond delay="0"/>
+                                  </p:stCondLst>
+                                  <p:childTnLst>
+                                    <p:animMotion origin="layout" path="M 0.22331 4.44444E-6 L -0.1901 4.44444E-6 " pathEditMode="relative" rAng="0" ptsTypes="AA">
+                                      <p:cBhvr>
+                                        <p:cTn id="10" dur="3000" fill="hold"/>
+                                        <p:tgtEl>
+                                          <p:spTgt spid="15"/>
+                                        </p:tgtEl>
+                                        <p:attrNameLst>
+                                          <p:attrName>ppt_x</p:attrName>
+                                          <p:attrName>ppt_y</p:attrName>
+                                        </p:attrNameLst>
+                                      </p:cBhvr>
+                                      <p:rCtr x="-20677" y="0"/>
                                     </p:animMotion>
                                   </p:childTnLst>
                                 </p:cTn>
@@ -2497,9 +5161,5052 @@
       </p:par>
     </p:tnLst>
     <p:bldLst>
-      <p:bldP spid="9" grpId="0" animBg="1"/>
+      <p:bldP spid="13" grpId="0" animBg="1"/>
+      <p:bldP spid="14" grpId="0" animBg="1"/>
+      <p:bldP spid="15" grpId="0" animBg="1"/>
     </p:bldLst>
   </p:timing>
+</p:sld>
+</file>
+
+<file path=ppt/slides/slide4.xml><?xml version="1.0" encoding="utf-8"?>
+<p:sld xmlns:a="http://schemas.openxmlformats.org/drawingml/2006/main" xmlns:r="http://schemas.openxmlformats.org/officeDocument/2006/relationships" xmlns:p="http://schemas.openxmlformats.org/presentationml/2006/main">
+  <p:cSld>
+    <p:spTree>
+      <p:nvGrpSpPr>
+        <p:cNvPr id="1" name=""/>
+        <p:cNvGrpSpPr/>
+        <p:nvPr/>
+      </p:nvGrpSpPr>
+      <p:grpSpPr>
+        <a:xfrm>
+          <a:off x="0" y="0"/>
+          <a:ext cx="0" cy="0"/>
+          <a:chOff x="0" y="0"/>
+          <a:chExt cx="0" cy="0"/>
+        </a:xfrm>
+      </p:grpSpPr>
+      <p:sp>
+        <p:nvSpPr>
+          <p:cNvPr id="2" name="Titel 1">
+            <a:extLst>
+              <a:ext uri="{FF2B5EF4-FFF2-40B4-BE49-F238E27FC236}">
+                <a16:creationId xmlns:a16="http://schemas.microsoft.com/office/drawing/2014/main" id="{DFCFED56-087B-6311-509F-697C80A2F350}"/>
+              </a:ext>
+            </a:extLst>
+          </p:cNvPr>
+          <p:cNvSpPr>
+            <a:spLocks noGrp="1"/>
+          </p:cNvSpPr>
+          <p:nvPr>
+            <p:ph type="title"/>
+          </p:nvPr>
+        </p:nvSpPr>
+        <p:spPr/>
+        <p:txBody>
+          <a:bodyPr/>
+          <a:lstStyle/>
+          <a:p>
+            <a:r>
+              <a:rPr lang="de-DE" dirty="0"/>
+              <a:t>Point-</a:t>
+            </a:r>
+            <a:r>
+              <a:rPr lang="de-DE" dirty="0" err="1"/>
+              <a:t>to</a:t>
+            </a:r>
+            <a:r>
+              <a:rPr lang="de-DE" dirty="0"/>
+              <a:t>-Multipoint</a:t>
+            </a:r>
+          </a:p>
+        </p:txBody>
+      </p:sp>
+      <p:sp>
+        <p:nvSpPr>
+          <p:cNvPr id="3" name="Datumsplatzhalter 2">
+            <a:extLst>
+              <a:ext uri="{FF2B5EF4-FFF2-40B4-BE49-F238E27FC236}">
+                <a16:creationId xmlns:a16="http://schemas.microsoft.com/office/drawing/2014/main" id="{22220A1F-1AB7-5C06-A827-A7872FC940EC}"/>
+              </a:ext>
+            </a:extLst>
+          </p:cNvPr>
+          <p:cNvSpPr>
+            <a:spLocks noGrp="1"/>
+          </p:cNvSpPr>
+          <p:nvPr>
+            <p:ph type="dt" sz="half" idx="10"/>
+          </p:nvPr>
+        </p:nvSpPr>
+        <p:spPr/>
+        <p:txBody>
+          <a:bodyPr/>
+          <a:lstStyle/>
+          <a:p>
+            <a:fld id="{1B107A7D-64E2-4442-A172-29202CF210ED}" type="datetime1">
+              <a:rPr lang="de-DE" smtClean="0"/>
+              <a:t>23.11.2023</a:t>
+            </a:fld>
+            <a:endParaRPr lang="de-DE" dirty="0"/>
+          </a:p>
+        </p:txBody>
+      </p:sp>
+      <p:sp>
+        <p:nvSpPr>
+          <p:cNvPr id="4" name="Fußzeilenplatzhalter 3">
+            <a:extLst>
+              <a:ext uri="{FF2B5EF4-FFF2-40B4-BE49-F238E27FC236}">
+                <a16:creationId xmlns:a16="http://schemas.microsoft.com/office/drawing/2014/main" id="{D45D83AC-100D-DB00-D681-78011BDEEEA4}"/>
+              </a:ext>
+            </a:extLst>
+          </p:cNvPr>
+          <p:cNvSpPr>
+            <a:spLocks noGrp="1"/>
+          </p:cNvSpPr>
+          <p:nvPr>
+            <p:ph type="ftr" sz="quarter" idx="11"/>
+          </p:nvPr>
+        </p:nvSpPr>
+        <p:spPr/>
+        <p:txBody>
+          <a:bodyPr/>
+          <a:lstStyle/>
+          <a:p>
+            <a:r>
+              <a:rPr lang="de-DE"/>
+              <a:t>Korbinian Müller -Wired und Wireless Netzwerke und ihre Topologien-Fach: Einführung in die Informatik</a:t>
+            </a:r>
+            <a:endParaRPr lang="de-DE" dirty="0"/>
+          </a:p>
+        </p:txBody>
+      </p:sp>
+      <p:sp>
+        <p:nvSpPr>
+          <p:cNvPr id="5" name="Foliennummernplatzhalter 4">
+            <a:extLst>
+              <a:ext uri="{FF2B5EF4-FFF2-40B4-BE49-F238E27FC236}">
+                <a16:creationId xmlns:a16="http://schemas.microsoft.com/office/drawing/2014/main" id="{AFAAEFEC-968D-31A6-813F-6EF01CFB5CBC}"/>
+              </a:ext>
+            </a:extLst>
+          </p:cNvPr>
+          <p:cNvSpPr>
+            <a:spLocks noGrp="1"/>
+          </p:cNvSpPr>
+          <p:nvPr>
+            <p:ph type="sldNum" sz="quarter" idx="12"/>
+          </p:nvPr>
+        </p:nvSpPr>
+        <p:spPr/>
+        <p:txBody>
+          <a:bodyPr/>
+          <a:lstStyle/>
+          <a:p>
+            <a:fld id="{5DE6925C-1583-47A7-A548-3B5B1B0709B5}" type="slidenum">
+              <a:rPr lang="de-DE" smtClean="0"/>
+              <a:pPr/>
+              <a:t>4</a:t>
+            </a:fld>
+            <a:endParaRPr lang="de-DE" dirty="0"/>
+          </a:p>
+        </p:txBody>
+      </p:sp>
+      <p:cxnSp>
+        <p:nvCxnSpPr>
+          <p:cNvPr id="12" name="Gerader Verbinder 11">
+            <a:extLst>
+              <a:ext uri="{FF2B5EF4-FFF2-40B4-BE49-F238E27FC236}">
+                <a16:creationId xmlns:a16="http://schemas.microsoft.com/office/drawing/2014/main" id="{B869A250-F379-D32E-274A-EAA7ADC15D01}"/>
+              </a:ext>
+            </a:extLst>
+          </p:cNvPr>
+          <p:cNvCxnSpPr>
+            <a:cxnSpLocks/>
+          </p:cNvCxnSpPr>
+          <p:nvPr/>
+        </p:nvCxnSpPr>
+        <p:spPr>
+          <a:xfrm>
+            <a:off x="2236751" y="3424587"/>
+            <a:ext cx="2237996" cy="0"/>
+          </a:xfrm>
+          <a:prstGeom prst="line">
+            <a:avLst/>
+          </a:prstGeom>
+          <a:ln>
+            <a:solidFill>
+              <a:srgbClr val="387373"/>
+            </a:solidFill>
+          </a:ln>
+        </p:spPr>
+        <p:style>
+          <a:lnRef idx="1">
+            <a:schemeClr val="accent1"/>
+          </a:lnRef>
+          <a:fillRef idx="0">
+            <a:schemeClr val="accent1"/>
+          </a:fillRef>
+          <a:effectRef idx="0">
+            <a:schemeClr val="accent1"/>
+          </a:effectRef>
+          <a:fontRef idx="minor">
+            <a:schemeClr val="tx1"/>
+          </a:fontRef>
+        </p:style>
+      </p:cxnSp>
+      <p:sp>
+        <p:nvSpPr>
+          <p:cNvPr id="13" name="Rechteck 12">
+            <a:extLst>
+              <a:ext uri="{FF2B5EF4-FFF2-40B4-BE49-F238E27FC236}">
+                <a16:creationId xmlns:a16="http://schemas.microsoft.com/office/drawing/2014/main" id="{688FDD2D-20F8-21F5-5380-BB3692BECE5C}"/>
+              </a:ext>
+            </a:extLst>
+          </p:cNvPr>
+          <p:cNvSpPr/>
+          <p:nvPr/>
+        </p:nvSpPr>
+        <p:spPr>
+          <a:xfrm>
+            <a:off x="2982112" y="3334587"/>
+            <a:ext cx="180000" cy="180000"/>
+          </a:xfrm>
+          <a:prstGeom prst="rect">
+            <a:avLst/>
+          </a:prstGeom>
+          <a:solidFill>
+            <a:srgbClr val="97A6A0"/>
+          </a:solidFill>
+        </p:spPr>
+        <p:style>
+          <a:lnRef idx="2">
+            <a:schemeClr val="accent1">
+              <a:shade val="15000"/>
+            </a:schemeClr>
+          </a:lnRef>
+          <a:fillRef idx="1">
+            <a:schemeClr val="accent1"/>
+          </a:fillRef>
+          <a:effectRef idx="0">
+            <a:schemeClr val="accent1"/>
+          </a:effectRef>
+          <a:fontRef idx="minor">
+            <a:schemeClr val="lt1"/>
+          </a:fontRef>
+        </p:style>
+        <p:txBody>
+          <a:bodyPr rtlCol="0" anchor="ctr"/>
+          <a:lstStyle/>
+          <a:p>
+            <a:pPr algn="ctr"/>
+            <a:endParaRPr lang="de-DE"/>
+          </a:p>
+        </p:txBody>
+      </p:sp>
+      <p:sp>
+        <p:nvSpPr>
+          <p:cNvPr id="14" name="Rechteck 13">
+            <a:extLst>
+              <a:ext uri="{FF2B5EF4-FFF2-40B4-BE49-F238E27FC236}">
+                <a16:creationId xmlns:a16="http://schemas.microsoft.com/office/drawing/2014/main" id="{94734606-0133-DCF7-BD8C-C6C714C836EA}"/>
+              </a:ext>
+            </a:extLst>
+          </p:cNvPr>
+          <p:cNvSpPr/>
+          <p:nvPr/>
+        </p:nvSpPr>
+        <p:spPr>
+          <a:xfrm>
+            <a:off x="3238864" y="3334587"/>
+            <a:ext cx="180000" cy="180000"/>
+          </a:xfrm>
+          <a:prstGeom prst="rect">
+            <a:avLst/>
+          </a:prstGeom>
+          <a:solidFill>
+            <a:srgbClr val="97A6A0"/>
+          </a:solidFill>
+        </p:spPr>
+        <p:style>
+          <a:lnRef idx="2">
+            <a:schemeClr val="accent1">
+              <a:shade val="15000"/>
+            </a:schemeClr>
+          </a:lnRef>
+          <a:fillRef idx="1">
+            <a:schemeClr val="accent1"/>
+          </a:fillRef>
+          <a:effectRef idx="0">
+            <a:schemeClr val="accent1"/>
+          </a:effectRef>
+          <a:fontRef idx="minor">
+            <a:schemeClr val="lt1"/>
+          </a:fontRef>
+        </p:style>
+        <p:txBody>
+          <a:bodyPr rtlCol="0" anchor="ctr"/>
+          <a:lstStyle/>
+          <a:p>
+            <a:pPr algn="ctr"/>
+            <a:endParaRPr lang="de-DE"/>
+          </a:p>
+        </p:txBody>
+      </p:sp>
+      <p:sp>
+        <p:nvSpPr>
+          <p:cNvPr id="15" name="Rechteck 14">
+            <a:extLst>
+              <a:ext uri="{FF2B5EF4-FFF2-40B4-BE49-F238E27FC236}">
+                <a16:creationId xmlns:a16="http://schemas.microsoft.com/office/drawing/2014/main" id="{CB415A5B-A160-2497-C938-7D052C9B678D}"/>
+              </a:ext>
+            </a:extLst>
+          </p:cNvPr>
+          <p:cNvSpPr/>
+          <p:nvPr/>
+        </p:nvSpPr>
+        <p:spPr>
+          <a:xfrm>
+            <a:off x="3495616" y="3334587"/>
+            <a:ext cx="180000" cy="180000"/>
+          </a:xfrm>
+          <a:prstGeom prst="rect">
+            <a:avLst/>
+          </a:prstGeom>
+          <a:solidFill>
+            <a:srgbClr val="97A6A0"/>
+          </a:solidFill>
+        </p:spPr>
+        <p:style>
+          <a:lnRef idx="2">
+            <a:schemeClr val="accent1">
+              <a:shade val="15000"/>
+            </a:schemeClr>
+          </a:lnRef>
+          <a:fillRef idx="1">
+            <a:schemeClr val="accent1"/>
+          </a:fillRef>
+          <a:effectRef idx="0">
+            <a:schemeClr val="accent1"/>
+          </a:effectRef>
+          <a:fontRef idx="minor">
+            <a:schemeClr val="lt1"/>
+          </a:fontRef>
+        </p:style>
+        <p:txBody>
+          <a:bodyPr rtlCol="0" anchor="ctr"/>
+          <a:lstStyle/>
+          <a:p>
+            <a:pPr algn="ctr"/>
+            <a:endParaRPr lang="de-DE"/>
+          </a:p>
+        </p:txBody>
+      </p:sp>
+      <p:sp>
+        <p:nvSpPr>
+          <p:cNvPr id="10" name="Ellipse 9">
+            <a:extLst>
+              <a:ext uri="{FF2B5EF4-FFF2-40B4-BE49-F238E27FC236}">
+                <a16:creationId xmlns:a16="http://schemas.microsoft.com/office/drawing/2014/main" id="{35481580-9454-08E3-F4EA-5E8F00114E35}"/>
+              </a:ext>
+            </a:extLst>
+          </p:cNvPr>
+          <p:cNvSpPr/>
+          <p:nvPr/>
+        </p:nvSpPr>
+        <p:spPr>
+          <a:xfrm>
+            <a:off x="1032918" y="2825655"/>
+            <a:ext cx="1207008" cy="1197864"/>
+          </a:xfrm>
+          <a:prstGeom prst="ellipse">
+            <a:avLst/>
+          </a:prstGeom>
+          <a:solidFill>
+            <a:srgbClr val="387373"/>
+          </a:solidFill>
+          <a:ln>
+            <a:solidFill>
+              <a:srgbClr val="2D3E40"/>
+            </a:solidFill>
+          </a:ln>
+        </p:spPr>
+        <p:style>
+          <a:lnRef idx="2">
+            <a:schemeClr val="accent1">
+              <a:shade val="15000"/>
+            </a:schemeClr>
+          </a:lnRef>
+          <a:fillRef idx="1">
+            <a:schemeClr val="accent1"/>
+          </a:fillRef>
+          <a:effectRef idx="0">
+            <a:schemeClr val="accent1"/>
+          </a:effectRef>
+          <a:fontRef idx="minor">
+            <a:schemeClr val="lt1"/>
+          </a:fontRef>
+        </p:style>
+        <p:txBody>
+          <a:bodyPr rtlCol="0" anchor="ctr"/>
+          <a:lstStyle/>
+          <a:p>
+            <a:pPr algn="ctr"/>
+            <a:endParaRPr lang="de-DE"/>
+          </a:p>
+        </p:txBody>
+      </p:sp>
+      <p:sp>
+        <p:nvSpPr>
+          <p:cNvPr id="11" name="Ellipse 10">
+            <a:extLst>
+              <a:ext uri="{FF2B5EF4-FFF2-40B4-BE49-F238E27FC236}">
+                <a16:creationId xmlns:a16="http://schemas.microsoft.com/office/drawing/2014/main" id="{83179B30-9DA0-5CAB-5F02-161A899D5040}"/>
+              </a:ext>
+            </a:extLst>
+          </p:cNvPr>
+          <p:cNvSpPr/>
+          <p:nvPr/>
+        </p:nvSpPr>
+        <p:spPr>
+          <a:xfrm>
+            <a:off x="8511206" y="2848497"/>
+            <a:ext cx="1207008" cy="1197864"/>
+          </a:xfrm>
+          <a:prstGeom prst="ellipse">
+            <a:avLst/>
+          </a:prstGeom>
+          <a:solidFill>
+            <a:srgbClr val="387373"/>
+          </a:solidFill>
+          <a:ln>
+            <a:solidFill>
+              <a:srgbClr val="2D3E40"/>
+            </a:solidFill>
+          </a:ln>
+        </p:spPr>
+        <p:style>
+          <a:lnRef idx="2">
+            <a:schemeClr val="accent1">
+              <a:shade val="15000"/>
+            </a:schemeClr>
+          </a:lnRef>
+          <a:fillRef idx="1">
+            <a:schemeClr val="accent1"/>
+          </a:fillRef>
+          <a:effectRef idx="0">
+            <a:schemeClr val="accent1"/>
+          </a:effectRef>
+          <a:fontRef idx="minor">
+            <a:schemeClr val="lt1"/>
+          </a:fontRef>
+        </p:style>
+        <p:txBody>
+          <a:bodyPr rtlCol="0" anchor="ctr"/>
+          <a:lstStyle/>
+          <a:p>
+            <a:pPr algn="ctr"/>
+            <a:endParaRPr lang="de-DE"/>
+          </a:p>
+        </p:txBody>
+      </p:sp>
+      <p:cxnSp>
+        <p:nvCxnSpPr>
+          <p:cNvPr id="20" name="Gerader Verbinder 19">
+            <a:extLst>
+              <a:ext uri="{FF2B5EF4-FFF2-40B4-BE49-F238E27FC236}">
+                <a16:creationId xmlns:a16="http://schemas.microsoft.com/office/drawing/2014/main" id="{134A61D6-C564-3589-25AC-B83FF5BEFA68}"/>
+              </a:ext>
+            </a:extLst>
+          </p:cNvPr>
+          <p:cNvCxnSpPr>
+            <a:cxnSpLocks/>
+            <a:stCxn id="7" idx="6"/>
+            <a:endCxn id="11" idx="2"/>
+          </p:cNvCxnSpPr>
+          <p:nvPr/>
+        </p:nvCxnSpPr>
+        <p:spPr>
+          <a:xfrm>
+            <a:off x="5684930" y="3424587"/>
+            <a:ext cx="2826276" cy="22842"/>
+          </a:xfrm>
+          <a:prstGeom prst="line">
+            <a:avLst/>
+          </a:prstGeom>
+          <a:ln>
+            <a:solidFill>
+              <a:srgbClr val="387373"/>
+            </a:solidFill>
+          </a:ln>
+        </p:spPr>
+        <p:style>
+          <a:lnRef idx="1">
+            <a:schemeClr val="accent1"/>
+          </a:lnRef>
+          <a:fillRef idx="0">
+            <a:schemeClr val="accent1"/>
+          </a:fillRef>
+          <a:effectRef idx="0">
+            <a:schemeClr val="accent1"/>
+          </a:effectRef>
+          <a:fontRef idx="minor">
+            <a:schemeClr val="tx1"/>
+          </a:fontRef>
+        </p:style>
+      </p:cxnSp>
+      <p:cxnSp>
+        <p:nvCxnSpPr>
+          <p:cNvPr id="28" name="Gerader Verbinder 27">
+            <a:extLst>
+              <a:ext uri="{FF2B5EF4-FFF2-40B4-BE49-F238E27FC236}">
+                <a16:creationId xmlns:a16="http://schemas.microsoft.com/office/drawing/2014/main" id="{BFDADE69-D03F-E749-A4AA-F7E96AEB0AFF}"/>
+              </a:ext>
+            </a:extLst>
+          </p:cNvPr>
+          <p:cNvCxnSpPr>
+            <a:stCxn id="7" idx="5"/>
+            <a:endCxn id="16" idx="2"/>
+          </p:cNvCxnSpPr>
+          <p:nvPr/>
+        </p:nvCxnSpPr>
+        <p:spPr>
+          <a:xfrm>
+            <a:off x="5508168" y="3848096"/>
+            <a:ext cx="3003038" cy="1341839"/>
+          </a:xfrm>
+          <a:prstGeom prst="line">
+            <a:avLst/>
+          </a:prstGeom>
+          <a:ln>
+            <a:solidFill>
+              <a:srgbClr val="387373"/>
+            </a:solidFill>
+          </a:ln>
+        </p:spPr>
+        <p:style>
+          <a:lnRef idx="1">
+            <a:schemeClr val="accent1"/>
+          </a:lnRef>
+          <a:fillRef idx="0">
+            <a:schemeClr val="accent1"/>
+          </a:fillRef>
+          <a:effectRef idx="0">
+            <a:schemeClr val="accent1"/>
+          </a:effectRef>
+          <a:fontRef idx="minor">
+            <a:schemeClr val="tx1"/>
+          </a:fontRef>
+        </p:style>
+      </p:cxnSp>
+      <p:cxnSp>
+        <p:nvCxnSpPr>
+          <p:cNvPr id="30" name="Gerader Verbinder 29">
+            <a:extLst>
+              <a:ext uri="{FF2B5EF4-FFF2-40B4-BE49-F238E27FC236}">
+                <a16:creationId xmlns:a16="http://schemas.microsoft.com/office/drawing/2014/main" id="{0711DA64-0A28-BD0E-6B42-B475093889EF}"/>
+              </a:ext>
+            </a:extLst>
+          </p:cNvPr>
+          <p:cNvCxnSpPr>
+            <a:stCxn id="7" idx="7"/>
+            <a:endCxn id="9" idx="2"/>
+          </p:cNvCxnSpPr>
+          <p:nvPr/>
+        </p:nvCxnSpPr>
+        <p:spPr>
+          <a:xfrm flipV="1">
+            <a:off x="5508168" y="1620653"/>
+            <a:ext cx="3003038" cy="1380425"/>
+          </a:xfrm>
+          <a:prstGeom prst="line">
+            <a:avLst/>
+          </a:prstGeom>
+          <a:ln>
+            <a:solidFill>
+              <a:srgbClr val="387373"/>
+            </a:solidFill>
+          </a:ln>
+        </p:spPr>
+        <p:style>
+          <a:lnRef idx="1">
+            <a:schemeClr val="accent1"/>
+          </a:lnRef>
+          <a:fillRef idx="0">
+            <a:schemeClr val="accent1"/>
+          </a:fillRef>
+          <a:effectRef idx="0">
+            <a:schemeClr val="accent1"/>
+          </a:effectRef>
+          <a:fontRef idx="minor">
+            <a:schemeClr val="tx1"/>
+          </a:fontRef>
+        </p:style>
+      </p:cxnSp>
+      <p:sp>
+        <p:nvSpPr>
+          <p:cNvPr id="31" name="Rechteck 30">
+            <a:extLst>
+              <a:ext uri="{FF2B5EF4-FFF2-40B4-BE49-F238E27FC236}">
+                <a16:creationId xmlns:a16="http://schemas.microsoft.com/office/drawing/2014/main" id="{C9060171-9205-74FD-62ED-8EDC5706DC58}"/>
+              </a:ext>
+            </a:extLst>
+          </p:cNvPr>
+          <p:cNvSpPr/>
+          <p:nvPr/>
+        </p:nvSpPr>
+        <p:spPr>
+          <a:xfrm rot="1455584">
+            <a:off x="6526152" y="4245416"/>
+            <a:ext cx="180000" cy="180000"/>
+          </a:xfrm>
+          <a:prstGeom prst="rect">
+            <a:avLst/>
+          </a:prstGeom>
+          <a:solidFill>
+            <a:srgbClr val="97A6A0"/>
+          </a:solidFill>
+        </p:spPr>
+        <p:style>
+          <a:lnRef idx="2">
+            <a:schemeClr val="accent1">
+              <a:shade val="15000"/>
+            </a:schemeClr>
+          </a:lnRef>
+          <a:fillRef idx="1">
+            <a:schemeClr val="accent1"/>
+          </a:fillRef>
+          <a:effectRef idx="0">
+            <a:schemeClr val="accent1"/>
+          </a:effectRef>
+          <a:fontRef idx="minor">
+            <a:schemeClr val="lt1"/>
+          </a:fontRef>
+        </p:style>
+        <p:txBody>
+          <a:bodyPr rtlCol="0" anchor="ctr"/>
+          <a:lstStyle/>
+          <a:p>
+            <a:pPr algn="ctr"/>
+            <a:endParaRPr lang="de-DE"/>
+          </a:p>
+        </p:txBody>
+      </p:sp>
+      <p:sp>
+        <p:nvSpPr>
+          <p:cNvPr id="32" name="Rechteck 31">
+            <a:extLst>
+              <a:ext uri="{FF2B5EF4-FFF2-40B4-BE49-F238E27FC236}">
+                <a16:creationId xmlns:a16="http://schemas.microsoft.com/office/drawing/2014/main" id="{14740A83-5787-510C-2ECC-64A28D2957EA}"/>
+              </a:ext>
+            </a:extLst>
+          </p:cNvPr>
+          <p:cNvSpPr/>
+          <p:nvPr/>
+        </p:nvSpPr>
+        <p:spPr>
+          <a:xfrm rot="1455584">
+            <a:off x="6820825" y="4379575"/>
+            <a:ext cx="180000" cy="180000"/>
+          </a:xfrm>
+          <a:prstGeom prst="rect">
+            <a:avLst/>
+          </a:prstGeom>
+          <a:solidFill>
+            <a:srgbClr val="97A6A0"/>
+          </a:solidFill>
+        </p:spPr>
+        <p:style>
+          <a:lnRef idx="2">
+            <a:schemeClr val="accent1">
+              <a:shade val="15000"/>
+            </a:schemeClr>
+          </a:lnRef>
+          <a:fillRef idx="1">
+            <a:schemeClr val="accent1"/>
+          </a:fillRef>
+          <a:effectRef idx="0">
+            <a:schemeClr val="accent1"/>
+          </a:effectRef>
+          <a:fontRef idx="minor">
+            <a:schemeClr val="lt1"/>
+          </a:fontRef>
+        </p:style>
+        <p:txBody>
+          <a:bodyPr rtlCol="0" anchor="ctr"/>
+          <a:lstStyle/>
+          <a:p>
+            <a:pPr algn="ctr"/>
+            <a:endParaRPr lang="de-DE"/>
+          </a:p>
+        </p:txBody>
+      </p:sp>
+      <p:sp>
+        <p:nvSpPr>
+          <p:cNvPr id="33" name="Rechteck 32">
+            <a:extLst>
+              <a:ext uri="{FF2B5EF4-FFF2-40B4-BE49-F238E27FC236}">
+                <a16:creationId xmlns:a16="http://schemas.microsoft.com/office/drawing/2014/main" id="{7375ACA3-57A0-ACC6-4A63-B73777F6314B}"/>
+              </a:ext>
+            </a:extLst>
+          </p:cNvPr>
+          <p:cNvSpPr/>
+          <p:nvPr/>
+        </p:nvSpPr>
+        <p:spPr>
+          <a:xfrm rot="1455584">
+            <a:off x="7095167" y="4498607"/>
+            <a:ext cx="180000" cy="180000"/>
+          </a:xfrm>
+          <a:prstGeom prst="rect">
+            <a:avLst/>
+          </a:prstGeom>
+          <a:solidFill>
+            <a:srgbClr val="97A6A0"/>
+          </a:solidFill>
+        </p:spPr>
+        <p:style>
+          <a:lnRef idx="2">
+            <a:schemeClr val="accent1">
+              <a:shade val="15000"/>
+            </a:schemeClr>
+          </a:lnRef>
+          <a:fillRef idx="1">
+            <a:schemeClr val="accent1"/>
+          </a:fillRef>
+          <a:effectRef idx="0">
+            <a:schemeClr val="accent1"/>
+          </a:effectRef>
+          <a:fontRef idx="minor">
+            <a:schemeClr val="lt1"/>
+          </a:fontRef>
+        </p:style>
+        <p:txBody>
+          <a:bodyPr rtlCol="0" anchor="ctr"/>
+          <a:lstStyle/>
+          <a:p>
+            <a:pPr algn="ctr"/>
+            <a:endParaRPr lang="de-DE"/>
+          </a:p>
+        </p:txBody>
+      </p:sp>
+      <p:sp>
+        <p:nvSpPr>
+          <p:cNvPr id="34" name="Rechteck 33">
+            <a:extLst>
+              <a:ext uri="{FF2B5EF4-FFF2-40B4-BE49-F238E27FC236}">
+                <a16:creationId xmlns:a16="http://schemas.microsoft.com/office/drawing/2014/main" id="{96EDB33F-FB67-6558-1F38-0E9C1FF0CCE8}"/>
+              </a:ext>
+            </a:extLst>
+          </p:cNvPr>
+          <p:cNvSpPr/>
+          <p:nvPr/>
+        </p:nvSpPr>
+        <p:spPr>
+          <a:xfrm rot="20014457">
+            <a:off x="7154973" y="2109620"/>
+            <a:ext cx="180000" cy="180000"/>
+          </a:xfrm>
+          <a:prstGeom prst="rect">
+            <a:avLst/>
+          </a:prstGeom>
+          <a:solidFill>
+            <a:srgbClr val="97A6A0"/>
+          </a:solidFill>
+        </p:spPr>
+        <p:style>
+          <a:lnRef idx="2">
+            <a:schemeClr val="accent1">
+              <a:shade val="15000"/>
+            </a:schemeClr>
+          </a:lnRef>
+          <a:fillRef idx="1">
+            <a:schemeClr val="accent1"/>
+          </a:fillRef>
+          <a:effectRef idx="0">
+            <a:schemeClr val="accent1"/>
+          </a:effectRef>
+          <a:fontRef idx="minor">
+            <a:schemeClr val="lt1"/>
+          </a:fontRef>
+        </p:style>
+        <p:txBody>
+          <a:bodyPr rtlCol="0" anchor="ctr"/>
+          <a:lstStyle/>
+          <a:p>
+            <a:pPr algn="ctr"/>
+            <a:endParaRPr lang="de-DE"/>
+          </a:p>
+        </p:txBody>
+      </p:sp>
+      <p:sp>
+        <p:nvSpPr>
+          <p:cNvPr id="35" name="Rechteck 34">
+            <a:extLst>
+              <a:ext uri="{FF2B5EF4-FFF2-40B4-BE49-F238E27FC236}">
+                <a16:creationId xmlns:a16="http://schemas.microsoft.com/office/drawing/2014/main" id="{1940F9BB-72C0-5731-029F-AB73ED0CA543}"/>
+              </a:ext>
+            </a:extLst>
+          </p:cNvPr>
+          <p:cNvSpPr/>
+          <p:nvPr/>
+        </p:nvSpPr>
+        <p:spPr>
+          <a:xfrm rot="20014457">
+            <a:off x="6887419" y="2223786"/>
+            <a:ext cx="180000" cy="180000"/>
+          </a:xfrm>
+          <a:prstGeom prst="rect">
+            <a:avLst/>
+          </a:prstGeom>
+          <a:solidFill>
+            <a:srgbClr val="97A6A0"/>
+          </a:solidFill>
+        </p:spPr>
+        <p:style>
+          <a:lnRef idx="2">
+            <a:schemeClr val="accent1">
+              <a:shade val="15000"/>
+            </a:schemeClr>
+          </a:lnRef>
+          <a:fillRef idx="1">
+            <a:schemeClr val="accent1"/>
+          </a:fillRef>
+          <a:effectRef idx="0">
+            <a:schemeClr val="accent1"/>
+          </a:effectRef>
+          <a:fontRef idx="minor">
+            <a:schemeClr val="lt1"/>
+          </a:fontRef>
+        </p:style>
+        <p:txBody>
+          <a:bodyPr rtlCol="0" anchor="ctr"/>
+          <a:lstStyle/>
+          <a:p>
+            <a:pPr algn="ctr"/>
+            <a:endParaRPr lang="de-DE"/>
+          </a:p>
+        </p:txBody>
+      </p:sp>
+      <p:sp>
+        <p:nvSpPr>
+          <p:cNvPr id="36" name="Rechteck 35">
+            <a:extLst>
+              <a:ext uri="{FF2B5EF4-FFF2-40B4-BE49-F238E27FC236}">
+                <a16:creationId xmlns:a16="http://schemas.microsoft.com/office/drawing/2014/main" id="{E91C66E6-938B-0126-D7CD-C7DAD978E1C1}"/>
+              </a:ext>
+            </a:extLst>
+          </p:cNvPr>
+          <p:cNvSpPr/>
+          <p:nvPr/>
+        </p:nvSpPr>
+        <p:spPr>
+          <a:xfrm rot="20014457">
+            <a:off x="6619865" y="2360971"/>
+            <a:ext cx="180000" cy="180000"/>
+          </a:xfrm>
+          <a:prstGeom prst="rect">
+            <a:avLst/>
+          </a:prstGeom>
+          <a:solidFill>
+            <a:srgbClr val="97A6A0"/>
+          </a:solidFill>
+        </p:spPr>
+        <p:style>
+          <a:lnRef idx="2">
+            <a:schemeClr val="accent1">
+              <a:shade val="15000"/>
+            </a:schemeClr>
+          </a:lnRef>
+          <a:fillRef idx="1">
+            <a:schemeClr val="accent1"/>
+          </a:fillRef>
+          <a:effectRef idx="0">
+            <a:schemeClr val="accent1"/>
+          </a:effectRef>
+          <a:fontRef idx="minor">
+            <a:schemeClr val="lt1"/>
+          </a:fontRef>
+        </p:style>
+        <p:txBody>
+          <a:bodyPr rtlCol="0" anchor="ctr"/>
+          <a:lstStyle/>
+          <a:p>
+            <a:pPr algn="ctr"/>
+            <a:endParaRPr lang="de-DE"/>
+          </a:p>
+        </p:txBody>
+      </p:sp>
+      <p:sp>
+        <p:nvSpPr>
+          <p:cNvPr id="7" name="Ellipse 6">
+            <a:extLst>
+              <a:ext uri="{FF2B5EF4-FFF2-40B4-BE49-F238E27FC236}">
+                <a16:creationId xmlns:a16="http://schemas.microsoft.com/office/drawing/2014/main" id="{909E502D-00E7-21FF-2C63-F835409E9AC3}"/>
+              </a:ext>
+            </a:extLst>
+          </p:cNvPr>
+          <p:cNvSpPr/>
+          <p:nvPr/>
+        </p:nvSpPr>
+        <p:spPr>
+          <a:xfrm>
+            <a:off x="4477922" y="2825655"/>
+            <a:ext cx="1207008" cy="1197864"/>
+          </a:xfrm>
+          <a:prstGeom prst="ellipse">
+            <a:avLst/>
+          </a:prstGeom>
+          <a:solidFill>
+            <a:srgbClr val="387373"/>
+          </a:solidFill>
+          <a:ln>
+            <a:solidFill>
+              <a:srgbClr val="2D3E40"/>
+            </a:solidFill>
+          </a:ln>
+        </p:spPr>
+        <p:style>
+          <a:lnRef idx="2">
+            <a:schemeClr val="accent1">
+              <a:shade val="15000"/>
+            </a:schemeClr>
+          </a:lnRef>
+          <a:fillRef idx="1">
+            <a:schemeClr val="accent1"/>
+          </a:fillRef>
+          <a:effectRef idx="0">
+            <a:schemeClr val="accent1"/>
+          </a:effectRef>
+          <a:fontRef idx="minor">
+            <a:schemeClr val="lt1"/>
+          </a:fontRef>
+        </p:style>
+        <p:txBody>
+          <a:bodyPr rtlCol="0" anchor="ctr"/>
+          <a:lstStyle/>
+          <a:p>
+            <a:pPr algn="ctr"/>
+            <a:endParaRPr lang="de-DE" dirty="0"/>
+          </a:p>
+        </p:txBody>
+      </p:sp>
+      <p:sp>
+        <p:nvSpPr>
+          <p:cNvPr id="9" name="Ellipse 8">
+            <a:extLst>
+              <a:ext uri="{FF2B5EF4-FFF2-40B4-BE49-F238E27FC236}">
+                <a16:creationId xmlns:a16="http://schemas.microsoft.com/office/drawing/2014/main" id="{47946088-3279-6AA8-AB0D-94E6BC6C32F8}"/>
+              </a:ext>
+            </a:extLst>
+          </p:cNvPr>
+          <p:cNvSpPr/>
+          <p:nvPr/>
+        </p:nvSpPr>
+        <p:spPr>
+          <a:xfrm>
+            <a:off x="8511206" y="1021721"/>
+            <a:ext cx="1207008" cy="1197864"/>
+          </a:xfrm>
+          <a:prstGeom prst="ellipse">
+            <a:avLst/>
+          </a:prstGeom>
+          <a:solidFill>
+            <a:srgbClr val="387373"/>
+          </a:solidFill>
+          <a:ln>
+            <a:solidFill>
+              <a:srgbClr val="2D3E40"/>
+            </a:solidFill>
+          </a:ln>
+        </p:spPr>
+        <p:style>
+          <a:lnRef idx="2">
+            <a:schemeClr val="accent1">
+              <a:shade val="15000"/>
+            </a:schemeClr>
+          </a:lnRef>
+          <a:fillRef idx="1">
+            <a:schemeClr val="accent1"/>
+          </a:fillRef>
+          <a:effectRef idx="0">
+            <a:schemeClr val="accent1"/>
+          </a:effectRef>
+          <a:fontRef idx="minor">
+            <a:schemeClr val="lt1"/>
+          </a:fontRef>
+        </p:style>
+        <p:txBody>
+          <a:bodyPr rtlCol="0" anchor="ctr"/>
+          <a:lstStyle/>
+          <a:p>
+            <a:pPr algn="ctr"/>
+            <a:endParaRPr lang="de-DE"/>
+          </a:p>
+        </p:txBody>
+      </p:sp>
+      <p:sp>
+        <p:nvSpPr>
+          <p:cNvPr id="16" name="Ellipse 15">
+            <a:extLst>
+              <a:ext uri="{FF2B5EF4-FFF2-40B4-BE49-F238E27FC236}">
+                <a16:creationId xmlns:a16="http://schemas.microsoft.com/office/drawing/2014/main" id="{1DDFC426-B17E-4C70-EE89-CE3E26A26513}"/>
+              </a:ext>
+            </a:extLst>
+          </p:cNvPr>
+          <p:cNvSpPr/>
+          <p:nvPr/>
+        </p:nvSpPr>
+        <p:spPr>
+          <a:xfrm>
+            <a:off x="8511206" y="4591003"/>
+            <a:ext cx="1207008" cy="1197864"/>
+          </a:xfrm>
+          <a:prstGeom prst="ellipse">
+            <a:avLst/>
+          </a:prstGeom>
+          <a:solidFill>
+            <a:srgbClr val="387373"/>
+          </a:solidFill>
+          <a:ln>
+            <a:solidFill>
+              <a:srgbClr val="2D3E40"/>
+            </a:solidFill>
+          </a:ln>
+        </p:spPr>
+        <p:style>
+          <a:lnRef idx="2">
+            <a:schemeClr val="accent1">
+              <a:shade val="15000"/>
+            </a:schemeClr>
+          </a:lnRef>
+          <a:fillRef idx="1">
+            <a:schemeClr val="accent1"/>
+          </a:fillRef>
+          <a:effectRef idx="0">
+            <a:schemeClr val="accent1"/>
+          </a:effectRef>
+          <a:fontRef idx="minor">
+            <a:schemeClr val="lt1"/>
+          </a:fontRef>
+        </p:style>
+        <p:txBody>
+          <a:bodyPr rtlCol="0" anchor="ctr"/>
+          <a:lstStyle/>
+          <a:p>
+            <a:pPr algn="ctr"/>
+            <a:endParaRPr lang="de-DE"/>
+          </a:p>
+        </p:txBody>
+      </p:sp>
+    </p:spTree>
+    <p:extLst>
+      <p:ext uri="{BB962C8B-B14F-4D97-AF65-F5344CB8AC3E}">
+        <p14:creationId xmlns:p14="http://schemas.microsoft.com/office/powerpoint/2010/main" val="4148890282"/>
+      </p:ext>
+    </p:extLst>
+  </p:cSld>
+  <p:clrMapOvr>
+    <a:masterClrMapping/>
+  </p:clrMapOvr>
+  <p:timing>
+    <p:tnLst>
+      <p:par>
+        <p:cTn id="1" dur="indefinite" restart="never" nodeType="tmRoot">
+          <p:childTnLst>
+            <p:seq concurrent="1" nextAc="seek">
+              <p:cTn id="2" dur="indefinite" nodeType="mainSeq">
+                <p:childTnLst>
+                  <p:par>
+                    <p:cTn id="3" fill="hold">
+                      <p:stCondLst>
+                        <p:cond delay="indefinite"/>
+                        <p:cond evt="onBegin" delay="0">
+                          <p:tn val="2"/>
+                        </p:cond>
+                      </p:stCondLst>
+                      <p:childTnLst>
+                        <p:par>
+                          <p:cTn id="4" fill="hold">
+                            <p:stCondLst>
+                              <p:cond delay="0"/>
+                            </p:stCondLst>
+                            <p:childTnLst>
+                              <p:par>
+                                <p:cTn id="5" presetID="35" presetClass="path" presetSubtype="0" repeatCount="indefinite" accel="33333" decel="33333" autoRev="1" fill="hold" grpId="0" nodeType="withEffect">
+                                  <p:stCondLst>
+                                    <p:cond delay="0"/>
+                                  </p:stCondLst>
+                                  <p:childTnLst>
+                                    <p:animMotion origin="layout" path="M 0.14336 4.44444E-6 L -0.12747 4.44444E-6 " pathEditMode="relative" rAng="0" ptsTypes="AA">
+                                      <p:cBhvr>
+                                        <p:cTn id="6" dur="3000" fill="hold"/>
+                                        <p:tgtEl>
+                                          <p:spTgt spid="13"/>
+                                        </p:tgtEl>
+                                        <p:attrNameLst>
+                                          <p:attrName>ppt_x</p:attrName>
+                                          <p:attrName>ppt_y</p:attrName>
+                                        </p:attrNameLst>
+                                      </p:cBhvr>
+                                      <p:rCtr x="-13542" y="0"/>
+                                    </p:animMotion>
+                                  </p:childTnLst>
+                                </p:cTn>
+                              </p:par>
+                              <p:par>
+                                <p:cTn id="7" presetID="35" presetClass="path" presetSubtype="0" repeatCount="indefinite" accel="33333" decel="33333" autoRev="1" fill="hold" grpId="0" nodeType="withEffect">
+                                  <p:stCondLst>
+                                    <p:cond delay="0"/>
+                                  </p:stCondLst>
+                                  <p:childTnLst>
+                                    <p:animMotion origin="layout" path="M 0.14414 4.44444E-6 L -0.128 4.44444E-6 " pathEditMode="relative" rAng="0" ptsTypes="AA">
+                                      <p:cBhvr>
+                                        <p:cTn id="8" dur="3000" fill="hold"/>
+                                        <p:tgtEl>
+                                          <p:spTgt spid="14"/>
+                                        </p:tgtEl>
+                                        <p:attrNameLst>
+                                          <p:attrName>ppt_x</p:attrName>
+                                          <p:attrName>ppt_y</p:attrName>
+                                        </p:attrNameLst>
+                                      </p:cBhvr>
+                                      <p:rCtr x="-13607" y="0"/>
+                                    </p:animMotion>
+                                  </p:childTnLst>
+                                </p:cTn>
+                              </p:par>
+                              <p:par>
+                                <p:cTn id="9" presetID="35" presetClass="path" presetSubtype="0" repeatCount="indefinite" accel="33333" decel="33333" autoRev="1" fill="hold" grpId="0" nodeType="withEffect">
+                                  <p:stCondLst>
+                                    <p:cond delay="0"/>
+                                  </p:stCondLst>
+                                  <p:childTnLst>
+                                    <p:animMotion origin="layout" path="M 0.14427 4.44444E-6 L -0.12995 4.44444E-6 " pathEditMode="relative" rAng="0" ptsTypes="AA">
+                                      <p:cBhvr>
+                                        <p:cTn id="10" dur="3000" fill="hold"/>
+                                        <p:tgtEl>
+                                          <p:spTgt spid="15"/>
+                                        </p:tgtEl>
+                                        <p:attrNameLst>
+                                          <p:attrName>ppt_x</p:attrName>
+                                          <p:attrName>ppt_y</p:attrName>
+                                        </p:attrNameLst>
+                                      </p:cBhvr>
+                                      <p:rCtr x="-13711" y="0"/>
+                                    </p:animMotion>
+                                  </p:childTnLst>
+                                </p:cTn>
+                              </p:par>
+                              <p:par>
+                                <p:cTn id="11" presetID="0" presetClass="path" presetSubtype="0" repeatCount="indefinite" accel="50000" decel="50000" autoRev="1" fill="hold" grpId="0" nodeType="withEffect">
+                                  <p:stCondLst>
+                                    <p:cond delay="0"/>
+                                  </p:stCondLst>
+                                  <p:childTnLst>
+                                    <p:animMotion origin="layout" path="M -0.15898 -0.12338 L 0.18112 0.14236 L 0.1806 0.14144 " pathEditMode="relative" rAng="0" ptsTypes="AAA">
+                                      <p:cBhvr>
+                                        <p:cTn id="12" dur="3000" fill="hold"/>
+                                        <p:tgtEl>
+                                          <p:spTgt spid="33"/>
+                                        </p:tgtEl>
+                                        <p:attrNameLst>
+                                          <p:attrName>ppt_x</p:attrName>
+                                          <p:attrName>ppt_y</p:attrName>
+                                        </p:attrNameLst>
+                                      </p:cBhvr>
+                                      <p:rCtr x="17005" y="13287"/>
+                                    </p:animMotion>
+                                  </p:childTnLst>
+                                </p:cTn>
+                              </p:par>
+                              <p:par>
+                                <p:cTn id="13" presetID="0" presetClass="path" presetSubtype="0" repeatCount="indefinite" accel="50000" decel="50000" autoRev="1" fill="hold" grpId="0" nodeType="withEffect">
+                                  <p:stCondLst>
+                                    <p:cond delay="0"/>
+                                  </p:stCondLst>
+                                  <p:childTnLst>
+                                    <p:animMotion origin="layout" path="M -0.15469 -0.12407 L 0.18541 0.14167 L 0.18489 0.14074 " pathEditMode="relative" rAng="0" ptsTypes="AAA">
+                                      <p:cBhvr>
+                                        <p:cTn id="14" dur="3000" fill="hold"/>
+                                        <p:tgtEl>
+                                          <p:spTgt spid="32"/>
+                                        </p:tgtEl>
+                                        <p:attrNameLst>
+                                          <p:attrName>ppt_x</p:attrName>
+                                          <p:attrName>ppt_y</p:attrName>
+                                        </p:attrNameLst>
+                                      </p:cBhvr>
+                                      <p:rCtr x="17005" y="13287"/>
+                                    </p:animMotion>
+                                  </p:childTnLst>
+                                </p:cTn>
+                              </p:par>
+                              <p:par>
+                                <p:cTn id="15" presetID="0" presetClass="path" presetSubtype="0" repeatCount="indefinite" accel="50000" decel="50000" autoRev="1" fill="hold" grpId="0" nodeType="withEffect">
+                                  <p:stCondLst>
+                                    <p:cond delay="0"/>
+                                  </p:stCondLst>
+                                  <p:childTnLst>
+                                    <p:animMotion origin="layout" path="M -0.1474 -0.11667 L 0.19271 0.14907 L 0.19219 0.14814 " pathEditMode="relative" rAng="0" ptsTypes="AAA">
+                                      <p:cBhvr>
+                                        <p:cTn id="16" dur="3000" fill="hold"/>
+                                        <p:tgtEl>
+                                          <p:spTgt spid="31"/>
+                                        </p:tgtEl>
+                                        <p:attrNameLst>
+                                          <p:attrName>ppt_x</p:attrName>
+                                          <p:attrName>ppt_y</p:attrName>
+                                        </p:attrNameLst>
+                                      </p:cBhvr>
+                                      <p:rCtr x="17005" y="13287"/>
+                                    </p:animMotion>
+                                  </p:childTnLst>
+                                </p:cTn>
+                              </p:par>
+                              <p:par>
+                                <p:cTn id="17" presetID="0" presetClass="path" presetSubtype="0" repeatCount="indefinite" accel="50000" decel="50000" autoRev="1" fill="hold" grpId="0" nodeType="withEffect">
+                                  <p:stCondLst>
+                                    <p:cond delay="0"/>
+                                  </p:stCondLst>
+                                  <p:childTnLst>
+                                    <p:animMotion origin="layout" path="M 0.17318 -0.13981 L -0.15807 0.13102 L -0.15807 0.13171 " pathEditMode="relative" rAng="0" ptsTypes="AAA">
+                                      <p:cBhvr>
+                                        <p:cTn id="18" dur="3000" fill="hold"/>
+                                        <p:tgtEl>
+                                          <p:spTgt spid="34"/>
+                                        </p:tgtEl>
+                                        <p:attrNameLst>
+                                          <p:attrName>ppt_x</p:attrName>
+                                          <p:attrName>ppt_y</p:attrName>
+                                        </p:attrNameLst>
+                                      </p:cBhvr>
+                                      <p:rCtr x="-16563" y="13565"/>
+                                    </p:animMotion>
+                                  </p:childTnLst>
+                                </p:cTn>
+                              </p:par>
+                              <p:par>
+                                <p:cTn id="19" presetID="0" presetClass="path" presetSubtype="0" repeatCount="indefinite" accel="50000" decel="50000" autoRev="1" fill="hold" grpId="0" nodeType="withEffect">
+                                  <p:stCondLst>
+                                    <p:cond delay="0"/>
+                                  </p:stCondLst>
+                                  <p:childTnLst>
+                                    <p:animMotion origin="layout" path="M 0.17317 -0.13982 L -0.15808 0.13102 L -0.15808 0.13171 " pathEditMode="relative" rAng="0" ptsTypes="AAA">
+                                      <p:cBhvr>
+                                        <p:cTn id="20" dur="3000" fill="hold"/>
+                                        <p:tgtEl>
+                                          <p:spTgt spid="35"/>
+                                        </p:tgtEl>
+                                        <p:attrNameLst>
+                                          <p:attrName>ppt_x</p:attrName>
+                                          <p:attrName>ppt_y</p:attrName>
+                                        </p:attrNameLst>
+                                      </p:cBhvr>
+                                      <p:rCtr x="-16563" y="13565"/>
+                                    </p:animMotion>
+                                  </p:childTnLst>
+                                </p:cTn>
+                              </p:par>
+                              <p:par>
+                                <p:cTn id="21" presetID="0" presetClass="path" presetSubtype="0" repeatCount="indefinite" accel="50000" decel="50000" autoRev="1" fill="hold" grpId="0" nodeType="withEffect">
+                                  <p:stCondLst>
+                                    <p:cond delay="0"/>
+                                  </p:stCondLst>
+                                  <p:childTnLst>
+                                    <p:animMotion origin="layout" path="M 0.17044 -0.13658 L -0.15495 0.14097 L -0.15495 0.1419 " pathEditMode="relative" rAng="0" ptsTypes="AAA">
+                                      <p:cBhvr>
+                                        <p:cTn id="22" dur="3000" fill="hold"/>
+                                        <p:tgtEl>
+                                          <p:spTgt spid="36"/>
+                                        </p:tgtEl>
+                                        <p:attrNameLst>
+                                          <p:attrName>ppt_x</p:attrName>
+                                          <p:attrName>ppt_y</p:attrName>
+                                        </p:attrNameLst>
+                                      </p:cBhvr>
+                                      <p:rCtr x="-16276" y="13912"/>
+                                    </p:animMotion>
+                                  </p:childTnLst>
+                                </p:cTn>
+                              </p:par>
+                            </p:childTnLst>
+                          </p:cTn>
+                        </p:par>
+                      </p:childTnLst>
+                    </p:cTn>
+                  </p:par>
+                </p:childTnLst>
+              </p:cTn>
+              <p:prevCondLst>
+                <p:cond evt="onPrev" delay="0">
+                  <p:tgtEl>
+                    <p:sldTgt/>
+                  </p:tgtEl>
+                </p:cond>
+              </p:prevCondLst>
+              <p:nextCondLst>
+                <p:cond evt="onNext" delay="0">
+                  <p:tgtEl>
+                    <p:sldTgt/>
+                  </p:tgtEl>
+                </p:cond>
+              </p:nextCondLst>
+            </p:seq>
+          </p:childTnLst>
+        </p:cTn>
+      </p:par>
+    </p:tnLst>
+    <p:bldLst>
+      <p:bldP spid="13" grpId="0" animBg="1"/>
+      <p:bldP spid="14" grpId="0" animBg="1"/>
+      <p:bldP spid="15" grpId="0" animBg="1"/>
+      <p:bldP spid="31" grpId="0" animBg="1"/>
+      <p:bldP spid="32" grpId="0" animBg="1"/>
+      <p:bldP spid="33" grpId="0" animBg="1"/>
+      <p:bldP spid="34" grpId="0" animBg="1"/>
+      <p:bldP spid="35" grpId="0" animBg="1"/>
+      <p:bldP spid="36" grpId="0" animBg="1"/>
+    </p:bldLst>
+  </p:timing>
+</p:sld>
+</file>
+
+<file path=ppt/slides/slide5.xml><?xml version="1.0" encoding="utf-8"?>
+<p:sld xmlns:a="http://schemas.openxmlformats.org/drawingml/2006/main" xmlns:r="http://schemas.openxmlformats.org/officeDocument/2006/relationships" xmlns:p="http://schemas.openxmlformats.org/presentationml/2006/main">
+  <p:cSld>
+    <p:spTree>
+      <p:nvGrpSpPr>
+        <p:cNvPr id="1" name=""/>
+        <p:cNvGrpSpPr/>
+        <p:nvPr/>
+      </p:nvGrpSpPr>
+      <p:grpSpPr>
+        <a:xfrm>
+          <a:off x="0" y="0"/>
+          <a:ext cx="0" cy="0"/>
+          <a:chOff x="0" y="0"/>
+          <a:chExt cx="0" cy="0"/>
+        </a:xfrm>
+      </p:grpSpPr>
+      <p:sp>
+        <p:nvSpPr>
+          <p:cNvPr id="26" name="Titel 25">
+            <a:extLst>
+              <a:ext uri="{FF2B5EF4-FFF2-40B4-BE49-F238E27FC236}">
+                <a16:creationId xmlns:a16="http://schemas.microsoft.com/office/drawing/2014/main" id="{5BAA02DD-91DE-8533-800D-212C4C89CD43}"/>
+              </a:ext>
+            </a:extLst>
+          </p:cNvPr>
+          <p:cNvSpPr>
+            <a:spLocks noGrp="1"/>
+          </p:cNvSpPr>
+          <p:nvPr>
+            <p:ph type="title"/>
+          </p:nvPr>
+        </p:nvSpPr>
+        <p:spPr/>
+        <p:txBody>
+          <a:bodyPr/>
+          <a:lstStyle/>
+          <a:p>
+            <a:r>
+              <a:rPr lang="de-DE" dirty="0"/>
+              <a:t>Linie</a:t>
+            </a:r>
+          </a:p>
+        </p:txBody>
+      </p:sp>
+      <p:sp>
+        <p:nvSpPr>
+          <p:cNvPr id="3" name="Datumsplatzhalter 2">
+            <a:extLst>
+              <a:ext uri="{FF2B5EF4-FFF2-40B4-BE49-F238E27FC236}">
+                <a16:creationId xmlns:a16="http://schemas.microsoft.com/office/drawing/2014/main" id="{22220A1F-1AB7-5C06-A827-A7872FC940EC}"/>
+              </a:ext>
+            </a:extLst>
+          </p:cNvPr>
+          <p:cNvSpPr>
+            <a:spLocks noGrp="1"/>
+          </p:cNvSpPr>
+          <p:nvPr>
+            <p:ph type="dt" sz="half" idx="10"/>
+          </p:nvPr>
+        </p:nvSpPr>
+        <p:spPr/>
+        <p:txBody>
+          <a:bodyPr/>
+          <a:lstStyle/>
+          <a:p>
+            <a:fld id="{835AA394-4E0A-4D43-9C6E-63B4559443C5}" type="datetime1">
+              <a:rPr lang="de-DE" smtClean="0"/>
+              <a:t>23.11.2023</a:t>
+            </a:fld>
+            <a:endParaRPr lang="de-DE" dirty="0"/>
+          </a:p>
+        </p:txBody>
+      </p:sp>
+      <p:sp>
+        <p:nvSpPr>
+          <p:cNvPr id="4" name="Fußzeilenplatzhalter 3">
+            <a:extLst>
+              <a:ext uri="{FF2B5EF4-FFF2-40B4-BE49-F238E27FC236}">
+                <a16:creationId xmlns:a16="http://schemas.microsoft.com/office/drawing/2014/main" id="{D45D83AC-100D-DB00-D681-78011BDEEEA4}"/>
+              </a:ext>
+            </a:extLst>
+          </p:cNvPr>
+          <p:cNvSpPr>
+            <a:spLocks noGrp="1"/>
+          </p:cNvSpPr>
+          <p:nvPr>
+            <p:ph type="ftr" sz="quarter" idx="11"/>
+          </p:nvPr>
+        </p:nvSpPr>
+        <p:spPr/>
+        <p:txBody>
+          <a:bodyPr/>
+          <a:lstStyle/>
+          <a:p>
+            <a:r>
+              <a:rPr lang="de-DE"/>
+              <a:t>Korbinian Müller -Wired und Wireless Netzwerke und ihre Topologien-Fach: Einführung in die Informatik</a:t>
+            </a:r>
+            <a:endParaRPr lang="de-DE" dirty="0"/>
+          </a:p>
+        </p:txBody>
+      </p:sp>
+      <p:sp>
+        <p:nvSpPr>
+          <p:cNvPr id="5" name="Foliennummernplatzhalter 4">
+            <a:extLst>
+              <a:ext uri="{FF2B5EF4-FFF2-40B4-BE49-F238E27FC236}">
+                <a16:creationId xmlns:a16="http://schemas.microsoft.com/office/drawing/2014/main" id="{AFAAEFEC-968D-31A6-813F-6EF01CFB5CBC}"/>
+              </a:ext>
+            </a:extLst>
+          </p:cNvPr>
+          <p:cNvSpPr>
+            <a:spLocks noGrp="1"/>
+          </p:cNvSpPr>
+          <p:nvPr>
+            <p:ph type="sldNum" sz="quarter" idx="12"/>
+          </p:nvPr>
+        </p:nvSpPr>
+        <p:spPr/>
+        <p:txBody>
+          <a:bodyPr/>
+          <a:lstStyle/>
+          <a:p>
+            <a:fld id="{5DE6925C-1583-47A7-A548-3B5B1B0709B5}" type="slidenum">
+              <a:rPr lang="de-DE" smtClean="0"/>
+              <a:pPr/>
+              <a:t>5</a:t>
+            </a:fld>
+            <a:endParaRPr lang="de-DE" dirty="0"/>
+          </a:p>
+        </p:txBody>
+      </p:sp>
+      <p:sp>
+        <p:nvSpPr>
+          <p:cNvPr id="10" name="Ellipse 9">
+            <a:extLst>
+              <a:ext uri="{FF2B5EF4-FFF2-40B4-BE49-F238E27FC236}">
+                <a16:creationId xmlns:a16="http://schemas.microsoft.com/office/drawing/2014/main" id="{35481580-9454-08E3-F4EA-5E8F00114E35}"/>
+              </a:ext>
+            </a:extLst>
+          </p:cNvPr>
+          <p:cNvSpPr/>
+          <p:nvPr/>
+        </p:nvSpPr>
+        <p:spPr>
+          <a:xfrm>
+            <a:off x="1206500" y="2014887"/>
+            <a:ext cx="1207008" cy="1197864"/>
+          </a:xfrm>
+          <a:prstGeom prst="ellipse">
+            <a:avLst/>
+          </a:prstGeom>
+          <a:solidFill>
+            <a:srgbClr val="387373"/>
+          </a:solidFill>
+          <a:ln>
+            <a:solidFill>
+              <a:srgbClr val="2D3E40"/>
+            </a:solidFill>
+          </a:ln>
+        </p:spPr>
+        <p:style>
+          <a:lnRef idx="2">
+            <a:schemeClr val="accent1">
+              <a:shade val="15000"/>
+            </a:schemeClr>
+          </a:lnRef>
+          <a:fillRef idx="1">
+            <a:schemeClr val="accent1"/>
+          </a:fillRef>
+          <a:effectRef idx="0">
+            <a:schemeClr val="accent1"/>
+          </a:effectRef>
+          <a:fontRef idx="minor">
+            <a:schemeClr val="lt1"/>
+          </a:fontRef>
+        </p:style>
+        <p:txBody>
+          <a:bodyPr rtlCol="0" anchor="ctr"/>
+          <a:lstStyle/>
+          <a:p>
+            <a:pPr algn="ctr"/>
+            <a:endParaRPr lang="de-DE"/>
+          </a:p>
+        </p:txBody>
+      </p:sp>
+      <p:cxnSp>
+        <p:nvCxnSpPr>
+          <p:cNvPr id="18" name="Gerader Verbinder 17">
+            <a:extLst>
+              <a:ext uri="{FF2B5EF4-FFF2-40B4-BE49-F238E27FC236}">
+                <a16:creationId xmlns:a16="http://schemas.microsoft.com/office/drawing/2014/main" id="{18E775B8-347C-A979-8FD8-BC28B66E5F8D}"/>
+              </a:ext>
+            </a:extLst>
+          </p:cNvPr>
+          <p:cNvCxnSpPr>
+            <a:stCxn id="10" idx="5"/>
+            <a:endCxn id="7" idx="1"/>
+          </p:cNvCxnSpPr>
+          <p:nvPr/>
+        </p:nvCxnSpPr>
+        <p:spPr>
+          <a:xfrm>
+            <a:off x="2236746" y="3037328"/>
+            <a:ext cx="1672773" cy="1157201"/>
+          </a:xfrm>
+          <a:prstGeom prst="line">
+            <a:avLst/>
+          </a:prstGeom>
+          <a:ln>
+            <a:solidFill>
+              <a:srgbClr val="387373"/>
+            </a:solidFill>
+          </a:ln>
+        </p:spPr>
+        <p:style>
+          <a:lnRef idx="1">
+            <a:schemeClr val="accent1"/>
+          </a:lnRef>
+          <a:fillRef idx="0">
+            <a:schemeClr val="accent1"/>
+          </a:fillRef>
+          <a:effectRef idx="0">
+            <a:schemeClr val="accent1"/>
+          </a:effectRef>
+          <a:fontRef idx="minor">
+            <a:schemeClr val="tx1"/>
+          </a:fontRef>
+        </p:style>
+      </p:cxnSp>
+      <p:cxnSp>
+        <p:nvCxnSpPr>
+          <p:cNvPr id="20" name="Gerader Verbinder 19">
+            <a:extLst>
+              <a:ext uri="{FF2B5EF4-FFF2-40B4-BE49-F238E27FC236}">
+                <a16:creationId xmlns:a16="http://schemas.microsoft.com/office/drawing/2014/main" id="{893C565A-A010-1579-B285-0BD5B33A0AE6}"/>
+              </a:ext>
+            </a:extLst>
+          </p:cNvPr>
+          <p:cNvCxnSpPr>
+            <a:stCxn id="7" idx="6"/>
+            <a:endCxn id="11" idx="2"/>
+          </p:cNvCxnSpPr>
+          <p:nvPr/>
+        </p:nvCxnSpPr>
+        <p:spPr>
+          <a:xfrm flipV="1">
+            <a:off x="4939765" y="4154043"/>
+            <a:ext cx="1967992" cy="463995"/>
+          </a:xfrm>
+          <a:prstGeom prst="line">
+            <a:avLst/>
+          </a:prstGeom>
+          <a:ln>
+            <a:solidFill>
+              <a:srgbClr val="387373"/>
+            </a:solidFill>
+          </a:ln>
+        </p:spPr>
+        <p:style>
+          <a:lnRef idx="1">
+            <a:schemeClr val="accent1"/>
+          </a:lnRef>
+          <a:fillRef idx="0">
+            <a:schemeClr val="accent1"/>
+          </a:fillRef>
+          <a:effectRef idx="0">
+            <a:schemeClr val="accent1"/>
+          </a:effectRef>
+          <a:fontRef idx="minor">
+            <a:schemeClr val="tx1"/>
+          </a:fontRef>
+        </p:style>
+      </p:cxnSp>
+      <p:cxnSp>
+        <p:nvCxnSpPr>
+          <p:cNvPr id="22" name="Gerader Verbinder 21">
+            <a:extLst>
+              <a:ext uri="{FF2B5EF4-FFF2-40B4-BE49-F238E27FC236}">
+                <a16:creationId xmlns:a16="http://schemas.microsoft.com/office/drawing/2014/main" id="{A606E572-6CD9-51C7-3492-2F6C492ED19A}"/>
+              </a:ext>
+            </a:extLst>
+          </p:cNvPr>
+          <p:cNvCxnSpPr>
+            <a:stCxn id="11" idx="7"/>
+            <a:endCxn id="16" idx="3"/>
+          </p:cNvCxnSpPr>
+          <p:nvPr/>
+        </p:nvCxnSpPr>
+        <p:spPr>
+          <a:xfrm flipV="1">
+            <a:off x="7938003" y="2050347"/>
+            <a:ext cx="2385551" cy="1680187"/>
+          </a:xfrm>
+          <a:prstGeom prst="line">
+            <a:avLst/>
+          </a:prstGeom>
+          <a:ln>
+            <a:solidFill>
+              <a:srgbClr val="387373"/>
+            </a:solidFill>
+          </a:ln>
+        </p:spPr>
+        <p:style>
+          <a:lnRef idx="1">
+            <a:schemeClr val="accent1"/>
+          </a:lnRef>
+          <a:fillRef idx="0">
+            <a:schemeClr val="accent1"/>
+          </a:fillRef>
+          <a:effectRef idx="0">
+            <a:schemeClr val="accent1"/>
+          </a:effectRef>
+          <a:fontRef idx="minor">
+            <a:schemeClr val="tx1"/>
+          </a:fontRef>
+        </p:style>
+      </p:cxnSp>
+      <p:sp>
+        <p:nvSpPr>
+          <p:cNvPr id="15" name="Rechteck 14">
+            <a:extLst>
+              <a:ext uri="{FF2B5EF4-FFF2-40B4-BE49-F238E27FC236}">
+                <a16:creationId xmlns:a16="http://schemas.microsoft.com/office/drawing/2014/main" id="{CB415A5B-A160-2497-C938-7D052C9B678D}"/>
+              </a:ext>
+            </a:extLst>
+          </p:cNvPr>
+          <p:cNvSpPr/>
+          <p:nvPr/>
+        </p:nvSpPr>
+        <p:spPr>
+          <a:xfrm rot="20835418">
+            <a:off x="6172357" y="4226503"/>
+            <a:ext cx="180000" cy="180000"/>
+          </a:xfrm>
+          <a:prstGeom prst="rect">
+            <a:avLst/>
+          </a:prstGeom>
+          <a:solidFill>
+            <a:srgbClr val="97A6A0"/>
+          </a:solidFill>
+        </p:spPr>
+        <p:style>
+          <a:lnRef idx="2">
+            <a:schemeClr val="accent1">
+              <a:shade val="15000"/>
+            </a:schemeClr>
+          </a:lnRef>
+          <a:fillRef idx="1">
+            <a:schemeClr val="accent1"/>
+          </a:fillRef>
+          <a:effectRef idx="0">
+            <a:schemeClr val="accent1"/>
+          </a:effectRef>
+          <a:fontRef idx="minor">
+            <a:schemeClr val="lt1"/>
+          </a:fontRef>
+        </p:style>
+        <p:txBody>
+          <a:bodyPr rtlCol="0" anchor="ctr"/>
+          <a:lstStyle/>
+          <a:p>
+            <a:pPr algn="ctr"/>
+            <a:endParaRPr lang="de-DE"/>
+          </a:p>
+        </p:txBody>
+      </p:sp>
+      <p:sp>
+        <p:nvSpPr>
+          <p:cNvPr id="6" name="Rechteck 5">
+            <a:extLst>
+              <a:ext uri="{FF2B5EF4-FFF2-40B4-BE49-F238E27FC236}">
+                <a16:creationId xmlns:a16="http://schemas.microsoft.com/office/drawing/2014/main" id="{D7F3A79E-49E2-2CB5-8C12-2B61135149B8}"/>
+              </a:ext>
+            </a:extLst>
+          </p:cNvPr>
+          <p:cNvSpPr/>
+          <p:nvPr/>
+        </p:nvSpPr>
+        <p:spPr>
+          <a:xfrm rot="20835418">
+            <a:off x="5954159" y="4276343"/>
+            <a:ext cx="180000" cy="180000"/>
+          </a:xfrm>
+          <a:prstGeom prst="rect">
+            <a:avLst/>
+          </a:prstGeom>
+          <a:solidFill>
+            <a:srgbClr val="97A6A0"/>
+          </a:solidFill>
+        </p:spPr>
+        <p:style>
+          <a:lnRef idx="2">
+            <a:schemeClr val="accent1">
+              <a:shade val="15000"/>
+            </a:schemeClr>
+          </a:lnRef>
+          <a:fillRef idx="1">
+            <a:schemeClr val="accent1"/>
+          </a:fillRef>
+          <a:effectRef idx="0">
+            <a:schemeClr val="accent1"/>
+          </a:effectRef>
+          <a:fontRef idx="minor">
+            <a:schemeClr val="lt1"/>
+          </a:fontRef>
+        </p:style>
+        <p:txBody>
+          <a:bodyPr rtlCol="0" anchor="ctr"/>
+          <a:lstStyle/>
+          <a:p>
+            <a:pPr algn="ctr"/>
+            <a:endParaRPr lang="de-DE"/>
+          </a:p>
+        </p:txBody>
+      </p:sp>
+      <p:sp>
+        <p:nvSpPr>
+          <p:cNvPr id="8" name="Rechteck 7">
+            <a:extLst>
+              <a:ext uri="{FF2B5EF4-FFF2-40B4-BE49-F238E27FC236}">
+                <a16:creationId xmlns:a16="http://schemas.microsoft.com/office/drawing/2014/main" id="{0FA758AC-D7B0-AFB8-170F-37AC948C2E34}"/>
+              </a:ext>
+            </a:extLst>
+          </p:cNvPr>
+          <p:cNvSpPr/>
+          <p:nvPr/>
+        </p:nvSpPr>
+        <p:spPr>
+          <a:xfrm rot="20835418">
+            <a:off x="5737424" y="4334139"/>
+            <a:ext cx="180000" cy="180000"/>
+          </a:xfrm>
+          <a:prstGeom prst="rect">
+            <a:avLst/>
+          </a:prstGeom>
+          <a:solidFill>
+            <a:srgbClr val="97A6A0"/>
+          </a:solidFill>
+        </p:spPr>
+        <p:style>
+          <a:lnRef idx="2">
+            <a:schemeClr val="accent1">
+              <a:shade val="15000"/>
+            </a:schemeClr>
+          </a:lnRef>
+          <a:fillRef idx="1">
+            <a:schemeClr val="accent1"/>
+          </a:fillRef>
+          <a:effectRef idx="0">
+            <a:schemeClr val="accent1"/>
+          </a:effectRef>
+          <a:fontRef idx="minor">
+            <a:schemeClr val="lt1"/>
+          </a:fontRef>
+        </p:style>
+        <p:txBody>
+          <a:bodyPr rtlCol="0" anchor="ctr"/>
+          <a:lstStyle/>
+          <a:p>
+            <a:pPr algn="ctr"/>
+            <a:endParaRPr lang="de-DE"/>
+          </a:p>
+        </p:txBody>
+      </p:sp>
+      <p:sp>
+        <p:nvSpPr>
+          <p:cNvPr id="7" name="Ellipse 6">
+            <a:extLst>
+              <a:ext uri="{FF2B5EF4-FFF2-40B4-BE49-F238E27FC236}">
+                <a16:creationId xmlns:a16="http://schemas.microsoft.com/office/drawing/2014/main" id="{909E502D-00E7-21FF-2C63-F835409E9AC3}"/>
+              </a:ext>
+            </a:extLst>
+          </p:cNvPr>
+          <p:cNvSpPr/>
+          <p:nvPr/>
+        </p:nvSpPr>
+        <p:spPr>
+          <a:xfrm>
+            <a:off x="3732757" y="4019106"/>
+            <a:ext cx="1207008" cy="1197864"/>
+          </a:xfrm>
+          <a:prstGeom prst="ellipse">
+            <a:avLst/>
+          </a:prstGeom>
+          <a:solidFill>
+            <a:srgbClr val="387373"/>
+          </a:solidFill>
+          <a:ln>
+            <a:solidFill>
+              <a:srgbClr val="2D3E40"/>
+            </a:solidFill>
+          </a:ln>
+        </p:spPr>
+        <p:style>
+          <a:lnRef idx="2">
+            <a:schemeClr val="accent1">
+              <a:shade val="15000"/>
+            </a:schemeClr>
+          </a:lnRef>
+          <a:fillRef idx="1">
+            <a:schemeClr val="accent1"/>
+          </a:fillRef>
+          <a:effectRef idx="0">
+            <a:schemeClr val="accent1"/>
+          </a:effectRef>
+          <a:fontRef idx="minor">
+            <a:schemeClr val="lt1"/>
+          </a:fontRef>
+        </p:style>
+        <p:txBody>
+          <a:bodyPr rtlCol="0" anchor="ctr"/>
+          <a:lstStyle/>
+          <a:p>
+            <a:pPr algn="ctr"/>
+            <a:endParaRPr lang="de-DE"/>
+          </a:p>
+        </p:txBody>
+      </p:sp>
+      <p:sp>
+        <p:nvSpPr>
+          <p:cNvPr id="13" name="Rechteck 12">
+            <a:extLst>
+              <a:ext uri="{FF2B5EF4-FFF2-40B4-BE49-F238E27FC236}">
+                <a16:creationId xmlns:a16="http://schemas.microsoft.com/office/drawing/2014/main" id="{3DA6582D-EC50-B904-AAC4-0AC2BBFD75E4}"/>
+              </a:ext>
+            </a:extLst>
+          </p:cNvPr>
+          <p:cNvSpPr/>
+          <p:nvPr/>
+        </p:nvSpPr>
+        <p:spPr>
+          <a:xfrm rot="19433116">
+            <a:off x="7765622" y="3728105"/>
+            <a:ext cx="180000" cy="180000"/>
+          </a:xfrm>
+          <a:prstGeom prst="rect">
+            <a:avLst/>
+          </a:prstGeom>
+          <a:solidFill>
+            <a:srgbClr val="97A6A0"/>
+          </a:solidFill>
+        </p:spPr>
+        <p:style>
+          <a:lnRef idx="2">
+            <a:schemeClr val="accent1">
+              <a:shade val="15000"/>
+            </a:schemeClr>
+          </a:lnRef>
+          <a:fillRef idx="1">
+            <a:schemeClr val="accent1"/>
+          </a:fillRef>
+          <a:effectRef idx="0">
+            <a:schemeClr val="accent1"/>
+          </a:effectRef>
+          <a:fontRef idx="minor">
+            <a:schemeClr val="lt1"/>
+          </a:fontRef>
+        </p:style>
+        <p:txBody>
+          <a:bodyPr rtlCol="0" anchor="ctr"/>
+          <a:lstStyle/>
+          <a:p>
+            <a:pPr algn="ctr"/>
+            <a:endParaRPr lang="de-DE" dirty="0"/>
+          </a:p>
+        </p:txBody>
+      </p:sp>
+      <p:sp>
+        <p:nvSpPr>
+          <p:cNvPr id="23" name="Rechteck 22">
+            <a:extLst>
+              <a:ext uri="{FF2B5EF4-FFF2-40B4-BE49-F238E27FC236}">
+                <a16:creationId xmlns:a16="http://schemas.microsoft.com/office/drawing/2014/main" id="{AF270A4C-15D4-6233-17B5-4E27E01A6DE6}"/>
+              </a:ext>
+            </a:extLst>
+          </p:cNvPr>
+          <p:cNvSpPr/>
+          <p:nvPr/>
+        </p:nvSpPr>
+        <p:spPr>
+          <a:xfrm rot="19433116">
+            <a:off x="7561743" y="3868697"/>
+            <a:ext cx="180000" cy="180000"/>
+          </a:xfrm>
+          <a:prstGeom prst="rect">
+            <a:avLst/>
+          </a:prstGeom>
+          <a:solidFill>
+            <a:srgbClr val="97A6A0"/>
+          </a:solidFill>
+        </p:spPr>
+        <p:style>
+          <a:lnRef idx="2">
+            <a:schemeClr val="accent1">
+              <a:shade val="15000"/>
+            </a:schemeClr>
+          </a:lnRef>
+          <a:fillRef idx="1">
+            <a:schemeClr val="accent1"/>
+          </a:fillRef>
+          <a:effectRef idx="0">
+            <a:schemeClr val="accent1"/>
+          </a:effectRef>
+          <a:fontRef idx="minor">
+            <a:schemeClr val="lt1"/>
+          </a:fontRef>
+        </p:style>
+        <p:txBody>
+          <a:bodyPr rtlCol="0" anchor="ctr"/>
+          <a:lstStyle/>
+          <a:p>
+            <a:pPr algn="ctr"/>
+            <a:endParaRPr lang="de-DE" dirty="0"/>
+          </a:p>
+        </p:txBody>
+      </p:sp>
+      <p:sp>
+        <p:nvSpPr>
+          <p:cNvPr id="24" name="Rechteck 23">
+            <a:extLst>
+              <a:ext uri="{FF2B5EF4-FFF2-40B4-BE49-F238E27FC236}">
+                <a16:creationId xmlns:a16="http://schemas.microsoft.com/office/drawing/2014/main" id="{CE43D2AC-07F7-AD11-CBDD-86C3122A809B}"/>
+              </a:ext>
+            </a:extLst>
+          </p:cNvPr>
+          <p:cNvSpPr/>
+          <p:nvPr/>
+        </p:nvSpPr>
+        <p:spPr>
+          <a:xfrm rot="19433116">
+            <a:off x="7310240" y="4023022"/>
+            <a:ext cx="180000" cy="180000"/>
+          </a:xfrm>
+          <a:prstGeom prst="rect">
+            <a:avLst/>
+          </a:prstGeom>
+          <a:solidFill>
+            <a:srgbClr val="97A6A0"/>
+          </a:solidFill>
+        </p:spPr>
+        <p:style>
+          <a:lnRef idx="2">
+            <a:schemeClr val="accent1">
+              <a:shade val="15000"/>
+            </a:schemeClr>
+          </a:lnRef>
+          <a:fillRef idx="1">
+            <a:schemeClr val="accent1"/>
+          </a:fillRef>
+          <a:effectRef idx="0">
+            <a:schemeClr val="accent1"/>
+          </a:effectRef>
+          <a:fontRef idx="minor">
+            <a:schemeClr val="lt1"/>
+          </a:fontRef>
+        </p:style>
+        <p:txBody>
+          <a:bodyPr rtlCol="0" anchor="ctr"/>
+          <a:lstStyle/>
+          <a:p>
+            <a:pPr algn="ctr"/>
+            <a:endParaRPr lang="de-DE" dirty="0"/>
+          </a:p>
+        </p:txBody>
+      </p:sp>
+      <p:sp>
+        <p:nvSpPr>
+          <p:cNvPr id="16" name="Ellipse 15">
+            <a:extLst>
+              <a:ext uri="{FF2B5EF4-FFF2-40B4-BE49-F238E27FC236}">
+                <a16:creationId xmlns:a16="http://schemas.microsoft.com/office/drawing/2014/main" id="{9F65D725-7A55-3B9B-8FF3-78FE2E33E69F}"/>
+              </a:ext>
+            </a:extLst>
+          </p:cNvPr>
+          <p:cNvSpPr/>
+          <p:nvPr/>
+        </p:nvSpPr>
+        <p:spPr>
+          <a:xfrm>
+            <a:off x="10146792" y="1027906"/>
+            <a:ext cx="1207008" cy="1197864"/>
+          </a:xfrm>
+          <a:prstGeom prst="ellipse">
+            <a:avLst/>
+          </a:prstGeom>
+          <a:solidFill>
+            <a:srgbClr val="387373"/>
+          </a:solidFill>
+          <a:ln>
+            <a:solidFill>
+              <a:srgbClr val="2D3E40"/>
+            </a:solidFill>
+          </a:ln>
+        </p:spPr>
+        <p:style>
+          <a:lnRef idx="2">
+            <a:schemeClr val="accent1">
+              <a:shade val="15000"/>
+            </a:schemeClr>
+          </a:lnRef>
+          <a:fillRef idx="1">
+            <a:schemeClr val="accent1"/>
+          </a:fillRef>
+          <a:effectRef idx="0">
+            <a:schemeClr val="accent1"/>
+          </a:effectRef>
+          <a:fontRef idx="minor">
+            <a:schemeClr val="lt1"/>
+          </a:fontRef>
+        </p:style>
+        <p:txBody>
+          <a:bodyPr rtlCol="0" anchor="ctr"/>
+          <a:lstStyle/>
+          <a:p>
+            <a:pPr algn="ctr"/>
+            <a:endParaRPr lang="de-DE"/>
+          </a:p>
+        </p:txBody>
+      </p:sp>
+      <p:sp>
+        <p:nvSpPr>
+          <p:cNvPr id="11" name="Ellipse 10">
+            <a:extLst>
+              <a:ext uri="{FF2B5EF4-FFF2-40B4-BE49-F238E27FC236}">
+                <a16:creationId xmlns:a16="http://schemas.microsoft.com/office/drawing/2014/main" id="{707BA442-25C6-A968-6C4F-A2A8204729C9}"/>
+              </a:ext>
+            </a:extLst>
+          </p:cNvPr>
+          <p:cNvSpPr/>
+          <p:nvPr/>
+        </p:nvSpPr>
+        <p:spPr>
+          <a:xfrm>
+            <a:off x="6907757" y="3555111"/>
+            <a:ext cx="1207008" cy="1197864"/>
+          </a:xfrm>
+          <a:prstGeom prst="ellipse">
+            <a:avLst/>
+          </a:prstGeom>
+          <a:solidFill>
+            <a:srgbClr val="387373"/>
+          </a:solidFill>
+          <a:ln>
+            <a:solidFill>
+              <a:srgbClr val="2D3E40"/>
+            </a:solidFill>
+          </a:ln>
+        </p:spPr>
+        <p:style>
+          <a:lnRef idx="2">
+            <a:schemeClr val="accent1">
+              <a:shade val="15000"/>
+            </a:schemeClr>
+          </a:lnRef>
+          <a:fillRef idx="1">
+            <a:schemeClr val="accent1"/>
+          </a:fillRef>
+          <a:effectRef idx="0">
+            <a:schemeClr val="accent1"/>
+          </a:effectRef>
+          <a:fontRef idx="minor">
+            <a:schemeClr val="lt1"/>
+          </a:fontRef>
+        </p:style>
+        <p:txBody>
+          <a:bodyPr rtlCol="0" anchor="ctr"/>
+          <a:lstStyle/>
+          <a:p>
+            <a:pPr algn="ctr"/>
+            <a:endParaRPr lang="de-DE"/>
+          </a:p>
+        </p:txBody>
+      </p:sp>
+    </p:spTree>
+    <p:extLst>
+      <p:ext uri="{BB962C8B-B14F-4D97-AF65-F5344CB8AC3E}">
+        <p14:creationId xmlns:p14="http://schemas.microsoft.com/office/powerpoint/2010/main" val="1241054947"/>
+      </p:ext>
+    </p:extLst>
+  </p:cSld>
+  <p:clrMapOvr>
+    <a:masterClrMapping/>
+  </p:clrMapOvr>
+  <p:timing>
+    <p:tnLst>
+      <p:par>
+        <p:cTn id="1" dur="indefinite" restart="never" nodeType="tmRoot">
+          <p:childTnLst>
+            <p:seq concurrent="1" nextAc="seek">
+              <p:cTn id="2" dur="indefinite" nodeType="mainSeq">
+                <p:childTnLst>
+                  <p:par>
+                    <p:cTn id="3" fill="hold">
+                      <p:stCondLst>
+                        <p:cond delay="indefinite"/>
+                        <p:cond evt="onBegin" delay="0">
+                          <p:tn val="2"/>
+                        </p:cond>
+                      </p:stCondLst>
+                      <p:childTnLst>
+                        <p:par>
+                          <p:cTn id="4" fill="hold">
+                            <p:stCondLst>
+                              <p:cond delay="0"/>
+                            </p:stCondLst>
+                            <p:childTnLst>
+                              <p:par>
+                                <p:cTn id="5" presetID="0" presetClass="path" presetSubtype="0" repeatCount="indefinite" accel="33333" decel="33333" autoRev="1" fill="hold" grpId="0" nodeType="afterEffect">
+                                  <p:stCondLst>
+                                    <p:cond delay="0"/>
+                                  </p:stCondLst>
+                                  <p:childTnLst>
+                                    <p:animMotion origin="layout" path="M -0.11875 0.04792 L 0.10964 -0.04745 L 0.10964 -0.04722 " pathEditMode="relative" rAng="0" ptsTypes="AAA">
+                                      <p:cBhvr>
+                                        <p:cTn id="6" dur="3000" fill="hold"/>
+                                        <p:tgtEl>
+                                          <p:spTgt spid="8"/>
+                                        </p:tgtEl>
+                                        <p:attrNameLst>
+                                          <p:attrName>ppt_x</p:attrName>
+                                          <p:attrName>ppt_y</p:attrName>
+                                        </p:attrNameLst>
+                                      </p:cBhvr>
+                                      <p:rCtr x="11419" y="-4769"/>
+                                    </p:animMotion>
+                                  </p:childTnLst>
+                                </p:cTn>
+                              </p:par>
+                              <p:par>
+                                <p:cTn id="7" presetID="0" presetClass="path" presetSubtype="0" repeatCount="indefinite" accel="33333" decel="33333" autoRev="1" fill="hold" grpId="0" nodeType="withEffect">
+                                  <p:stCondLst>
+                                    <p:cond delay="0"/>
+                                  </p:stCondLst>
+                                  <p:childTnLst>
+                                    <p:animMotion origin="layout" path="M -0.11875 0.04792 L 0.10964 -0.04745 L 0.10964 -0.04722 " pathEditMode="relative" rAng="0" ptsTypes="AAA">
+                                      <p:cBhvr>
+                                        <p:cTn id="8" dur="3000" fill="hold"/>
+                                        <p:tgtEl>
+                                          <p:spTgt spid="6"/>
+                                        </p:tgtEl>
+                                        <p:attrNameLst>
+                                          <p:attrName>ppt_x</p:attrName>
+                                          <p:attrName>ppt_y</p:attrName>
+                                        </p:attrNameLst>
+                                      </p:cBhvr>
+                                      <p:rCtr x="11419" y="-4769"/>
+                                    </p:animMotion>
+                                  </p:childTnLst>
+                                </p:cTn>
+                              </p:par>
+                              <p:par>
+                                <p:cTn id="9" presetID="0" presetClass="path" presetSubtype="0" repeatCount="indefinite" accel="33333" decel="33333" autoRev="1" fill="hold" grpId="0" nodeType="withEffect">
+                                  <p:stCondLst>
+                                    <p:cond delay="0"/>
+                                  </p:stCondLst>
+                                  <p:childTnLst>
+                                    <p:animMotion origin="layout" path="M -0.11875 0.04791 L 0.10964 -0.04746 L 0.10964 -0.04722 " pathEditMode="relative" rAng="0" ptsTypes="AAA">
+                                      <p:cBhvr>
+                                        <p:cTn id="10" dur="3000" fill="hold"/>
+                                        <p:tgtEl>
+                                          <p:spTgt spid="15"/>
+                                        </p:tgtEl>
+                                        <p:attrNameLst>
+                                          <p:attrName>ppt_x</p:attrName>
+                                          <p:attrName>ppt_y</p:attrName>
+                                        </p:attrNameLst>
+                                      </p:cBhvr>
+                                      <p:rCtr x="11419" y="-4769"/>
+                                    </p:animMotion>
+                                  </p:childTnLst>
+                                </p:cTn>
+                              </p:par>
+                              <p:par>
+                                <p:cTn id="11" presetID="0" presetClass="path" presetSubtype="0" repeatCount="indefinite" accel="33333" decel="33333" autoRev="1" fill="hold" grpId="0" nodeType="withEffect">
+                                  <p:stCondLst>
+                                    <p:cond delay="3000"/>
+                                  </p:stCondLst>
+                                  <p:childTnLst>
+                                    <p:animMotion origin="layout" path="M 1.25E-6 4.44444E-6 L 0.24557 -0.31135 L 0.24557 -0.31112 " pathEditMode="relative" rAng="0" ptsTypes="AAA">
+                                      <p:cBhvr>
+                                        <p:cTn id="12" dur="3000" fill="hold"/>
+                                        <p:tgtEl>
+                                          <p:spTgt spid="13"/>
+                                        </p:tgtEl>
+                                        <p:attrNameLst>
+                                          <p:attrName>ppt_x</p:attrName>
+                                          <p:attrName>ppt_y</p:attrName>
+                                        </p:attrNameLst>
+                                      </p:cBhvr>
+                                      <p:rCtr x="12279" y="-15579"/>
+                                    </p:animMotion>
+                                  </p:childTnLst>
+                                </p:cTn>
+                              </p:par>
+                              <p:par>
+                                <p:cTn id="13" presetID="0" presetClass="path" presetSubtype="0" repeatCount="indefinite" accel="33333" decel="33333" autoRev="1" fill="hold" grpId="0" nodeType="withEffect">
+                                  <p:stCondLst>
+                                    <p:cond delay="3000"/>
+                                  </p:stCondLst>
+                                  <p:childTnLst>
+                                    <p:animMotion origin="layout" path="M -2.08333E-6 4.07407E-6 L 0.24558 -0.31135 L 0.24558 -0.31112 " pathEditMode="relative" rAng="0" ptsTypes="AAA">
+                                      <p:cBhvr>
+                                        <p:cTn id="14" dur="3000" fill="hold"/>
+                                        <p:tgtEl>
+                                          <p:spTgt spid="23"/>
+                                        </p:tgtEl>
+                                        <p:attrNameLst>
+                                          <p:attrName>ppt_x</p:attrName>
+                                          <p:attrName>ppt_y</p:attrName>
+                                        </p:attrNameLst>
+                                      </p:cBhvr>
+                                      <p:rCtr x="12279" y="-15579"/>
+                                    </p:animMotion>
+                                  </p:childTnLst>
+                                </p:cTn>
+                              </p:par>
+                              <p:par>
+                                <p:cTn id="15" presetID="0" presetClass="path" presetSubtype="0" repeatCount="indefinite" accel="33333" decel="33333" autoRev="1" fill="hold" grpId="0" nodeType="withEffect">
+                                  <p:stCondLst>
+                                    <p:cond delay="3000"/>
+                                  </p:stCondLst>
+                                  <p:childTnLst>
+                                    <p:animMotion origin="layout" path="M 1.04167E-6 -1.11111E-6 L 0.24557 -0.31134 L 0.24557 -0.31111 " pathEditMode="relative" rAng="0" ptsTypes="AAA">
+                                      <p:cBhvr>
+                                        <p:cTn id="16" dur="3000" fill="hold"/>
+                                        <p:tgtEl>
+                                          <p:spTgt spid="24"/>
+                                        </p:tgtEl>
+                                        <p:attrNameLst>
+                                          <p:attrName>ppt_x</p:attrName>
+                                          <p:attrName>ppt_y</p:attrName>
+                                        </p:attrNameLst>
+                                      </p:cBhvr>
+                                      <p:rCtr x="12279" y="-15579"/>
+                                    </p:animMotion>
+                                  </p:childTnLst>
+                                </p:cTn>
+                              </p:par>
+                            </p:childTnLst>
+                          </p:cTn>
+                        </p:par>
+                      </p:childTnLst>
+                    </p:cTn>
+                  </p:par>
+                </p:childTnLst>
+              </p:cTn>
+              <p:prevCondLst>
+                <p:cond evt="onPrev" delay="0">
+                  <p:tgtEl>
+                    <p:sldTgt/>
+                  </p:tgtEl>
+                </p:cond>
+              </p:prevCondLst>
+              <p:nextCondLst>
+                <p:cond evt="onNext" delay="0">
+                  <p:tgtEl>
+                    <p:sldTgt/>
+                  </p:tgtEl>
+                </p:cond>
+              </p:nextCondLst>
+            </p:seq>
+          </p:childTnLst>
+        </p:cTn>
+      </p:par>
+    </p:tnLst>
+    <p:bldLst>
+      <p:bldP spid="15" grpId="0" animBg="1"/>
+      <p:bldP spid="6" grpId="0" animBg="1"/>
+      <p:bldP spid="8" grpId="0" animBg="1"/>
+      <p:bldP spid="13" grpId="0" animBg="1"/>
+      <p:bldP spid="23" grpId="0" animBg="1"/>
+      <p:bldP spid="24" grpId="0" animBg="1"/>
+    </p:bldLst>
+  </p:timing>
+</p:sld>
+</file>
+
+<file path=ppt/slides/slide6.xml><?xml version="1.0" encoding="utf-8"?>
+<p:sld xmlns:a="http://schemas.openxmlformats.org/drawingml/2006/main" xmlns:r="http://schemas.openxmlformats.org/officeDocument/2006/relationships" xmlns:p="http://schemas.openxmlformats.org/presentationml/2006/main">
+  <p:cSld>
+    <p:spTree>
+      <p:nvGrpSpPr>
+        <p:cNvPr id="1" name=""/>
+        <p:cNvGrpSpPr/>
+        <p:nvPr/>
+      </p:nvGrpSpPr>
+      <p:grpSpPr>
+        <a:xfrm>
+          <a:off x="0" y="0"/>
+          <a:ext cx="0" cy="0"/>
+          <a:chOff x="0" y="0"/>
+          <a:chExt cx="0" cy="0"/>
+        </a:xfrm>
+      </p:grpSpPr>
+      <p:sp>
+        <p:nvSpPr>
+          <p:cNvPr id="2" name="Titel 1">
+            <a:extLst>
+              <a:ext uri="{FF2B5EF4-FFF2-40B4-BE49-F238E27FC236}">
+                <a16:creationId xmlns:a16="http://schemas.microsoft.com/office/drawing/2014/main" id="{DFCFED56-087B-6311-509F-697C80A2F350}"/>
+              </a:ext>
+            </a:extLst>
+          </p:cNvPr>
+          <p:cNvSpPr>
+            <a:spLocks noGrp="1"/>
+          </p:cNvSpPr>
+          <p:nvPr>
+            <p:ph type="title"/>
+          </p:nvPr>
+        </p:nvSpPr>
+        <p:spPr/>
+        <p:txBody>
+          <a:bodyPr/>
+          <a:lstStyle/>
+          <a:p>
+            <a:r>
+              <a:rPr lang="de-DE" dirty="0"/>
+              <a:t>Maschen</a:t>
+            </a:r>
+          </a:p>
+        </p:txBody>
+      </p:sp>
+      <p:sp>
+        <p:nvSpPr>
+          <p:cNvPr id="3" name="Datumsplatzhalter 2">
+            <a:extLst>
+              <a:ext uri="{FF2B5EF4-FFF2-40B4-BE49-F238E27FC236}">
+                <a16:creationId xmlns:a16="http://schemas.microsoft.com/office/drawing/2014/main" id="{22220A1F-1AB7-5C06-A827-A7872FC940EC}"/>
+              </a:ext>
+            </a:extLst>
+          </p:cNvPr>
+          <p:cNvSpPr>
+            <a:spLocks noGrp="1"/>
+          </p:cNvSpPr>
+          <p:nvPr>
+            <p:ph type="dt" sz="half" idx="10"/>
+          </p:nvPr>
+        </p:nvSpPr>
+        <p:spPr/>
+        <p:txBody>
+          <a:bodyPr/>
+          <a:lstStyle/>
+          <a:p>
+            <a:fld id="{0D9DB6AC-DA47-4D88-A9AE-8E9596FE2D8A}" type="datetime1">
+              <a:rPr lang="de-DE" smtClean="0"/>
+              <a:t>23.11.2023</a:t>
+            </a:fld>
+            <a:endParaRPr lang="de-DE" dirty="0"/>
+          </a:p>
+        </p:txBody>
+      </p:sp>
+      <p:sp>
+        <p:nvSpPr>
+          <p:cNvPr id="4" name="Fußzeilenplatzhalter 3">
+            <a:extLst>
+              <a:ext uri="{FF2B5EF4-FFF2-40B4-BE49-F238E27FC236}">
+                <a16:creationId xmlns:a16="http://schemas.microsoft.com/office/drawing/2014/main" id="{D45D83AC-100D-DB00-D681-78011BDEEEA4}"/>
+              </a:ext>
+            </a:extLst>
+          </p:cNvPr>
+          <p:cNvSpPr>
+            <a:spLocks noGrp="1"/>
+          </p:cNvSpPr>
+          <p:nvPr>
+            <p:ph type="ftr" sz="quarter" idx="11"/>
+          </p:nvPr>
+        </p:nvSpPr>
+        <p:spPr/>
+        <p:txBody>
+          <a:bodyPr/>
+          <a:lstStyle/>
+          <a:p>
+            <a:r>
+              <a:rPr lang="de-DE"/>
+              <a:t>Korbinian Müller -Wired und Wireless Netzwerke und ihre Topologien-Fach: Einführung in die Informatik</a:t>
+            </a:r>
+            <a:endParaRPr lang="de-DE" dirty="0"/>
+          </a:p>
+        </p:txBody>
+      </p:sp>
+      <p:sp>
+        <p:nvSpPr>
+          <p:cNvPr id="5" name="Foliennummernplatzhalter 4">
+            <a:extLst>
+              <a:ext uri="{FF2B5EF4-FFF2-40B4-BE49-F238E27FC236}">
+                <a16:creationId xmlns:a16="http://schemas.microsoft.com/office/drawing/2014/main" id="{AFAAEFEC-968D-31A6-813F-6EF01CFB5CBC}"/>
+              </a:ext>
+            </a:extLst>
+          </p:cNvPr>
+          <p:cNvSpPr>
+            <a:spLocks noGrp="1"/>
+          </p:cNvSpPr>
+          <p:nvPr>
+            <p:ph type="sldNum" sz="quarter" idx="12"/>
+          </p:nvPr>
+        </p:nvSpPr>
+        <p:spPr/>
+        <p:txBody>
+          <a:bodyPr/>
+          <a:lstStyle/>
+          <a:p>
+            <a:fld id="{5DE6925C-1583-47A7-A548-3B5B1B0709B5}" type="slidenum">
+              <a:rPr lang="de-DE" smtClean="0"/>
+              <a:pPr/>
+              <a:t>6</a:t>
+            </a:fld>
+            <a:endParaRPr lang="de-DE" dirty="0"/>
+          </a:p>
+        </p:txBody>
+      </p:sp>
+      <p:sp>
+        <p:nvSpPr>
+          <p:cNvPr id="10" name="Ellipse 9">
+            <a:extLst>
+              <a:ext uri="{FF2B5EF4-FFF2-40B4-BE49-F238E27FC236}">
+                <a16:creationId xmlns:a16="http://schemas.microsoft.com/office/drawing/2014/main" id="{35481580-9454-08E3-F4EA-5E8F00114E35}"/>
+              </a:ext>
+            </a:extLst>
+          </p:cNvPr>
+          <p:cNvSpPr/>
+          <p:nvPr/>
+        </p:nvSpPr>
+        <p:spPr>
+          <a:xfrm>
+            <a:off x="5083175" y="1862487"/>
+            <a:ext cx="1207008" cy="1197864"/>
+          </a:xfrm>
+          <a:prstGeom prst="ellipse">
+            <a:avLst/>
+          </a:prstGeom>
+          <a:solidFill>
+            <a:srgbClr val="387373"/>
+          </a:solidFill>
+          <a:ln>
+            <a:solidFill>
+              <a:srgbClr val="2D3E40"/>
+            </a:solidFill>
+          </a:ln>
+        </p:spPr>
+        <p:style>
+          <a:lnRef idx="2">
+            <a:schemeClr val="accent1">
+              <a:shade val="15000"/>
+            </a:schemeClr>
+          </a:lnRef>
+          <a:fillRef idx="1">
+            <a:schemeClr val="accent1"/>
+          </a:fillRef>
+          <a:effectRef idx="0">
+            <a:schemeClr val="accent1"/>
+          </a:effectRef>
+          <a:fontRef idx="minor">
+            <a:schemeClr val="lt1"/>
+          </a:fontRef>
+        </p:style>
+        <p:txBody>
+          <a:bodyPr rtlCol="0" anchor="ctr"/>
+          <a:lstStyle/>
+          <a:p>
+            <a:pPr algn="ctr"/>
+            <a:endParaRPr lang="de-DE"/>
+          </a:p>
+        </p:txBody>
+      </p:sp>
+      <p:sp>
+        <p:nvSpPr>
+          <p:cNvPr id="7" name="Ellipse 6">
+            <a:extLst>
+              <a:ext uri="{FF2B5EF4-FFF2-40B4-BE49-F238E27FC236}">
+                <a16:creationId xmlns:a16="http://schemas.microsoft.com/office/drawing/2014/main" id="{909E502D-00E7-21FF-2C63-F835409E9AC3}"/>
+              </a:ext>
+            </a:extLst>
+          </p:cNvPr>
+          <p:cNvSpPr/>
+          <p:nvPr/>
+        </p:nvSpPr>
+        <p:spPr>
+          <a:xfrm>
+            <a:off x="3732757" y="4019106"/>
+            <a:ext cx="1207008" cy="1197864"/>
+          </a:xfrm>
+          <a:prstGeom prst="ellipse">
+            <a:avLst/>
+          </a:prstGeom>
+          <a:solidFill>
+            <a:srgbClr val="97A6A0"/>
+          </a:solidFill>
+          <a:ln>
+            <a:solidFill>
+              <a:srgbClr val="2D3E40"/>
+            </a:solidFill>
+          </a:ln>
+        </p:spPr>
+        <p:style>
+          <a:lnRef idx="2">
+            <a:schemeClr val="accent1">
+              <a:shade val="15000"/>
+            </a:schemeClr>
+          </a:lnRef>
+          <a:fillRef idx="1">
+            <a:schemeClr val="accent1"/>
+          </a:fillRef>
+          <a:effectRef idx="0">
+            <a:schemeClr val="accent1"/>
+          </a:effectRef>
+          <a:fontRef idx="minor">
+            <a:schemeClr val="lt1"/>
+          </a:fontRef>
+        </p:style>
+        <p:txBody>
+          <a:bodyPr rtlCol="0" anchor="ctr"/>
+          <a:lstStyle/>
+          <a:p>
+            <a:pPr algn="ctr"/>
+            <a:endParaRPr lang="de-DE"/>
+          </a:p>
+        </p:txBody>
+      </p:sp>
+      <p:sp>
+        <p:nvSpPr>
+          <p:cNvPr id="9" name="Ellipse 8">
+            <a:extLst>
+              <a:ext uri="{FF2B5EF4-FFF2-40B4-BE49-F238E27FC236}">
+                <a16:creationId xmlns:a16="http://schemas.microsoft.com/office/drawing/2014/main" id="{118867EA-C7E0-CDBF-06CD-90E0EAA4B47A}"/>
+              </a:ext>
+            </a:extLst>
+          </p:cNvPr>
+          <p:cNvSpPr/>
+          <p:nvPr/>
+        </p:nvSpPr>
+        <p:spPr>
+          <a:xfrm>
+            <a:off x="6489192" y="4019106"/>
+            <a:ext cx="1207008" cy="1197864"/>
+          </a:xfrm>
+          <a:prstGeom prst="ellipse">
+            <a:avLst/>
+          </a:prstGeom>
+          <a:solidFill>
+            <a:srgbClr val="387373"/>
+          </a:solidFill>
+          <a:ln>
+            <a:solidFill>
+              <a:srgbClr val="2D3E40"/>
+            </a:solidFill>
+          </a:ln>
+        </p:spPr>
+        <p:style>
+          <a:lnRef idx="2">
+            <a:schemeClr val="accent1">
+              <a:shade val="15000"/>
+            </a:schemeClr>
+          </a:lnRef>
+          <a:fillRef idx="1">
+            <a:schemeClr val="accent1"/>
+          </a:fillRef>
+          <a:effectRef idx="0">
+            <a:schemeClr val="accent1"/>
+          </a:effectRef>
+          <a:fontRef idx="minor">
+            <a:schemeClr val="lt1"/>
+          </a:fontRef>
+        </p:style>
+        <p:txBody>
+          <a:bodyPr rtlCol="0" anchor="ctr"/>
+          <a:lstStyle/>
+          <a:p>
+            <a:pPr algn="ctr"/>
+            <a:endParaRPr lang="de-DE"/>
+          </a:p>
+        </p:txBody>
+      </p:sp>
+      <p:sp>
+        <p:nvSpPr>
+          <p:cNvPr id="12" name="Ellipse 11">
+            <a:extLst>
+              <a:ext uri="{FF2B5EF4-FFF2-40B4-BE49-F238E27FC236}">
+                <a16:creationId xmlns:a16="http://schemas.microsoft.com/office/drawing/2014/main" id="{7179C1F2-0CF2-6402-09AC-942ED02EDCAE}"/>
+              </a:ext>
+            </a:extLst>
+          </p:cNvPr>
+          <p:cNvSpPr/>
+          <p:nvPr/>
+        </p:nvSpPr>
+        <p:spPr>
+          <a:xfrm>
+            <a:off x="8740618" y="2705803"/>
+            <a:ext cx="1207008" cy="1197864"/>
+          </a:xfrm>
+          <a:prstGeom prst="ellipse">
+            <a:avLst/>
+          </a:prstGeom>
+          <a:solidFill>
+            <a:srgbClr val="97A6A0"/>
+          </a:solidFill>
+          <a:ln>
+            <a:solidFill>
+              <a:srgbClr val="2D3E40"/>
+            </a:solidFill>
+          </a:ln>
+        </p:spPr>
+        <p:style>
+          <a:lnRef idx="2">
+            <a:schemeClr val="accent1">
+              <a:shade val="15000"/>
+            </a:schemeClr>
+          </a:lnRef>
+          <a:fillRef idx="1">
+            <a:schemeClr val="accent1"/>
+          </a:fillRef>
+          <a:effectRef idx="0">
+            <a:schemeClr val="accent1"/>
+          </a:effectRef>
+          <a:fontRef idx="minor">
+            <a:schemeClr val="lt1"/>
+          </a:fontRef>
+        </p:style>
+        <p:txBody>
+          <a:bodyPr rtlCol="0" anchor="ctr"/>
+          <a:lstStyle/>
+          <a:p>
+            <a:pPr algn="ctr"/>
+            <a:endParaRPr lang="de-DE"/>
+          </a:p>
+        </p:txBody>
+      </p:sp>
+      <p:sp>
+        <p:nvSpPr>
+          <p:cNvPr id="14" name="Ellipse 13">
+            <a:extLst>
+              <a:ext uri="{FF2B5EF4-FFF2-40B4-BE49-F238E27FC236}">
+                <a16:creationId xmlns:a16="http://schemas.microsoft.com/office/drawing/2014/main" id="{7581E361-48F8-89E4-E5F9-0597B02A43DB}"/>
+              </a:ext>
+            </a:extLst>
+          </p:cNvPr>
+          <p:cNvSpPr/>
+          <p:nvPr/>
+        </p:nvSpPr>
+        <p:spPr>
+          <a:xfrm>
+            <a:off x="2120900" y="2530380"/>
+            <a:ext cx="1207008" cy="1197864"/>
+          </a:xfrm>
+          <a:prstGeom prst="ellipse">
+            <a:avLst/>
+          </a:prstGeom>
+          <a:solidFill>
+            <a:srgbClr val="387373"/>
+          </a:solidFill>
+          <a:ln>
+            <a:solidFill>
+              <a:srgbClr val="2D3E40"/>
+            </a:solidFill>
+          </a:ln>
+        </p:spPr>
+        <p:style>
+          <a:lnRef idx="2">
+            <a:schemeClr val="accent1">
+              <a:shade val="15000"/>
+            </a:schemeClr>
+          </a:lnRef>
+          <a:fillRef idx="1">
+            <a:schemeClr val="accent1"/>
+          </a:fillRef>
+          <a:effectRef idx="0">
+            <a:schemeClr val="accent1"/>
+          </a:effectRef>
+          <a:fontRef idx="minor">
+            <a:schemeClr val="lt1"/>
+          </a:fontRef>
+        </p:style>
+        <p:txBody>
+          <a:bodyPr rtlCol="0" anchor="ctr"/>
+          <a:lstStyle/>
+          <a:p>
+            <a:pPr algn="ctr"/>
+            <a:endParaRPr lang="de-DE"/>
+          </a:p>
+        </p:txBody>
+      </p:sp>
+      <p:cxnSp>
+        <p:nvCxnSpPr>
+          <p:cNvPr id="19" name="Gerader Verbinder 18">
+            <a:extLst>
+              <a:ext uri="{FF2B5EF4-FFF2-40B4-BE49-F238E27FC236}">
+                <a16:creationId xmlns:a16="http://schemas.microsoft.com/office/drawing/2014/main" id="{219C6B24-F403-ABE1-9252-9569DD27F152}"/>
+              </a:ext>
+            </a:extLst>
+          </p:cNvPr>
+          <p:cNvCxnSpPr>
+            <a:stCxn id="7" idx="7"/>
+            <a:endCxn id="10" idx="3"/>
+          </p:cNvCxnSpPr>
+          <p:nvPr/>
+        </p:nvCxnSpPr>
+        <p:spPr>
+          <a:xfrm flipV="1">
+            <a:off x="4763003" y="2884928"/>
+            <a:ext cx="496934" cy="1309601"/>
+          </a:xfrm>
+          <a:prstGeom prst="line">
+            <a:avLst/>
+          </a:prstGeom>
+          <a:ln>
+            <a:solidFill>
+              <a:srgbClr val="387373"/>
+            </a:solidFill>
+          </a:ln>
+        </p:spPr>
+        <p:style>
+          <a:lnRef idx="1">
+            <a:schemeClr val="accent1"/>
+          </a:lnRef>
+          <a:fillRef idx="0">
+            <a:schemeClr val="accent1"/>
+          </a:fillRef>
+          <a:effectRef idx="0">
+            <a:schemeClr val="accent1"/>
+          </a:effectRef>
+          <a:fontRef idx="minor">
+            <a:schemeClr val="tx1"/>
+          </a:fontRef>
+        </p:style>
+      </p:cxnSp>
+      <p:cxnSp>
+        <p:nvCxnSpPr>
+          <p:cNvPr id="25" name="Gerader Verbinder 24">
+            <a:extLst>
+              <a:ext uri="{FF2B5EF4-FFF2-40B4-BE49-F238E27FC236}">
+                <a16:creationId xmlns:a16="http://schemas.microsoft.com/office/drawing/2014/main" id="{91C93977-49E9-298F-9238-2657A344326E}"/>
+              </a:ext>
+            </a:extLst>
+          </p:cNvPr>
+          <p:cNvCxnSpPr>
+            <a:stCxn id="10" idx="5"/>
+            <a:endCxn id="9" idx="1"/>
+          </p:cNvCxnSpPr>
+          <p:nvPr/>
+        </p:nvCxnSpPr>
+        <p:spPr>
+          <a:xfrm>
+            <a:off x="6113421" y="2884928"/>
+            <a:ext cx="552533" cy="1309601"/>
+          </a:xfrm>
+          <a:prstGeom prst="line">
+            <a:avLst/>
+          </a:prstGeom>
+          <a:ln>
+            <a:solidFill>
+              <a:srgbClr val="387373"/>
+            </a:solidFill>
+          </a:ln>
+        </p:spPr>
+        <p:style>
+          <a:lnRef idx="1">
+            <a:schemeClr val="accent1"/>
+          </a:lnRef>
+          <a:fillRef idx="0">
+            <a:schemeClr val="accent1"/>
+          </a:fillRef>
+          <a:effectRef idx="0">
+            <a:schemeClr val="accent1"/>
+          </a:effectRef>
+          <a:fontRef idx="minor">
+            <a:schemeClr val="tx1"/>
+          </a:fontRef>
+        </p:style>
+      </p:cxnSp>
+      <p:cxnSp>
+        <p:nvCxnSpPr>
+          <p:cNvPr id="27" name="Gerader Verbinder 26">
+            <a:extLst>
+              <a:ext uri="{FF2B5EF4-FFF2-40B4-BE49-F238E27FC236}">
+                <a16:creationId xmlns:a16="http://schemas.microsoft.com/office/drawing/2014/main" id="{C887062A-A104-556E-ED24-92D9EA8FC9E2}"/>
+              </a:ext>
+            </a:extLst>
+          </p:cNvPr>
+          <p:cNvCxnSpPr>
+            <a:stCxn id="9" idx="2"/>
+            <a:endCxn id="7" idx="6"/>
+          </p:cNvCxnSpPr>
+          <p:nvPr/>
+        </p:nvCxnSpPr>
+        <p:spPr>
+          <a:xfrm flipH="1">
+            <a:off x="4939765" y="4618038"/>
+            <a:ext cx="1549427" cy="0"/>
+          </a:xfrm>
+          <a:prstGeom prst="line">
+            <a:avLst/>
+          </a:prstGeom>
+          <a:ln>
+            <a:solidFill>
+              <a:srgbClr val="387373"/>
+            </a:solidFill>
+          </a:ln>
+        </p:spPr>
+        <p:style>
+          <a:lnRef idx="1">
+            <a:schemeClr val="accent1"/>
+          </a:lnRef>
+          <a:fillRef idx="0">
+            <a:schemeClr val="accent1"/>
+          </a:fillRef>
+          <a:effectRef idx="0">
+            <a:schemeClr val="accent1"/>
+          </a:effectRef>
+          <a:fontRef idx="minor">
+            <a:schemeClr val="tx1"/>
+          </a:fontRef>
+        </p:style>
+      </p:cxnSp>
+      <p:cxnSp>
+        <p:nvCxnSpPr>
+          <p:cNvPr id="29" name="Gerader Verbinder 28">
+            <a:extLst>
+              <a:ext uri="{FF2B5EF4-FFF2-40B4-BE49-F238E27FC236}">
+                <a16:creationId xmlns:a16="http://schemas.microsoft.com/office/drawing/2014/main" id="{A28EDF36-4B88-713A-6815-BFB7296A2DCA}"/>
+              </a:ext>
+            </a:extLst>
+          </p:cNvPr>
+          <p:cNvCxnSpPr>
+            <a:stCxn id="7" idx="1"/>
+            <a:endCxn id="14" idx="5"/>
+          </p:cNvCxnSpPr>
+          <p:nvPr/>
+        </p:nvCxnSpPr>
+        <p:spPr>
+          <a:xfrm flipH="1" flipV="1">
+            <a:off x="3151146" y="3552821"/>
+            <a:ext cx="758373" cy="641708"/>
+          </a:xfrm>
+          <a:prstGeom prst="line">
+            <a:avLst/>
+          </a:prstGeom>
+          <a:ln>
+            <a:solidFill>
+              <a:srgbClr val="387373"/>
+            </a:solidFill>
+          </a:ln>
+        </p:spPr>
+        <p:style>
+          <a:lnRef idx="1">
+            <a:schemeClr val="accent1"/>
+          </a:lnRef>
+          <a:fillRef idx="0">
+            <a:schemeClr val="accent1"/>
+          </a:fillRef>
+          <a:effectRef idx="0">
+            <a:schemeClr val="accent1"/>
+          </a:effectRef>
+          <a:fontRef idx="minor">
+            <a:schemeClr val="tx1"/>
+          </a:fontRef>
+        </p:style>
+      </p:cxnSp>
+      <p:cxnSp>
+        <p:nvCxnSpPr>
+          <p:cNvPr id="31" name="Gerader Verbinder 30">
+            <a:extLst>
+              <a:ext uri="{FF2B5EF4-FFF2-40B4-BE49-F238E27FC236}">
+                <a16:creationId xmlns:a16="http://schemas.microsoft.com/office/drawing/2014/main" id="{D5469C11-2BC0-10C8-172B-31FDA601E62B}"/>
+              </a:ext>
+            </a:extLst>
+          </p:cNvPr>
+          <p:cNvCxnSpPr>
+            <a:stCxn id="10" idx="6"/>
+            <a:endCxn id="12" idx="2"/>
+          </p:cNvCxnSpPr>
+          <p:nvPr/>
+        </p:nvCxnSpPr>
+        <p:spPr>
+          <a:xfrm>
+            <a:off x="6290183" y="2461419"/>
+            <a:ext cx="2450435" cy="843316"/>
+          </a:xfrm>
+          <a:prstGeom prst="line">
+            <a:avLst/>
+          </a:prstGeom>
+          <a:ln>
+            <a:solidFill>
+              <a:srgbClr val="387373"/>
+            </a:solidFill>
+          </a:ln>
+        </p:spPr>
+        <p:style>
+          <a:lnRef idx="1">
+            <a:schemeClr val="accent1"/>
+          </a:lnRef>
+          <a:fillRef idx="0">
+            <a:schemeClr val="accent1"/>
+          </a:fillRef>
+          <a:effectRef idx="0">
+            <a:schemeClr val="accent1"/>
+          </a:effectRef>
+          <a:fontRef idx="minor">
+            <a:schemeClr val="tx1"/>
+          </a:fontRef>
+        </p:style>
+      </p:cxnSp>
+      <p:cxnSp>
+        <p:nvCxnSpPr>
+          <p:cNvPr id="34" name="Gerader Verbinder 33">
+            <a:extLst>
+              <a:ext uri="{FF2B5EF4-FFF2-40B4-BE49-F238E27FC236}">
+                <a16:creationId xmlns:a16="http://schemas.microsoft.com/office/drawing/2014/main" id="{1A52AB36-7E34-B071-CA76-21040BC95358}"/>
+              </a:ext>
+            </a:extLst>
+          </p:cNvPr>
+          <p:cNvCxnSpPr>
+            <a:stCxn id="14" idx="7"/>
+            <a:endCxn id="10" idx="2"/>
+          </p:cNvCxnSpPr>
+          <p:nvPr/>
+        </p:nvCxnSpPr>
+        <p:spPr>
+          <a:xfrm flipV="1">
+            <a:off x="3151146" y="2461419"/>
+            <a:ext cx="1932029" cy="244384"/>
+          </a:xfrm>
+          <a:prstGeom prst="line">
+            <a:avLst/>
+          </a:prstGeom>
+          <a:ln>
+            <a:solidFill>
+              <a:srgbClr val="387373"/>
+            </a:solidFill>
+          </a:ln>
+        </p:spPr>
+        <p:style>
+          <a:lnRef idx="1">
+            <a:schemeClr val="accent1"/>
+          </a:lnRef>
+          <a:fillRef idx="0">
+            <a:schemeClr val="accent1"/>
+          </a:fillRef>
+          <a:effectRef idx="0">
+            <a:schemeClr val="accent1"/>
+          </a:effectRef>
+          <a:fontRef idx="minor">
+            <a:schemeClr val="tx1"/>
+          </a:fontRef>
+        </p:style>
+      </p:cxnSp>
+      <p:cxnSp>
+        <p:nvCxnSpPr>
+          <p:cNvPr id="36" name="Gerader Verbinder 35">
+            <a:extLst>
+              <a:ext uri="{FF2B5EF4-FFF2-40B4-BE49-F238E27FC236}">
+                <a16:creationId xmlns:a16="http://schemas.microsoft.com/office/drawing/2014/main" id="{C360124F-761F-BDEA-7400-CCD7F2556289}"/>
+              </a:ext>
+            </a:extLst>
+          </p:cNvPr>
+          <p:cNvCxnSpPr>
+            <a:stCxn id="9" idx="6"/>
+            <a:endCxn id="12" idx="3"/>
+          </p:cNvCxnSpPr>
+          <p:nvPr/>
+        </p:nvCxnSpPr>
+        <p:spPr>
+          <a:xfrm flipV="1">
+            <a:off x="7696200" y="3728244"/>
+            <a:ext cx="1221180" cy="889794"/>
+          </a:xfrm>
+          <a:prstGeom prst="line">
+            <a:avLst/>
+          </a:prstGeom>
+          <a:ln>
+            <a:solidFill>
+              <a:srgbClr val="387373"/>
+            </a:solidFill>
+          </a:ln>
+        </p:spPr>
+        <p:style>
+          <a:lnRef idx="1">
+            <a:schemeClr val="accent1"/>
+          </a:lnRef>
+          <a:fillRef idx="0">
+            <a:schemeClr val="accent1"/>
+          </a:fillRef>
+          <a:effectRef idx="0">
+            <a:schemeClr val="accent1"/>
+          </a:effectRef>
+          <a:fontRef idx="minor">
+            <a:schemeClr val="tx1"/>
+          </a:fontRef>
+        </p:style>
+      </p:cxnSp>
+    </p:spTree>
+    <p:extLst>
+      <p:ext uri="{BB962C8B-B14F-4D97-AF65-F5344CB8AC3E}">
+        <p14:creationId xmlns:p14="http://schemas.microsoft.com/office/powerpoint/2010/main" val="1953994696"/>
+      </p:ext>
+    </p:extLst>
+  </p:cSld>
+  <p:clrMapOvr>
+    <a:masterClrMapping/>
+  </p:clrMapOvr>
+</p:sld>
+</file>
+
+<file path=ppt/slides/slide7.xml><?xml version="1.0" encoding="utf-8"?>
+<p:sld xmlns:a="http://schemas.openxmlformats.org/drawingml/2006/main" xmlns:r="http://schemas.openxmlformats.org/officeDocument/2006/relationships" xmlns:p="http://schemas.openxmlformats.org/presentationml/2006/main">
+  <p:cSld>
+    <p:spTree>
+      <p:nvGrpSpPr>
+        <p:cNvPr id="1" name=""/>
+        <p:cNvGrpSpPr/>
+        <p:nvPr/>
+      </p:nvGrpSpPr>
+      <p:grpSpPr>
+        <a:xfrm>
+          <a:off x="0" y="0"/>
+          <a:ext cx="0" cy="0"/>
+          <a:chOff x="0" y="0"/>
+          <a:chExt cx="0" cy="0"/>
+        </a:xfrm>
+      </p:grpSpPr>
+      <p:sp>
+        <p:nvSpPr>
+          <p:cNvPr id="2" name="Titel 1">
+            <a:extLst>
+              <a:ext uri="{FF2B5EF4-FFF2-40B4-BE49-F238E27FC236}">
+                <a16:creationId xmlns:a16="http://schemas.microsoft.com/office/drawing/2014/main" id="{DFCFED56-087B-6311-509F-697C80A2F350}"/>
+              </a:ext>
+            </a:extLst>
+          </p:cNvPr>
+          <p:cNvSpPr>
+            <a:spLocks noGrp="1"/>
+          </p:cNvSpPr>
+          <p:nvPr>
+            <p:ph type="title"/>
+          </p:nvPr>
+        </p:nvSpPr>
+        <p:spPr/>
+        <p:txBody>
+          <a:bodyPr/>
+          <a:lstStyle/>
+          <a:p>
+            <a:r>
+              <a:rPr lang="de-DE" dirty="0"/>
+              <a:t>Maschen</a:t>
+            </a:r>
+          </a:p>
+        </p:txBody>
+      </p:sp>
+      <p:sp>
+        <p:nvSpPr>
+          <p:cNvPr id="3" name="Datumsplatzhalter 2">
+            <a:extLst>
+              <a:ext uri="{FF2B5EF4-FFF2-40B4-BE49-F238E27FC236}">
+                <a16:creationId xmlns:a16="http://schemas.microsoft.com/office/drawing/2014/main" id="{22220A1F-1AB7-5C06-A827-A7872FC940EC}"/>
+              </a:ext>
+            </a:extLst>
+          </p:cNvPr>
+          <p:cNvSpPr>
+            <a:spLocks noGrp="1"/>
+          </p:cNvSpPr>
+          <p:nvPr>
+            <p:ph type="dt" sz="half" idx="10"/>
+          </p:nvPr>
+        </p:nvSpPr>
+        <p:spPr/>
+        <p:txBody>
+          <a:bodyPr/>
+          <a:lstStyle/>
+          <a:p>
+            <a:fld id="{0D9DB6AC-DA47-4D88-A9AE-8E9596FE2D8A}" type="datetime1">
+              <a:rPr lang="de-DE" smtClean="0"/>
+              <a:t>23.11.2023</a:t>
+            </a:fld>
+            <a:endParaRPr lang="de-DE" dirty="0"/>
+          </a:p>
+        </p:txBody>
+      </p:sp>
+      <p:sp>
+        <p:nvSpPr>
+          <p:cNvPr id="4" name="Fußzeilenplatzhalter 3">
+            <a:extLst>
+              <a:ext uri="{FF2B5EF4-FFF2-40B4-BE49-F238E27FC236}">
+                <a16:creationId xmlns:a16="http://schemas.microsoft.com/office/drawing/2014/main" id="{D45D83AC-100D-DB00-D681-78011BDEEEA4}"/>
+              </a:ext>
+            </a:extLst>
+          </p:cNvPr>
+          <p:cNvSpPr>
+            <a:spLocks noGrp="1"/>
+          </p:cNvSpPr>
+          <p:nvPr>
+            <p:ph type="ftr" sz="quarter" idx="11"/>
+          </p:nvPr>
+        </p:nvSpPr>
+        <p:spPr/>
+        <p:txBody>
+          <a:bodyPr/>
+          <a:lstStyle/>
+          <a:p>
+            <a:r>
+              <a:rPr lang="de-DE"/>
+              <a:t>Korbinian Müller -Wired und Wireless Netzwerke und ihre Topologien-Fach: Einführung in die Informatik</a:t>
+            </a:r>
+            <a:endParaRPr lang="de-DE" dirty="0"/>
+          </a:p>
+        </p:txBody>
+      </p:sp>
+      <p:sp>
+        <p:nvSpPr>
+          <p:cNvPr id="5" name="Foliennummernplatzhalter 4">
+            <a:extLst>
+              <a:ext uri="{FF2B5EF4-FFF2-40B4-BE49-F238E27FC236}">
+                <a16:creationId xmlns:a16="http://schemas.microsoft.com/office/drawing/2014/main" id="{AFAAEFEC-968D-31A6-813F-6EF01CFB5CBC}"/>
+              </a:ext>
+            </a:extLst>
+          </p:cNvPr>
+          <p:cNvSpPr>
+            <a:spLocks noGrp="1"/>
+          </p:cNvSpPr>
+          <p:nvPr>
+            <p:ph type="sldNum" sz="quarter" idx="12"/>
+          </p:nvPr>
+        </p:nvSpPr>
+        <p:spPr/>
+        <p:txBody>
+          <a:bodyPr/>
+          <a:lstStyle/>
+          <a:p>
+            <a:fld id="{5DE6925C-1583-47A7-A548-3B5B1B0709B5}" type="slidenum">
+              <a:rPr lang="de-DE" smtClean="0"/>
+              <a:pPr/>
+              <a:t>7</a:t>
+            </a:fld>
+            <a:endParaRPr lang="de-DE" dirty="0"/>
+          </a:p>
+        </p:txBody>
+      </p:sp>
+      <p:sp>
+        <p:nvSpPr>
+          <p:cNvPr id="10" name="Ellipse 9">
+            <a:extLst>
+              <a:ext uri="{FF2B5EF4-FFF2-40B4-BE49-F238E27FC236}">
+                <a16:creationId xmlns:a16="http://schemas.microsoft.com/office/drawing/2014/main" id="{35481580-9454-08E3-F4EA-5E8F00114E35}"/>
+              </a:ext>
+            </a:extLst>
+          </p:cNvPr>
+          <p:cNvSpPr/>
+          <p:nvPr/>
+        </p:nvSpPr>
+        <p:spPr>
+          <a:xfrm>
+            <a:off x="5083175" y="1862487"/>
+            <a:ext cx="1207008" cy="1197864"/>
+          </a:xfrm>
+          <a:prstGeom prst="ellipse">
+            <a:avLst/>
+          </a:prstGeom>
+          <a:solidFill>
+            <a:srgbClr val="387373"/>
+          </a:solidFill>
+          <a:ln>
+            <a:solidFill>
+              <a:srgbClr val="2D3E40"/>
+            </a:solidFill>
+          </a:ln>
+        </p:spPr>
+        <p:style>
+          <a:lnRef idx="2">
+            <a:schemeClr val="accent1">
+              <a:shade val="15000"/>
+            </a:schemeClr>
+          </a:lnRef>
+          <a:fillRef idx="1">
+            <a:schemeClr val="accent1"/>
+          </a:fillRef>
+          <a:effectRef idx="0">
+            <a:schemeClr val="accent1"/>
+          </a:effectRef>
+          <a:fontRef idx="minor">
+            <a:schemeClr val="lt1"/>
+          </a:fontRef>
+        </p:style>
+        <p:txBody>
+          <a:bodyPr rtlCol="0" anchor="ctr"/>
+          <a:lstStyle/>
+          <a:p>
+            <a:pPr algn="ctr"/>
+            <a:endParaRPr lang="de-DE"/>
+          </a:p>
+        </p:txBody>
+      </p:sp>
+      <p:sp>
+        <p:nvSpPr>
+          <p:cNvPr id="7" name="Ellipse 6">
+            <a:extLst>
+              <a:ext uri="{FF2B5EF4-FFF2-40B4-BE49-F238E27FC236}">
+                <a16:creationId xmlns:a16="http://schemas.microsoft.com/office/drawing/2014/main" id="{909E502D-00E7-21FF-2C63-F835409E9AC3}"/>
+              </a:ext>
+            </a:extLst>
+          </p:cNvPr>
+          <p:cNvSpPr/>
+          <p:nvPr/>
+        </p:nvSpPr>
+        <p:spPr>
+          <a:xfrm>
+            <a:off x="3732757" y="4019106"/>
+            <a:ext cx="1207008" cy="1197864"/>
+          </a:xfrm>
+          <a:prstGeom prst="ellipse">
+            <a:avLst/>
+          </a:prstGeom>
+          <a:solidFill>
+            <a:srgbClr val="97A6A0"/>
+          </a:solidFill>
+          <a:ln>
+            <a:solidFill>
+              <a:srgbClr val="2D3E40"/>
+            </a:solidFill>
+          </a:ln>
+        </p:spPr>
+        <p:style>
+          <a:lnRef idx="2">
+            <a:schemeClr val="accent1">
+              <a:shade val="15000"/>
+            </a:schemeClr>
+          </a:lnRef>
+          <a:fillRef idx="1">
+            <a:schemeClr val="accent1"/>
+          </a:fillRef>
+          <a:effectRef idx="0">
+            <a:schemeClr val="accent1"/>
+          </a:effectRef>
+          <a:fontRef idx="minor">
+            <a:schemeClr val="lt1"/>
+          </a:fontRef>
+        </p:style>
+        <p:txBody>
+          <a:bodyPr rtlCol="0" anchor="ctr"/>
+          <a:lstStyle/>
+          <a:p>
+            <a:pPr algn="ctr"/>
+            <a:endParaRPr lang="de-DE"/>
+          </a:p>
+        </p:txBody>
+      </p:sp>
+      <p:sp>
+        <p:nvSpPr>
+          <p:cNvPr id="12" name="Ellipse 11">
+            <a:extLst>
+              <a:ext uri="{FF2B5EF4-FFF2-40B4-BE49-F238E27FC236}">
+                <a16:creationId xmlns:a16="http://schemas.microsoft.com/office/drawing/2014/main" id="{7179C1F2-0CF2-6402-09AC-942ED02EDCAE}"/>
+              </a:ext>
+            </a:extLst>
+          </p:cNvPr>
+          <p:cNvSpPr/>
+          <p:nvPr/>
+        </p:nvSpPr>
+        <p:spPr>
+          <a:xfrm>
+            <a:off x="8740618" y="2705803"/>
+            <a:ext cx="1207008" cy="1197864"/>
+          </a:xfrm>
+          <a:prstGeom prst="ellipse">
+            <a:avLst/>
+          </a:prstGeom>
+          <a:solidFill>
+            <a:srgbClr val="97A6A0"/>
+          </a:solidFill>
+          <a:ln>
+            <a:solidFill>
+              <a:srgbClr val="2D3E40"/>
+            </a:solidFill>
+          </a:ln>
+        </p:spPr>
+        <p:style>
+          <a:lnRef idx="2">
+            <a:schemeClr val="accent1">
+              <a:shade val="15000"/>
+            </a:schemeClr>
+          </a:lnRef>
+          <a:fillRef idx="1">
+            <a:schemeClr val="accent1"/>
+          </a:fillRef>
+          <a:effectRef idx="0">
+            <a:schemeClr val="accent1"/>
+          </a:effectRef>
+          <a:fontRef idx="minor">
+            <a:schemeClr val="lt1"/>
+          </a:fontRef>
+        </p:style>
+        <p:txBody>
+          <a:bodyPr rtlCol="0" anchor="ctr"/>
+          <a:lstStyle/>
+          <a:p>
+            <a:pPr algn="ctr"/>
+            <a:endParaRPr lang="de-DE"/>
+          </a:p>
+        </p:txBody>
+      </p:sp>
+      <p:sp>
+        <p:nvSpPr>
+          <p:cNvPr id="14" name="Ellipse 13">
+            <a:extLst>
+              <a:ext uri="{FF2B5EF4-FFF2-40B4-BE49-F238E27FC236}">
+                <a16:creationId xmlns:a16="http://schemas.microsoft.com/office/drawing/2014/main" id="{7581E361-48F8-89E4-E5F9-0597B02A43DB}"/>
+              </a:ext>
+            </a:extLst>
+          </p:cNvPr>
+          <p:cNvSpPr/>
+          <p:nvPr/>
+        </p:nvSpPr>
+        <p:spPr>
+          <a:xfrm>
+            <a:off x="2120900" y="2530380"/>
+            <a:ext cx="1207008" cy="1197864"/>
+          </a:xfrm>
+          <a:prstGeom prst="ellipse">
+            <a:avLst/>
+          </a:prstGeom>
+          <a:solidFill>
+            <a:srgbClr val="387373"/>
+          </a:solidFill>
+          <a:ln>
+            <a:solidFill>
+              <a:srgbClr val="2D3E40"/>
+            </a:solidFill>
+          </a:ln>
+        </p:spPr>
+        <p:style>
+          <a:lnRef idx="2">
+            <a:schemeClr val="accent1">
+              <a:shade val="15000"/>
+            </a:schemeClr>
+          </a:lnRef>
+          <a:fillRef idx="1">
+            <a:schemeClr val="accent1"/>
+          </a:fillRef>
+          <a:effectRef idx="0">
+            <a:schemeClr val="accent1"/>
+          </a:effectRef>
+          <a:fontRef idx="minor">
+            <a:schemeClr val="lt1"/>
+          </a:fontRef>
+        </p:style>
+        <p:txBody>
+          <a:bodyPr rtlCol="0" anchor="ctr"/>
+          <a:lstStyle/>
+          <a:p>
+            <a:pPr algn="ctr"/>
+            <a:endParaRPr lang="de-DE"/>
+          </a:p>
+        </p:txBody>
+      </p:sp>
+      <p:cxnSp>
+        <p:nvCxnSpPr>
+          <p:cNvPr id="19" name="Gerader Verbinder 18">
+            <a:extLst>
+              <a:ext uri="{FF2B5EF4-FFF2-40B4-BE49-F238E27FC236}">
+                <a16:creationId xmlns:a16="http://schemas.microsoft.com/office/drawing/2014/main" id="{219C6B24-F403-ABE1-9252-9569DD27F152}"/>
+              </a:ext>
+            </a:extLst>
+          </p:cNvPr>
+          <p:cNvCxnSpPr>
+            <a:stCxn id="7" idx="7"/>
+            <a:endCxn id="10" idx="3"/>
+          </p:cNvCxnSpPr>
+          <p:nvPr/>
+        </p:nvCxnSpPr>
+        <p:spPr>
+          <a:xfrm flipV="1">
+            <a:off x="4763003" y="2884928"/>
+            <a:ext cx="496934" cy="1309601"/>
+          </a:xfrm>
+          <a:prstGeom prst="line">
+            <a:avLst/>
+          </a:prstGeom>
+          <a:ln>
+            <a:solidFill>
+              <a:srgbClr val="387373"/>
+            </a:solidFill>
+          </a:ln>
+        </p:spPr>
+        <p:style>
+          <a:lnRef idx="1">
+            <a:schemeClr val="accent1"/>
+          </a:lnRef>
+          <a:fillRef idx="0">
+            <a:schemeClr val="accent1"/>
+          </a:fillRef>
+          <a:effectRef idx="0">
+            <a:schemeClr val="accent1"/>
+          </a:effectRef>
+          <a:fontRef idx="minor">
+            <a:schemeClr val="tx1"/>
+          </a:fontRef>
+        </p:style>
+      </p:cxnSp>
+      <p:cxnSp>
+        <p:nvCxnSpPr>
+          <p:cNvPr id="29" name="Gerader Verbinder 28">
+            <a:extLst>
+              <a:ext uri="{FF2B5EF4-FFF2-40B4-BE49-F238E27FC236}">
+                <a16:creationId xmlns:a16="http://schemas.microsoft.com/office/drawing/2014/main" id="{A28EDF36-4B88-713A-6815-BFB7296A2DCA}"/>
+              </a:ext>
+            </a:extLst>
+          </p:cNvPr>
+          <p:cNvCxnSpPr>
+            <a:stCxn id="7" idx="1"/>
+            <a:endCxn id="14" idx="5"/>
+          </p:cNvCxnSpPr>
+          <p:nvPr/>
+        </p:nvCxnSpPr>
+        <p:spPr>
+          <a:xfrm flipH="1" flipV="1">
+            <a:off x="3151146" y="3552821"/>
+            <a:ext cx="758373" cy="641708"/>
+          </a:xfrm>
+          <a:prstGeom prst="line">
+            <a:avLst/>
+          </a:prstGeom>
+          <a:ln>
+            <a:solidFill>
+              <a:srgbClr val="387373"/>
+            </a:solidFill>
+          </a:ln>
+        </p:spPr>
+        <p:style>
+          <a:lnRef idx="1">
+            <a:schemeClr val="accent1"/>
+          </a:lnRef>
+          <a:fillRef idx="0">
+            <a:schemeClr val="accent1"/>
+          </a:fillRef>
+          <a:effectRef idx="0">
+            <a:schemeClr val="accent1"/>
+          </a:effectRef>
+          <a:fontRef idx="minor">
+            <a:schemeClr val="tx1"/>
+          </a:fontRef>
+        </p:style>
+      </p:cxnSp>
+      <p:cxnSp>
+        <p:nvCxnSpPr>
+          <p:cNvPr id="31" name="Gerader Verbinder 30">
+            <a:extLst>
+              <a:ext uri="{FF2B5EF4-FFF2-40B4-BE49-F238E27FC236}">
+                <a16:creationId xmlns:a16="http://schemas.microsoft.com/office/drawing/2014/main" id="{D5469C11-2BC0-10C8-172B-31FDA601E62B}"/>
+              </a:ext>
+            </a:extLst>
+          </p:cNvPr>
+          <p:cNvCxnSpPr>
+            <a:stCxn id="10" idx="6"/>
+            <a:endCxn id="12" idx="2"/>
+          </p:cNvCxnSpPr>
+          <p:nvPr/>
+        </p:nvCxnSpPr>
+        <p:spPr>
+          <a:xfrm>
+            <a:off x="6290183" y="2461419"/>
+            <a:ext cx="2450435" cy="843316"/>
+          </a:xfrm>
+          <a:prstGeom prst="line">
+            <a:avLst/>
+          </a:prstGeom>
+          <a:ln>
+            <a:solidFill>
+              <a:srgbClr val="387373"/>
+            </a:solidFill>
+          </a:ln>
+        </p:spPr>
+        <p:style>
+          <a:lnRef idx="1">
+            <a:schemeClr val="accent1"/>
+          </a:lnRef>
+          <a:fillRef idx="0">
+            <a:schemeClr val="accent1"/>
+          </a:fillRef>
+          <a:effectRef idx="0">
+            <a:schemeClr val="accent1"/>
+          </a:effectRef>
+          <a:fontRef idx="minor">
+            <a:schemeClr val="tx1"/>
+          </a:fontRef>
+        </p:style>
+      </p:cxnSp>
+      <p:cxnSp>
+        <p:nvCxnSpPr>
+          <p:cNvPr id="34" name="Gerader Verbinder 33">
+            <a:extLst>
+              <a:ext uri="{FF2B5EF4-FFF2-40B4-BE49-F238E27FC236}">
+                <a16:creationId xmlns:a16="http://schemas.microsoft.com/office/drawing/2014/main" id="{1A52AB36-7E34-B071-CA76-21040BC95358}"/>
+              </a:ext>
+            </a:extLst>
+          </p:cNvPr>
+          <p:cNvCxnSpPr>
+            <a:stCxn id="14" idx="7"/>
+            <a:endCxn id="10" idx="2"/>
+          </p:cNvCxnSpPr>
+          <p:nvPr/>
+        </p:nvCxnSpPr>
+        <p:spPr>
+          <a:xfrm flipV="1">
+            <a:off x="3151146" y="2461419"/>
+            <a:ext cx="1932029" cy="244384"/>
+          </a:xfrm>
+          <a:prstGeom prst="line">
+            <a:avLst/>
+          </a:prstGeom>
+          <a:ln>
+            <a:solidFill>
+              <a:srgbClr val="387373"/>
+            </a:solidFill>
+          </a:ln>
+        </p:spPr>
+        <p:style>
+          <a:lnRef idx="1">
+            <a:schemeClr val="accent1"/>
+          </a:lnRef>
+          <a:fillRef idx="0">
+            <a:schemeClr val="accent1"/>
+          </a:fillRef>
+          <a:effectRef idx="0">
+            <a:schemeClr val="accent1"/>
+          </a:effectRef>
+          <a:fontRef idx="minor">
+            <a:schemeClr val="tx1"/>
+          </a:fontRef>
+        </p:style>
+      </p:cxnSp>
+    </p:spTree>
+    <p:extLst>
+      <p:ext uri="{BB962C8B-B14F-4D97-AF65-F5344CB8AC3E}">
+        <p14:creationId xmlns:p14="http://schemas.microsoft.com/office/powerpoint/2010/main" val="3465391970"/>
+      </p:ext>
+    </p:extLst>
+  </p:cSld>
+  <p:clrMapOvr>
+    <a:masterClrMapping/>
+  </p:clrMapOvr>
+</p:sld>
+</file>
+
+<file path=ppt/slides/slide8.xml><?xml version="1.0" encoding="utf-8"?>
+<p:sld xmlns:a="http://schemas.openxmlformats.org/drawingml/2006/main" xmlns:r="http://schemas.openxmlformats.org/officeDocument/2006/relationships" xmlns:p="http://schemas.openxmlformats.org/presentationml/2006/main">
+  <p:cSld>
+    <p:spTree>
+      <p:nvGrpSpPr>
+        <p:cNvPr id="1" name=""/>
+        <p:cNvGrpSpPr/>
+        <p:nvPr/>
+      </p:nvGrpSpPr>
+      <p:grpSpPr>
+        <a:xfrm>
+          <a:off x="0" y="0"/>
+          <a:ext cx="0" cy="0"/>
+          <a:chOff x="0" y="0"/>
+          <a:chExt cx="0" cy="0"/>
+        </a:xfrm>
+      </p:grpSpPr>
+      <p:sp>
+        <p:nvSpPr>
+          <p:cNvPr id="2" name="Titel 1">
+            <a:extLst>
+              <a:ext uri="{FF2B5EF4-FFF2-40B4-BE49-F238E27FC236}">
+                <a16:creationId xmlns:a16="http://schemas.microsoft.com/office/drawing/2014/main" id="{DFCFED56-087B-6311-509F-697C80A2F350}"/>
+              </a:ext>
+            </a:extLst>
+          </p:cNvPr>
+          <p:cNvSpPr>
+            <a:spLocks noGrp="1"/>
+          </p:cNvSpPr>
+          <p:nvPr>
+            <p:ph type="title"/>
+          </p:nvPr>
+        </p:nvSpPr>
+        <p:spPr/>
+        <p:txBody>
+          <a:bodyPr/>
+          <a:lstStyle/>
+          <a:p>
+            <a:r>
+              <a:rPr lang="de-DE" dirty="0" err="1"/>
+              <a:t>Vollvermascht</a:t>
+            </a:r>
+            <a:endParaRPr lang="de-DE" dirty="0"/>
+          </a:p>
+        </p:txBody>
+      </p:sp>
+      <p:sp>
+        <p:nvSpPr>
+          <p:cNvPr id="3" name="Datumsplatzhalter 2">
+            <a:extLst>
+              <a:ext uri="{FF2B5EF4-FFF2-40B4-BE49-F238E27FC236}">
+                <a16:creationId xmlns:a16="http://schemas.microsoft.com/office/drawing/2014/main" id="{22220A1F-1AB7-5C06-A827-A7872FC940EC}"/>
+              </a:ext>
+            </a:extLst>
+          </p:cNvPr>
+          <p:cNvSpPr>
+            <a:spLocks noGrp="1"/>
+          </p:cNvSpPr>
+          <p:nvPr>
+            <p:ph type="dt" sz="half" idx="10"/>
+          </p:nvPr>
+        </p:nvSpPr>
+        <p:spPr/>
+        <p:txBody>
+          <a:bodyPr/>
+          <a:lstStyle/>
+          <a:p>
+            <a:fld id="{0D9DB6AC-DA47-4D88-A9AE-8E9596FE2D8A}" type="datetime1">
+              <a:rPr lang="de-DE" smtClean="0"/>
+              <a:t>23.11.2023</a:t>
+            </a:fld>
+            <a:endParaRPr lang="de-DE" dirty="0"/>
+          </a:p>
+        </p:txBody>
+      </p:sp>
+      <p:sp>
+        <p:nvSpPr>
+          <p:cNvPr id="4" name="Fußzeilenplatzhalter 3">
+            <a:extLst>
+              <a:ext uri="{FF2B5EF4-FFF2-40B4-BE49-F238E27FC236}">
+                <a16:creationId xmlns:a16="http://schemas.microsoft.com/office/drawing/2014/main" id="{D45D83AC-100D-DB00-D681-78011BDEEEA4}"/>
+              </a:ext>
+            </a:extLst>
+          </p:cNvPr>
+          <p:cNvSpPr>
+            <a:spLocks noGrp="1"/>
+          </p:cNvSpPr>
+          <p:nvPr>
+            <p:ph type="ftr" sz="quarter" idx="11"/>
+          </p:nvPr>
+        </p:nvSpPr>
+        <p:spPr/>
+        <p:txBody>
+          <a:bodyPr/>
+          <a:lstStyle/>
+          <a:p>
+            <a:r>
+              <a:rPr lang="de-DE"/>
+              <a:t>Korbinian Müller -Wired und Wireless Netzwerke und ihre Topologien-Fach: Einführung in die Informatik</a:t>
+            </a:r>
+            <a:endParaRPr lang="de-DE" dirty="0"/>
+          </a:p>
+        </p:txBody>
+      </p:sp>
+      <p:sp>
+        <p:nvSpPr>
+          <p:cNvPr id="5" name="Foliennummernplatzhalter 4">
+            <a:extLst>
+              <a:ext uri="{FF2B5EF4-FFF2-40B4-BE49-F238E27FC236}">
+                <a16:creationId xmlns:a16="http://schemas.microsoft.com/office/drawing/2014/main" id="{AFAAEFEC-968D-31A6-813F-6EF01CFB5CBC}"/>
+              </a:ext>
+            </a:extLst>
+          </p:cNvPr>
+          <p:cNvSpPr>
+            <a:spLocks noGrp="1"/>
+          </p:cNvSpPr>
+          <p:nvPr>
+            <p:ph type="sldNum" sz="quarter" idx="12"/>
+          </p:nvPr>
+        </p:nvSpPr>
+        <p:spPr/>
+        <p:txBody>
+          <a:bodyPr/>
+          <a:lstStyle/>
+          <a:p>
+            <a:fld id="{5DE6925C-1583-47A7-A548-3B5B1B0709B5}" type="slidenum">
+              <a:rPr lang="de-DE" smtClean="0"/>
+              <a:pPr/>
+              <a:t>8</a:t>
+            </a:fld>
+            <a:endParaRPr lang="de-DE" dirty="0"/>
+          </a:p>
+        </p:txBody>
+      </p:sp>
+      <p:sp>
+        <p:nvSpPr>
+          <p:cNvPr id="10" name="Ellipse 9">
+            <a:extLst>
+              <a:ext uri="{FF2B5EF4-FFF2-40B4-BE49-F238E27FC236}">
+                <a16:creationId xmlns:a16="http://schemas.microsoft.com/office/drawing/2014/main" id="{35481580-9454-08E3-F4EA-5E8F00114E35}"/>
+              </a:ext>
+            </a:extLst>
+          </p:cNvPr>
+          <p:cNvSpPr/>
+          <p:nvPr/>
+        </p:nvSpPr>
+        <p:spPr>
+          <a:xfrm>
+            <a:off x="6096000" y="1332516"/>
+            <a:ext cx="1207008" cy="1197864"/>
+          </a:xfrm>
+          <a:prstGeom prst="ellipse">
+            <a:avLst/>
+          </a:prstGeom>
+          <a:solidFill>
+            <a:srgbClr val="387373"/>
+          </a:solidFill>
+          <a:ln>
+            <a:solidFill>
+              <a:srgbClr val="2D3E40"/>
+            </a:solidFill>
+          </a:ln>
+        </p:spPr>
+        <p:style>
+          <a:lnRef idx="2">
+            <a:schemeClr val="accent1">
+              <a:shade val="15000"/>
+            </a:schemeClr>
+          </a:lnRef>
+          <a:fillRef idx="1">
+            <a:schemeClr val="accent1"/>
+          </a:fillRef>
+          <a:effectRef idx="0">
+            <a:schemeClr val="accent1"/>
+          </a:effectRef>
+          <a:fontRef idx="minor">
+            <a:schemeClr val="lt1"/>
+          </a:fontRef>
+        </p:style>
+        <p:txBody>
+          <a:bodyPr rtlCol="0" anchor="ctr"/>
+          <a:lstStyle/>
+          <a:p>
+            <a:pPr algn="ctr"/>
+            <a:endParaRPr lang="de-DE"/>
+          </a:p>
+        </p:txBody>
+      </p:sp>
+      <p:sp>
+        <p:nvSpPr>
+          <p:cNvPr id="14" name="Ellipse 13">
+            <a:extLst>
+              <a:ext uri="{FF2B5EF4-FFF2-40B4-BE49-F238E27FC236}">
+                <a16:creationId xmlns:a16="http://schemas.microsoft.com/office/drawing/2014/main" id="{7581E361-48F8-89E4-E5F9-0597B02A43DB}"/>
+              </a:ext>
+            </a:extLst>
+          </p:cNvPr>
+          <p:cNvSpPr/>
+          <p:nvPr/>
+        </p:nvSpPr>
+        <p:spPr>
+          <a:xfrm>
+            <a:off x="3302793" y="3087640"/>
+            <a:ext cx="1207008" cy="1197864"/>
+          </a:xfrm>
+          <a:prstGeom prst="ellipse">
+            <a:avLst/>
+          </a:prstGeom>
+          <a:solidFill>
+            <a:srgbClr val="387373"/>
+          </a:solidFill>
+          <a:ln>
+            <a:solidFill>
+              <a:srgbClr val="2D3E40"/>
+            </a:solidFill>
+          </a:ln>
+        </p:spPr>
+        <p:style>
+          <a:lnRef idx="2">
+            <a:schemeClr val="accent1">
+              <a:shade val="15000"/>
+            </a:schemeClr>
+          </a:lnRef>
+          <a:fillRef idx="1">
+            <a:schemeClr val="accent1"/>
+          </a:fillRef>
+          <a:effectRef idx="0">
+            <a:schemeClr val="accent1"/>
+          </a:effectRef>
+          <a:fontRef idx="minor">
+            <a:schemeClr val="lt1"/>
+          </a:fontRef>
+        </p:style>
+        <p:txBody>
+          <a:bodyPr rtlCol="0" anchor="ctr"/>
+          <a:lstStyle/>
+          <a:p>
+            <a:pPr algn="ctr"/>
+            <a:endParaRPr lang="de-DE"/>
+          </a:p>
+        </p:txBody>
+      </p:sp>
+      <p:sp>
+        <p:nvSpPr>
+          <p:cNvPr id="6" name="Ellipse 5">
+            <a:extLst>
+              <a:ext uri="{FF2B5EF4-FFF2-40B4-BE49-F238E27FC236}">
+                <a16:creationId xmlns:a16="http://schemas.microsoft.com/office/drawing/2014/main" id="{EE87EE1A-268D-80E3-9AE8-4D8D6FFA55B8}"/>
+              </a:ext>
+            </a:extLst>
+          </p:cNvPr>
+          <p:cNvSpPr/>
+          <p:nvPr/>
+        </p:nvSpPr>
+        <p:spPr>
+          <a:xfrm>
+            <a:off x="6096000" y="4697051"/>
+            <a:ext cx="1207008" cy="1197864"/>
+          </a:xfrm>
+          <a:prstGeom prst="ellipse">
+            <a:avLst/>
+          </a:prstGeom>
+          <a:solidFill>
+            <a:srgbClr val="387373"/>
+          </a:solidFill>
+          <a:ln>
+            <a:solidFill>
+              <a:srgbClr val="2D3E40"/>
+            </a:solidFill>
+          </a:ln>
+        </p:spPr>
+        <p:style>
+          <a:lnRef idx="2">
+            <a:schemeClr val="accent1">
+              <a:shade val="15000"/>
+            </a:schemeClr>
+          </a:lnRef>
+          <a:fillRef idx="1">
+            <a:schemeClr val="accent1"/>
+          </a:fillRef>
+          <a:effectRef idx="0">
+            <a:schemeClr val="accent1"/>
+          </a:effectRef>
+          <a:fontRef idx="minor">
+            <a:schemeClr val="lt1"/>
+          </a:fontRef>
+        </p:style>
+        <p:txBody>
+          <a:bodyPr rtlCol="0" anchor="ctr"/>
+          <a:lstStyle/>
+          <a:p>
+            <a:pPr algn="ctr"/>
+            <a:endParaRPr lang="de-DE"/>
+          </a:p>
+        </p:txBody>
+      </p:sp>
+      <p:sp>
+        <p:nvSpPr>
+          <p:cNvPr id="8" name="Ellipse 7">
+            <a:extLst>
+              <a:ext uri="{FF2B5EF4-FFF2-40B4-BE49-F238E27FC236}">
+                <a16:creationId xmlns:a16="http://schemas.microsoft.com/office/drawing/2014/main" id="{6E37A00A-F9FF-9EE5-FA9F-E11541212436}"/>
+              </a:ext>
+            </a:extLst>
+          </p:cNvPr>
+          <p:cNvSpPr/>
+          <p:nvPr/>
+        </p:nvSpPr>
+        <p:spPr>
+          <a:xfrm>
+            <a:off x="8285704" y="2705803"/>
+            <a:ext cx="1207008" cy="1197864"/>
+          </a:xfrm>
+          <a:prstGeom prst="ellipse">
+            <a:avLst/>
+          </a:prstGeom>
+          <a:solidFill>
+            <a:srgbClr val="387373"/>
+          </a:solidFill>
+          <a:ln>
+            <a:solidFill>
+              <a:srgbClr val="2D3E40"/>
+            </a:solidFill>
+          </a:ln>
+        </p:spPr>
+        <p:style>
+          <a:lnRef idx="2">
+            <a:schemeClr val="accent1">
+              <a:shade val="15000"/>
+            </a:schemeClr>
+          </a:lnRef>
+          <a:fillRef idx="1">
+            <a:schemeClr val="accent1"/>
+          </a:fillRef>
+          <a:effectRef idx="0">
+            <a:schemeClr val="accent1"/>
+          </a:effectRef>
+          <a:fontRef idx="minor">
+            <a:schemeClr val="lt1"/>
+          </a:fontRef>
+        </p:style>
+        <p:txBody>
+          <a:bodyPr rtlCol="0" anchor="ctr"/>
+          <a:lstStyle/>
+          <a:p>
+            <a:pPr algn="ctr"/>
+            <a:endParaRPr lang="de-DE"/>
+          </a:p>
+        </p:txBody>
+      </p:sp>
+      <p:cxnSp>
+        <p:nvCxnSpPr>
+          <p:cNvPr id="11" name="Gerader Verbinder 10">
+            <a:extLst>
+              <a:ext uri="{FF2B5EF4-FFF2-40B4-BE49-F238E27FC236}">
+                <a16:creationId xmlns:a16="http://schemas.microsoft.com/office/drawing/2014/main" id="{C8982CD7-2487-5C9C-D32E-A37C0CA320A3}"/>
+              </a:ext>
+            </a:extLst>
+          </p:cNvPr>
+          <p:cNvCxnSpPr>
+            <a:stCxn id="14" idx="7"/>
+            <a:endCxn id="10" idx="3"/>
+          </p:cNvCxnSpPr>
+          <p:nvPr/>
+        </p:nvCxnSpPr>
+        <p:spPr>
+          <a:xfrm flipV="1">
+            <a:off x="4333039" y="2354957"/>
+            <a:ext cx="1939723" cy="908106"/>
+          </a:xfrm>
+          <a:prstGeom prst="line">
+            <a:avLst/>
+          </a:prstGeom>
+          <a:ln>
+            <a:solidFill>
+              <a:srgbClr val="387373"/>
+            </a:solidFill>
+          </a:ln>
+        </p:spPr>
+        <p:style>
+          <a:lnRef idx="1">
+            <a:schemeClr val="accent1"/>
+          </a:lnRef>
+          <a:fillRef idx="0">
+            <a:schemeClr val="accent1"/>
+          </a:fillRef>
+          <a:effectRef idx="0">
+            <a:schemeClr val="accent1"/>
+          </a:effectRef>
+          <a:fontRef idx="minor">
+            <a:schemeClr val="tx1"/>
+          </a:fontRef>
+        </p:style>
+      </p:cxnSp>
+      <p:cxnSp>
+        <p:nvCxnSpPr>
+          <p:cNvPr id="15" name="Gerader Verbinder 14">
+            <a:extLst>
+              <a:ext uri="{FF2B5EF4-FFF2-40B4-BE49-F238E27FC236}">
+                <a16:creationId xmlns:a16="http://schemas.microsoft.com/office/drawing/2014/main" id="{6D81CD35-1A90-FBC8-EF1E-58638A34C029}"/>
+              </a:ext>
+            </a:extLst>
+          </p:cNvPr>
+          <p:cNvCxnSpPr>
+            <a:stCxn id="14" idx="6"/>
+            <a:endCxn id="8" idx="2"/>
+          </p:cNvCxnSpPr>
+          <p:nvPr/>
+        </p:nvCxnSpPr>
+        <p:spPr>
+          <a:xfrm flipV="1">
+            <a:off x="4509801" y="3304735"/>
+            <a:ext cx="3775903" cy="381837"/>
+          </a:xfrm>
+          <a:prstGeom prst="line">
+            <a:avLst/>
+          </a:prstGeom>
+          <a:ln>
+            <a:solidFill>
+              <a:srgbClr val="387373"/>
+            </a:solidFill>
+          </a:ln>
+        </p:spPr>
+        <p:style>
+          <a:lnRef idx="1">
+            <a:schemeClr val="accent1"/>
+          </a:lnRef>
+          <a:fillRef idx="0">
+            <a:schemeClr val="accent1"/>
+          </a:fillRef>
+          <a:effectRef idx="0">
+            <a:schemeClr val="accent1"/>
+          </a:effectRef>
+          <a:fontRef idx="minor">
+            <a:schemeClr val="tx1"/>
+          </a:fontRef>
+        </p:style>
+      </p:cxnSp>
+      <p:cxnSp>
+        <p:nvCxnSpPr>
+          <p:cNvPr id="20" name="Gerader Verbinder 19">
+            <a:extLst>
+              <a:ext uri="{FF2B5EF4-FFF2-40B4-BE49-F238E27FC236}">
+                <a16:creationId xmlns:a16="http://schemas.microsoft.com/office/drawing/2014/main" id="{563908B5-42F0-3224-7AE9-2C5CCA465055}"/>
+              </a:ext>
+            </a:extLst>
+          </p:cNvPr>
+          <p:cNvCxnSpPr>
+            <a:stCxn id="6" idx="0"/>
+            <a:endCxn id="10" idx="4"/>
+          </p:cNvCxnSpPr>
+          <p:nvPr/>
+        </p:nvCxnSpPr>
+        <p:spPr>
+          <a:xfrm flipV="1">
+            <a:off x="6699504" y="2530380"/>
+            <a:ext cx="0" cy="2166671"/>
+          </a:xfrm>
+          <a:prstGeom prst="line">
+            <a:avLst/>
+          </a:prstGeom>
+          <a:ln>
+            <a:solidFill>
+              <a:srgbClr val="387373"/>
+            </a:solidFill>
+          </a:ln>
+        </p:spPr>
+        <p:style>
+          <a:lnRef idx="1">
+            <a:schemeClr val="accent1"/>
+          </a:lnRef>
+          <a:fillRef idx="0">
+            <a:schemeClr val="accent1"/>
+          </a:fillRef>
+          <a:effectRef idx="0">
+            <a:schemeClr val="accent1"/>
+          </a:effectRef>
+          <a:fontRef idx="minor">
+            <a:schemeClr val="tx1"/>
+          </a:fontRef>
+        </p:style>
+      </p:cxnSp>
+      <p:cxnSp>
+        <p:nvCxnSpPr>
+          <p:cNvPr id="22" name="Gerader Verbinder 21">
+            <a:extLst>
+              <a:ext uri="{FF2B5EF4-FFF2-40B4-BE49-F238E27FC236}">
+                <a16:creationId xmlns:a16="http://schemas.microsoft.com/office/drawing/2014/main" id="{CBB495BC-E18A-CCCE-49C7-F19CD80E42CB}"/>
+              </a:ext>
+            </a:extLst>
+          </p:cNvPr>
+          <p:cNvCxnSpPr>
+            <a:stCxn id="6" idx="6"/>
+            <a:endCxn id="8" idx="4"/>
+          </p:cNvCxnSpPr>
+          <p:nvPr/>
+        </p:nvCxnSpPr>
+        <p:spPr>
+          <a:xfrm flipV="1">
+            <a:off x="7303008" y="3903667"/>
+            <a:ext cx="1586200" cy="1392316"/>
+          </a:xfrm>
+          <a:prstGeom prst="line">
+            <a:avLst/>
+          </a:prstGeom>
+          <a:ln>
+            <a:solidFill>
+              <a:srgbClr val="387373"/>
+            </a:solidFill>
+          </a:ln>
+        </p:spPr>
+        <p:style>
+          <a:lnRef idx="1">
+            <a:schemeClr val="accent1"/>
+          </a:lnRef>
+          <a:fillRef idx="0">
+            <a:schemeClr val="accent1"/>
+          </a:fillRef>
+          <a:effectRef idx="0">
+            <a:schemeClr val="accent1"/>
+          </a:effectRef>
+          <a:fontRef idx="minor">
+            <a:schemeClr val="tx1"/>
+          </a:fontRef>
+        </p:style>
+      </p:cxnSp>
+      <p:sp>
+        <p:nvSpPr>
+          <p:cNvPr id="25" name="Ellipse 24">
+            <a:extLst>
+              <a:ext uri="{FF2B5EF4-FFF2-40B4-BE49-F238E27FC236}">
+                <a16:creationId xmlns:a16="http://schemas.microsoft.com/office/drawing/2014/main" id="{22A8C3C3-441F-B283-1372-0AC740EC05A8}"/>
+              </a:ext>
+            </a:extLst>
+          </p:cNvPr>
+          <p:cNvSpPr/>
+          <p:nvPr/>
+        </p:nvSpPr>
+        <p:spPr>
+          <a:xfrm>
+            <a:off x="4007512" y="4559554"/>
+            <a:ext cx="1207008" cy="1197864"/>
+          </a:xfrm>
+          <a:prstGeom prst="ellipse">
+            <a:avLst/>
+          </a:prstGeom>
+          <a:solidFill>
+            <a:srgbClr val="387373"/>
+          </a:solidFill>
+          <a:ln>
+            <a:solidFill>
+              <a:srgbClr val="2D3E40"/>
+            </a:solidFill>
+          </a:ln>
+        </p:spPr>
+        <p:style>
+          <a:lnRef idx="2">
+            <a:schemeClr val="accent1">
+              <a:shade val="15000"/>
+            </a:schemeClr>
+          </a:lnRef>
+          <a:fillRef idx="1">
+            <a:schemeClr val="accent1"/>
+          </a:fillRef>
+          <a:effectRef idx="0">
+            <a:schemeClr val="accent1"/>
+          </a:effectRef>
+          <a:fontRef idx="minor">
+            <a:schemeClr val="lt1"/>
+          </a:fontRef>
+        </p:style>
+        <p:txBody>
+          <a:bodyPr rtlCol="0" anchor="ctr"/>
+          <a:lstStyle/>
+          <a:p>
+            <a:pPr algn="ctr"/>
+            <a:endParaRPr lang="de-DE"/>
+          </a:p>
+        </p:txBody>
+      </p:sp>
+      <p:sp>
+        <p:nvSpPr>
+          <p:cNvPr id="26" name="Ellipse 25">
+            <a:extLst>
+              <a:ext uri="{FF2B5EF4-FFF2-40B4-BE49-F238E27FC236}">
+                <a16:creationId xmlns:a16="http://schemas.microsoft.com/office/drawing/2014/main" id="{854BAA17-4C6D-39DB-0F2D-FB77F8EDDBFB}"/>
+              </a:ext>
+            </a:extLst>
+          </p:cNvPr>
+          <p:cNvSpPr/>
+          <p:nvPr/>
+        </p:nvSpPr>
+        <p:spPr>
+          <a:xfrm>
+            <a:off x="8889208" y="590050"/>
+            <a:ext cx="1207008" cy="1197864"/>
+          </a:xfrm>
+          <a:prstGeom prst="ellipse">
+            <a:avLst/>
+          </a:prstGeom>
+          <a:solidFill>
+            <a:srgbClr val="387373"/>
+          </a:solidFill>
+          <a:ln>
+            <a:solidFill>
+              <a:srgbClr val="2D3E40"/>
+            </a:solidFill>
+          </a:ln>
+        </p:spPr>
+        <p:style>
+          <a:lnRef idx="2">
+            <a:schemeClr val="accent1">
+              <a:shade val="15000"/>
+            </a:schemeClr>
+          </a:lnRef>
+          <a:fillRef idx="1">
+            <a:schemeClr val="accent1"/>
+          </a:fillRef>
+          <a:effectRef idx="0">
+            <a:schemeClr val="accent1"/>
+          </a:effectRef>
+          <a:fontRef idx="minor">
+            <a:schemeClr val="lt1"/>
+          </a:fontRef>
+        </p:style>
+        <p:txBody>
+          <a:bodyPr rtlCol="0" anchor="ctr"/>
+          <a:lstStyle/>
+          <a:p>
+            <a:pPr algn="ctr"/>
+            <a:endParaRPr lang="de-DE"/>
+          </a:p>
+        </p:txBody>
+      </p:sp>
+      <p:cxnSp>
+        <p:nvCxnSpPr>
+          <p:cNvPr id="28" name="Gerader Verbinder 27">
+            <a:extLst>
+              <a:ext uri="{FF2B5EF4-FFF2-40B4-BE49-F238E27FC236}">
+                <a16:creationId xmlns:a16="http://schemas.microsoft.com/office/drawing/2014/main" id="{816DBF00-2215-7C7C-D033-C57B6C671524}"/>
+              </a:ext>
+            </a:extLst>
+          </p:cNvPr>
+          <p:cNvCxnSpPr>
+            <a:stCxn id="14" idx="4"/>
+            <a:endCxn id="25" idx="1"/>
+          </p:cNvCxnSpPr>
+          <p:nvPr/>
+        </p:nvCxnSpPr>
+        <p:spPr>
+          <a:xfrm>
+            <a:off x="3906297" y="4285504"/>
+            <a:ext cx="277977" cy="449473"/>
+          </a:xfrm>
+          <a:prstGeom prst="line">
+            <a:avLst/>
+          </a:prstGeom>
+          <a:ln>
+            <a:solidFill>
+              <a:srgbClr val="387373"/>
+            </a:solidFill>
+          </a:ln>
+        </p:spPr>
+        <p:style>
+          <a:lnRef idx="1">
+            <a:schemeClr val="accent1"/>
+          </a:lnRef>
+          <a:fillRef idx="0">
+            <a:schemeClr val="accent1"/>
+          </a:fillRef>
+          <a:effectRef idx="0">
+            <a:schemeClr val="accent1"/>
+          </a:effectRef>
+          <a:fontRef idx="minor">
+            <a:schemeClr val="tx1"/>
+          </a:fontRef>
+        </p:style>
+      </p:cxnSp>
+      <p:cxnSp>
+        <p:nvCxnSpPr>
+          <p:cNvPr id="35" name="Gerader Verbinder 34">
+            <a:extLst>
+              <a:ext uri="{FF2B5EF4-FFF2-40B4-BE49-F238E27FC236}">
+                <a16:creationId xmlns:a16="http://schemas.microsoft.com/office/drawing/2014/main" id="{8DBA9F98-76F1-6714-94FC-3A1D350DEAB5}"/>
+              </a:ext>
+            </a:extLst>
+          </p:cNvPr>
+          <p:cNvCxnSpPr>
+            <a:stCxn id="25" idx="6"/>
+            <a:endCxn id="6" idx="2"/>
+          </p:cNvCxnSpPr>
+          <p:nvPr/>
+        </p:nvCxnSpPr>
+        <p:spPr>
+          <a:xfrm>
+            <a:off x="5214520" y="5158486"/>
+            <a:ext cx="881480" cy="137497"/>
+          </a:xfrm>
+          <a:prstGeom prst="line">
+            <a:avLst/>
+          </a:prstGeom>
+          <a:ln>
+            <a:solidFill>
+              <a:srgbClr val="387373"/>
+            </a:solidFill>
+          </a:ln>
+        </p:spPr>
+        <p:style>
+          <a:lnRef idx="1">
+            <a:schemeClr val="dk1"/>
+          </a:lnRef>
+          <a:fillRef idx="0">
+            <a:schemeClr val="dk1"/>
+          </a:fillRef>
+          <a:effectRef idx="0">
+            <a:schemeClr val="dk1"/>
+          </a:effectRef>
+          <a:fontRef idx="minor">
+            <a:schemeClr val="tx1"/>
+          </a:fontRef>
+        </p:style>
+      </p:cxnSp>
+      <p:cxnSp>
+        <p:nvCxnSpPr>
+          <p:cNvPr id="37" name="Gerader Verbinder 36">
+            <a:extLst>
+              <a:ext uri="{FF2B5EF4-FFF2-40B4-BE49-F238E27FC236}">
+                <a16:creationId xmlns:a16="http://schemas.microsoft.com/office/drawing/2014/main" id="{AB8423A9-FA1D-A007-0E7B-D4FFA5A4C5EB}"/>
+              </a:ext>
+            </a:extLst>
+          </p:cNvPr>
+          <p:cNvCxnSpPr>
+            <a:stCxn id="25" idx="7"/>
+            <a:endCxn id="26" idx="3"/>
+          </p:cNvCxnSpPr>
+          <p:nvPr/>
+        </p:nvCxnSpPr>
+        <p:spPr>
+          <a:xfrm flipV="1">
+            <a:off x="5037758" y="1612491"/>
+            <a:ext cx="4028212" cy="3122486"/>
+          </a:xfrm>
+          <a:prstGeom prst="line">
+            <a:avLst/>
+          </a:prstGeom>
+          <a:ln>
+            <a:solidFill>
+              <a:srgbClr val="387373"/>
+            </a:solidFill>
+          </a:ln>
+        </p:spPr>
+        <p:style>
+          <a:lnRef idx="1">
+            <a:schemeClr val="accent1"/>
+          </a:lnRef>
+          <a:fillRef idx="0">
+            <a:schemeClr val="accent1"/>
+          </a:fillRef>
+          <a:effectRef idx="0">
+            <a:schemeClr val="accent1"/>
+          </a:effectRef>
+          <a:fontRef idx="minor">
+            <a:schemeClr val="tx1"/>
+          </a:fontRef>
+        </p:style>
+      </p:cxnSp>
+      <p:cxnSp>
+        <p:nvCxnSpPr>
+          <p:cNvPr id="41" name="Gerader Verbinder 40">
+            <a:extLst>
+              <a:ext uri="{FF2B5EF4-FFF2-40B4-BE49-F238E27FC236}">
+                <a16:creationId xmlns:a16="http://schemas.microsoft.com/office/drawing/2014/main" id="{234183ED-4778-6F1F-1045-D088523FA8D1}"/>
+              </a:ext>
+            </a:extLst>
+          </p:cNvPr>
+          <p:cNvCxnSpPr>
+            <a:stCxn id="25" idx="7"/>
+            <a:endCxn id="8" idx="2"/>
+          </p:cNvCxnSpPr>
+          <p:nvPr/>
+        </p:nvCxnSpPr>
+        <p:spPr>
+          <a:xfrm flipV="1">
+            <a:off x="5037758" y="3304735"/>
+            <a:ext cx="3247946" cy="1430242"/>
+          </a:xfrm>
+          <a:prstGeom prst="line">
+            <a:avLst/>
+          </a:prstGeom>
+          <a:ln>
+            <a:solidFill>
+              <a:srgbClr val="387373"/>
+            </a:solidFill>
+          </a:ln>
+        </p:spPr>
+        <p:style>
+          <a:lnRef idx="1">
+            <a:schemeClr val="accent1"/>
+          </a:lnRef>
+          <a:fillRef idx="0">
+            <a:schemeClr val="accent1"/>
+          </a:fillRef>
+          <a:effectRef idx="0">
+            <a:schemeClr val="accent1"/>
+          </a:effectRef>
+          <a:fontRef idx="minor">
+            <a:schemeClr val="tx1"/>
+          </a:fontRef>
+        </p:style>
+      </p:cxnSp>
+      <p:cxnSp>
+        <p:nvCxnSpPr>
+          <p:cNvPr id="45" name="Gerader Verbinder 44">
+            <a:extLst>
+              <a:ext uri="{FF2B5EF4-FFF2-40B4-BE49-F238E27FC236}">
+                <a16:creationId xmlns:a16="http://schemas.microsoft.com/office/drawing/2014/main" id="{ACEE9A3E-6656-150B-7E57-6A8257BD8B4E}"/>
+              </a:ext>
+            </a:extLst>
+          </p:cNvPr>
+          <p:cNvCxnSpPr>
+            <a:stCxn id="6" idx="0"/>
+            <a:endCxn id="14" idx="6"/>
+          </p:cNvCxnSpPr>
+          <p:nvPr/>
+        </p:nvCxnSpPr>
+        <p:spPr>
+          <a:xfrm flipH="1" flipV="1">
+            <a:off x="4509801" y="3686572"/>
+            <a:ext cx="2189703" cy="1010479"/>
+          </a:xfrm>
+          <a:prstGeom prst="line">
+            <a:avLst/>
+          </a:prstGeom>
+          <a:ln>
+            <a:solidFill>
+              <a:srgbClr val="387373"/>
+            </a:solidFill>
+          </a:ln>
+        </p:spPr>
+        <p:style>
+          <a:lnRef idx="1">
+            <a:schemeClr val="accent1"/>
+          </a:lnRef>
+          <a:fillRef idx="0">
+            <a:schemeClr val="accent1"/>
+          </a:fillRef>
+          <a:effectRef idx="0">
+            <a:schemeClr val="accent1"/>
+          </a:effectRef>
+          <a:fontRef idx="minor">
+            <a:schemeClr val="tx1"/>
+          </a:fontRef>
+        </p:style>
+      </p:cxnSp>
+      <p:cxnSp>
+        <p:nvCxnSpPr>
+          <p:cNvPr id="47" name="Gerader Verbinder 46">
+            <a:extLst>
+              <a:ext uri="{FF2B5EF4-FFF2-40B4-BE49-F238E27FC236}">
+                <a16:creationId xmlns:a16="http://schemas.microsoft.com/office/drawing/2014/main" id="{3645140E-0981-1A84-BCF8-4C76B31C832A}"/>
+              </a:ext>
+            </a:extLst>
+          </p:cNvPr>
+          <p:cNvCxnSpPr>
+            <a:stCxn id="6" idx="0"/>
+            <a:endCxn id="26" idx="3"/>
+          </p:cNvCxnSpPr>
+          <p:nvPr/>
+        </p:nvCxnSpPr>
+        <p:spPr>
+          <a:xfrm flipV="1">
+            <a:off x="6699504" y="1612491"/>
+            <a:ext cx="2366466" cy="3084560"/>
+          </a:xfrm>
+          <a:prstGeom prst="line">
+            <a:avLst/>
+          </a:prstGeom>
+          <a:ln>
+            <a:solidFill>
+              <a:srgbClr val="387373"/>
+            </a:solidFill>
+          </a:ln>
+        </p:spPr>
+        <p:style>
+          <a:lnRef idx="1">
+            <a:schemeClr val="accent1"/>
+          </a:lnRef>
+          <a:fillRef idx="0">
+            <a:schemeClr val="accent1"/>
+          </a:fillRef>
+          <a:effectRef idx="0">
+            <a:schemeClr val="accent1"/>
+          </a:effectRef>
+          <a:fontRef idx="minor">
+            <a:schemeClr val="tx1"/>
+          </a:fontRef>
+        </p:style>
+      </p:cxnSp>
+      <p:cxnSp>
+        <p:nvCxnSpPr>
+          <p:cNvPr id="49" name="Gerader Verbinder 48">
+            <a:extLst>
+              <a:ext uri="{FF2B5EF4-FFF2-40B4-BE49-F238E27FC236}">
+                <a16:creationId xmlns:a16="http://schemas.microsoft.com/office/drawing/2014/main" id="{F1BF51F8-EF75-DA5D-65E5-2ED9B399CCD9}"/>
+              </a:ext>
+            </a:extLst>
+          </p:cNvPr>
+          <p:cNvCxnSpPr>
+            <a:stCxn id="6" idx="0"/>
+            <a:endCxn id="8" idx="2"/>
+          </p:cNvCxnSpPr>
+          <p:nvPr/>
+        </p:nvCxnSpPr>
+        <p:spPr>
+          <a:xfrm flipV="1">
+            <a:off x="6699504" y="3304735"/>
+            <a:ext cx="1586200" cy="1392316"/>
+          </a:xfrm>
+          <a:prstGeom prst="line">
+            <a:avLst/>
+          </a:prstGeom>
+          <a:ln>
+            <a:solidFill>
+              <a:srgbClr val="387373"/>
+            </a:solidFill>
+          </a:ln>
+        </p:spPr>
+        <p:style>
+          <a:lnRef idx="1">
+            <a:schemeClr val="accent1"/>
+          </a:lnRef>
+          <a:fillRef idx="0">
+            <a:schemeClr val="accent1"/>
+          </a:fillRef>
+          <a:effectRef idx="0">
+            <a:schemeClr val="accent1"/>
+          </a:effectRef>
+          <a:fontRef idx="minor">
+            <a:schemeClr val="tx1"/>
+          </a:fontRef>
+        </p:style>
+      </p:cxnSp>
+      <p:cxnSp>
+        <p:nvCxnSpPr>
+          <p:cNvPr id="51" name="Gerader Verbinder 50">
+            <a:extLst>
+              <a:ext uri="{FF2B5EF4-FFF2-40B4-BE49-F238E27FC236}">
+                <a16:creationId xmlns:a16="http://schemas.microsoft.com/office/drawing/2014/main" id="{74232A69-4FA8-D66E-8D60-EC15E85C2E4F}"/>
+              </a:ext>
+            </a:extLst>
+          </p:cNvPr>
+          <p:cNvCxnSpPr>
+            <a:stCxn id="8" idx="7"/>
+            <a:endCxn id="8" idx="7"/>
+          </p:cNvCxnSpPr>
+          <p:nvPr/>
+        </p:nvCxnSpPr>
+        <p:spPr>
+          <a:xfrm>
+            <a:off x="9315950" y="2881226"/>
+            <a:ext cx="0" cy="0"/>
+          </a:xfrm>
+          <a:prstGeom prst="line">
+            <a:avLst/>
+          </a:prstGeom>
+        </p:spPr>
+        <p:style>
+          <a:lnRef idx="1">
+            <a:schemeClr val="accent1"/>
+          </a:lnRef>
+          <a:fillRef idx="0">
+            <a:schemeClr val="accent1"/>
+          </a:fillRef>
+          <a:effectRef idx="0">
+            <a:schemeClr val="accent1"/>
+          </a:effectRef>
+          <a:fontRef idx="minor">
+            <a:schemeClr val="tx1"/>
+          </a:fontRef>
+        </p:style>
+      </p:cxnSp>
+      <p:cxnSp>
+        <p:nvCxnSpPr>
+          <p:cNvPr id="53" name="Gerader Verbinder 52">
+            <a:extLst>
+              <a:ext uri="{FF2B5EF4-FFF2-40B4-BE49-F238E27FC236}">
+                <a16:creationId xmlns:a16="http://schemas.microsoft.com/office/drawing/2014/main" id="{7F7D5028-DECF-879A-9E79-6377922095F0}"/>
+              </a:ext>
+            </a:extLst>
+          </p:cNvPr>
+          <p:cNvCxnSpPr>
+            <a:stCxn id="8" idx="7"/>
+            <a:endCxn id="26" idx="4"/>
+          </p:cNvCxnSpPr>
+          <p:nvPr/>
+        </p:nvCxnSpPr>
+        <p:spPr>
+          <a:xfrm flipV="1">
+            <a:off x="9315950" y="1787914"/>
+            <a:ext cx="176762" cy="1093312"/>
+          </a:xfrm>
+          <a:prstGeom prst="line">
+            <a:avLst/>
+          </a:prstGeom>
+          <a:ln>
+            <a:solidFill>
+              <a:srgbClr val="387373"/>
+            </a:solidFill>
+          </a:ln>
+        </p:spPr>
+        <p:style>
+          <a:lnRef idx="1">
+            <a:schemeClr val="accent1"/>
+          </a:lnRef>
+          <a:fillRef idx="0">
+            <a:schemeClr val="accent1"/>
+          </a:fillRef>
+          <a:effectRef idx="0">
+            <a:schemeClr val="accent1"/>
+          </a:effectRef>
+          <a:fontRef idx="minor">
+            <a:schemeClr val="tx1"/>
+          </a:fontRef>
+        </p:style>
+      </p:cxnSp>
+      <p:cxnSp>
+        <p:nvCxnSpPr>
+          <p:cNvPr id="57" name="Gerader Verbinder 56">
+            <a:extLst>
+              <a:ext uri="{FF2B5EF4-FFF2-40B4-BE49-F238E27FC236}">
+                <a16:creationId xmlns:a16="http://schemas.microsoft.com/office/drawing/2014/main" id="{CAC435E3-237D-FCE2-87DA-9B319C912F3D}"/>
+              </a:ext>
+            </a:extLst>
+          </p:cNvPr>
+          <p:cNvCxnSpPr>
+            <a:stCxn id="26" idx="2"/>
+            <a:endCxn id="10" idx="7"/>
+          </p:cNvCxnSpPr>
+          <p:nvPr/>
+        </p:nvCxnSpPr>
+        <p:spPr>
+          <a:xfrm flipH="1">
+            <a:off x="7126246" y="1188982"/>
+            <a:ext cx="1762962" cy="318957"/>
+          </a:xfrm>
+          <a:prstGeom prst="line">
+            <a:avLst/>
+          </a:prstGeom>
+          <a:ln>
+            <a:solidFill>
+              <a:srgbClr val="387373"/>
+            </a:solidFill>
+          </a:ln>
+        </p:spPr>
+        <p:style>
+          <a:lnRef idx="1">
+            <a:schemeClr val="accent1"/>
+          </a:lnRef>
+          <a:fillRef idx="0">
+            <a:schemeClr val="accent1"/>
+          </a:fillRef>
+          <a:effectRef idx="0">
+            <a:schemeClr val="accent1"/>
+          </a:effectRef>
+          <a:fontRef idx="minor">
+            <a:schemeClr val="tx1"/>
+          </a:fontRef>
+        </p:style>
+      </p:cxnSp>
+      <p:cxnSp>
+        <p:nvCxnSpPr>
+          <p:cNvPr id="59" name="Gerader Verbinder 58">
+            <a:extLst>
+              <a:ext uri="{FF2B5EF4-FFF2-40B4-BE49-F238E27FC236}">
+                <a16:creationId xmlns:a16="http://schemas.microsoft.com/office/drawing/2014/main" id="{36134CBD-65B7-DA76-2A69-CCEBFA1983D6}"/>
+              </a:ext>
+            </a:extLst>
+          </p:cNvPr>
+          <p:cNvCxnSpPr>
+            <a:stCxn id="10" idx="2"/>
+            <a:endCxn id="10" idx="2"/>
+          </p:cNvCxnSpPr>
+          <p:nvPr/>
+        </p:nvCxnSpPr>
+        <p:spPr>
+          <a:xfrm>
+            <a:off x="6096000" y="1931448"/>
+            <a:ext cx="0" cy="0"/>
+          </a:xfrm>
+          <a:prstGeom prst="line">
+            <a:avLst/>
+          </a:prstGeom>
+        </p:spPr>
+        <p:style>
+          <a:lnRef idx="1">
+            <a:schemeClr val="accent1"/>
+          </a:lnRef>
+          <a:fillRef idx="0">
+            <a:schemeClr val="accent1"/>
+          </a:fillRef>
+          <a:effectRef idx="0">
+            <a:schemeClr val="accent1"/>
+          </a:effectRef>
+          <a:fontRef idx="minor">
+            <a:schemeClr val="tx1"/>
+          </a:fontRef>
+        </p:style>
+      </p:cxnSp>
+      <p:cxnSp>
+        <p:nvCxnSpPr>
+          <p:cNvPr id="61" name="Gerader Verbinder 60">
+            <a:extLst>
+              <a:ext uri="{FF2B5EF4-FFF2-40B4-BE49-F238E27FC236}">
+                <a16:creationId xmlns:a16="http://schemas.microsoft.com/office/drawing/2014/main" id="{F6B90C1D-5A16-DA1D-B61D-F96F875ED2E7}"/>
+              </a:ext>
+            </a:extLst>
+          </p:cNvPr>
+          <p:cNvCxnSpPr>
+            <a:stCxn id="26" idx="3"/>
+            <a:endCxn id="14" idx="6"/>
+          </p:cNvCxnSpPr>
+          <p:nvPr/>
+        </p:nvCxnSpPr>
+        <p:spPr>
+          <a:xfrm flipH="1">
+            <a:off x="4509801" y="1612491"/>
+            <a:ext cx="4556169" cy="2074081"/>
+          </a:xfrm>
+          <a:prstGeom prst="line">
+            <a:avLst/>
+          </a:prstGeom>
+          <a:ln>
+            <a:solidFill>
+              <a:srgbClr val="387373"/>
+            </a:solidFill>
+          </a:ln>
+        </p:spPr>
+        <p:style>
+          <a:lnRef idx="1">
+            <a:schemeClr val="accent1"/>
+          </a:lnRef>
+          <a:fillRef idx="0">
+            <a:schemeClr val="accent1"/>
+          </a:fillRef>
+          <a:effectRef idx="0">
+            <a:schemeClr val="accent1"/>
+          </a:effectRef>
+          <a:fontRef idx="minor">
+            <a:schemeClr val="tx1"/>
+          </a:fontRef>
+        </p:style>
+      </p:cxnSp>
+      <p:cxnSp>
+        <p:nvCxnSpPr>
+          <p:cNvPr id="63" name="Gerader Verbinder 62">
+            <a:extLst>
+              <a:ext uri="{FF2B5EF4-FFF2-40B4-BE49-F238E27FC236}">
+                <a16:creationId xmlns:a16="http://schemas.microsoft.com/office/drawing/2014/main" id="{8A69669A-62DC-AA2E-B5B0-6EEA2938B851}"/>
+              </a:ext>
+            </a:extLst>
+          </p:cNvPr>
+          <p:cNvCxnSpPr>
+            <a:stCxn id="10" idx="4"/>
+            <a:endCxn id="8" idx="2"/>
+          </p:cNvCxnSpPr>
+          <p:nvPr/>
+        </p:nvCxnSpPr>
+        <p:spPr>
+          <a:xfrm>
+            <a:off x="6699504" y="2530380"/>
+            <a:ext cx="1586200" cy="774355"/>
+          </a:xfrm>
+          <a:prstGeom prst="line">
+            <a:avLst/>
+          </a:prstGeom>
+          <a:ln>
+            <a:solidFill>
+              <a:srgbClr val="387373"/>
+            </a:solidFill>
+          </a:ln>
+        </p:spPr>
+        <p:style>
+          <a:lnRef idx="1">
+            <a:schemeClr val="accent1"/>
+          </a:lnRef>
+          <a:fillRef idx="0">
+            <a:schemeClr val="accent1"/>
+          </a:fillRef>
+          <a:effectRef idx="0">
+            <a:schemeClr val="accent1"/>
+          </a:effectRef>
+          <a:fontRef idx="minor">
+            <a:schemeClr val="tx1"/>
+          </a:fontRef>
+        </p:style>
+      </p:cxnSp>
+      <p:cxnSp>
+        <p:nvCxnSpPr>
+          <p:cNvPr id="65" name="Gerader Verbinder 64">
+            <a:extLst>
+              <a:ext uri="{FF2B5EF4-FFF2-40B4-BE49-F238E27FC236}">
+                <a16:creationId xmlns:a16="http://schemas.microsoft.com/office/drawing/2014/main" id="{7872064B-6F8B-19BB-8E21-8BE1D95C486E}"/>
+              </a:ext>
+            </a:extLst>
+          </p:cNvPr>
+          <p:cNvCxnSpPr>
+            <a:stCxn id="10" idx="4"/>
+            <a:endCxn id="25" idx="7"/>
+          </p:cNvCxnSpPr>
+          <p:nvPr/>
+        </p:nvCxnSpPr>
+        <p:spPr>
+          <a:xfrm flipH="1">
+            <a:off x="5037758" y="2530380"/>
+            <a:ext cx="1661746" cy="2204597"/>
+          </a:xfrm>
+          <a:prstGeom prst="line">
+            <a:avLst/>
+          </a:prstGeom>
+          <a:ln>
+            <a:solidFill>
+              <a:srgbClr val="387373"/>
+            </a:solidFill>
+          </a:ln>
+        </p:spPr>
+        <p:style>
+          <a:lnRef idx="1">
+            <a:schemeClr val="accent1"/>
+          </a:lnRef>
+          <a:fillRef idx="0">
+            <a:schemeClr val="accent1"/>
+          </a:fillRef>
+          <a:effectRef idx="0">
+            <a:schemeClr val="accent1"/>
+          </a:effectRef>
+          <a:fontRef idx="minor">
+            <a:schemeClr val="tx1"/>
+          </a:fontRef>
+        </p:style>
+      </p:cxnSp>
+    </p:spTree>
+    <p:extLst>
+      <p:ext uri="{BB962C8B-B14F-4D97-AF65-F5344CB8AC3E}">
+        <p14:creationId xmlns:p14="http://schemas.microsoft.com/office/powerpoint/2010/main" val="3160122956"/>
+      </p:ext>
+    </p:extLst>
+  </p:cSld>
+  <p:clrMapOvr>
+    <a:masterClrMapping/>
+  </p:clrMapOvr>
+</p:sld>
+</file>
+
+<file path=ppt/slides/slide9.xml><?xml version="1.0" encoding="utf-8"?>
+<p:sld xmlns:a="http://schemas.openxmlformats.org/drawingml/2006/main" xmlns:r="http://schemas.openxmlformats.org/officeDocument/2006/relationships" xmlns:p="http://schemas.openxmlformats.org/presentationml/2006/main">
+  <p:cSld>
+    <p:spTree>
+      <p:nvGrpSpPr>
+        <p:cNvPr id="1" name=""/>
+        <p:cNvGrpSpPr/>
+        <p:nvPr/>
+      </p:nvGrpSpPr>
+      <p:grpSpPr>
+        <a:xfrm>
+          <a:off x="0" y="0"/>
+          <a:ext cx="0" cy="0"/>
+          <a:chOff x="0" y="0"/>
+          <a:chExt cx="0" cy="0"/>
+        </a:xfrm>
+      </p:grpSpPr>
+      <p:sp>
+        <p:nvSpPr>
+          <p:cNvPr id="2" name="Titel 1">
+            <a:extLst>
+              <a:ext uri="{FF2B5EF4-FFF2-40B4-BE49-F238E27FC236}">
+                <a16:creationId xmlns:a16="http://schemas.microsoft.com/office/drawing/2014/main" id="{49724150-AE62-9A57-2BF0-D69AC68C64CE}"/>
+              </a:ext>
+            </a:extLst>
+          </p:cNvPr>
+          <p:cNvSpPr>
+            <a:spLocks noGrp="1"/>
+          </p:cNvSpPr>
+          <p:nvPr>
+            <p:ph type="title"/>
+          </p:nvPr>
+        </p:nvSpPr>
+        <p:spPr/>
+        <p:txBody>
+          <a:bodyPr/>
+          <a:lstStyle/>
+          <a:p>
+            <a:r>
+              <a:rPr lang="de-DE" dirty="0"/>
+              <a:t>Heinrich Rudolf Hertz </a:t>
+            </a:r>
+          </a:p>
+        </p:txBody>
+      </p:sp>
+      <p:sp>
+        <p:nvSpPr>
+          <p:cNvPr id="3" name="Inhaltsplatzhalter 2">
+            <a:extLst>
+              <a:ext uri="{FF2B5EF4-FFF2-40B4-BE49-F238E27FC236}">
+                <a16:creationId xmlns:a16="http://schemas.microsoft.com/office/drawing/2014/main" id="{434FC807-002C-BE84-B49D-5E74C3460A62}"/>
+              </a:ext>
+            </a:extLst>
+          </p:cNvPr>
+          <p:cNvSpPr>
+            <a:spLocks noGrp="1"/>
+          </p:cNvSpPr>
+          <p:nvPr>
+            <p:ph idx="1"/>
+          </p:nvPr>
+        </p:nvSpPr>
+        <p:spPr>
+          <a:xfrm>
+            <a:off x="838200" y="1825625"/>
+            <a:ext cx="5512358" cy="4351338"/>
+          </a:xfrm>
+        </p:spPr>
+        <p:txBody>
+          <a:bodyPr>
+            <a:normAutofit/>
+          </a:bodyPr>
+          <a:lstStyle/>
+          <a:p>
+            <a:r>
+              <a:rPr lang="de-DE" dirty="0"/>
+              <a:t>1866: Elektromagnetische Wellen</a:t>
+            </a:r>
+          </a:p>
+          <a:p>
+            <a:r>
+              <a:rPr lang="de-DE" dirty="0"/>
+              <a:t>80MHz</a:t>
+            </a:r>
+          </a:p>
+          <a:p>
+            <a:endParaRPr lang="de-DE" dirty="0"/>
+          </a:p>
+          <a:p>
+            <a:endParaRPr lang="de-DE" dirty="0"/>
+          </a:p>
+          <a:p>
+            <a:endParaRPr lang="de-DE" dirty="0"/>
+          </a:p>
+          <a:p>
+            <a:endParaRPr lang="de-DE" dirty="0"/>
+          </a:p>
+          <a:p>
+            <a:endParaRPr lang="de-DE" dirty="0"/>
+          </a:p>
+          <a:p>
+            <a:pPr marL="0" indent="0">
+              <a:buNone/>
+            </a:pPr>
+            <a:r>
+              <a:rPr lang="de-DE" sz="1500" dirty="0"/>
+              <a:t> Quelle: https://www.dhm.de/fileadmin/medien/lemo/Titelbilder/heinrichhertz.jpg</a:t>
+            </a:r>
+          </a:p>
+        </p:txBody>
+      </p:sp>
+      <p:sp>
+        <p:nvSpPr>
+          <p:cNvPr id="4" name="Datumsplatzhalter 3">
+            <a:extLst>
+              <a:ext uri="{FF2B5EF4-FFF2-40B4-BE49-F238E27FC236}">
+                <a16:creationId xmlns:a16="http://schemas.microsoft.com/office/drawing/2014/main" id="{794F589A-AAFF-8B3A-F90D-FEDE9AB11069}"/>
+              </a:ext>
+            </a:extLst>
+          </p:cNvPr>
+          <p:cNvSpPr>
+            <a:spLocks noGrp="1"/>
+          </p:cNvSpPr>
+          <p:nvPr>
+            <p:ph type="dt" sz="half" idx="10"/>
+          </p:nvPr>
+        </p:nvSpPr>
+        <p:spPr/>
+        <p:txBody>
+          <a:bodyPr/>
+          <a:lstStyle/>
+          <a:p>
+            <a:fld id="{CDF3BACB-F35C-4EB6-AB22-9E9EA63B1866}" type="datetime1">
+              <a:rPr lang="de-DE" smtClean="0"/>
+              <a:t>23.11.2023</a:t>
+            </a:fld>
+            <a:endParaRPr lang="de-DE"/>
+          </a:p>
+        </p:txBody>
+      </p:sp>
+      <p:sp>
+        <p:nvSpPr>
+          <p:cNvPr id="5" name="Fußzeilenplatzhalter 4">
+            <a:extLst>
+              <a:ext uri="{FF2B5EF4-FFF2-40B4-BE49-F238E27FC236}">
+                <a16:creationId xmlns:a16="http://schemas.microsoft.com/office/drawing/2014/main" id="{A3E89ABA-D0E3-1BD0-8834-8DCA5FBB9D70}"/>
+              </a:ext>
+            </a:extLst>
+          </p:cNvPr>
+          <p:cNvSpPr>
+            <a:spLocks noGrp="1"/>
+          </p:cNvSpPr>
+          <p:nvPr>
+            <p:ph type="ftr" sz="quarter" idx="11"/>
+          </p:nvPr>
+        </p:nvSpPr>
+        <p:spPr/>
+        <p:txBody>
+          <a:bodyPr/>
+          <a:lstStyle/>
+          <a:p>
+            <a:r>
+              <a:rPr lang="de-DE"/>
+              <a:t>Korbinian Müller -Wired und Wireless Netzwerke und ihre Topologien-Fach: Einführung in die Informatik</a:t>
+            </a:r>
+          </a:p>
+        </p:txBody>
+      </p:sp>
+      <p:sp>
+        <p:nvSpPr>
+          <p:cNvPr id="6" name="Foliennummernplatzhalter 5">
+            <a:extLst>
+              <a:ext uri="{FF2B5EF4-FFF2-40B4-BE49-F238E27FC236}">
+                <a16:creationId xmlns:a16="http://schemas.microsoft.com/office/drawing/2014/main" id="{A44F3F24-5E46-138D-824E-247B31FC278F}"/>
+              </a:ext>
+            </a:extLst>
+          </p:cNvPr>
+          <p:cNvSpPr>
+            <a:spLocks noGrp="1"/>
+          </p:cNvSpPr>
+          <p:nvPr>
+            <p:ph type="sldNum" sz="quarter" idx="12"/>
+          </p:nvPr>
+        </p:nvSpPr>
+        <p:spPr/>
+        <p:txBody>
+          <a:bodyPr/>
+          <a:lstStyle/>
+          <a:p>
+            <a:fld id="{5DE6925C-1583-47A7-A548-3B5B1B0709B5}" type="slidenum">
+              <a:rPr lang="de-DE" smtClean="0"/>
+              <a:pPr/>
+              <a:t>9</a:t>
+            </a:fld>
+            <a:endParaRPr lang="de-DE" dirty="0"/>
+          </a:p>
+        </p:txBody>
+      </p:sp>
+      <p:pic>
+        <p:nvPicPr>
+          <p:cNvPr id="8" name="Grafik 7" descr="Ein Bild, das Menschliches Gesicht, Porträt, Bart, Gesichtsbehaarung enthält.&#10;&#10;Automatisch generierte Beschreibung">
+            <a:extLst>
+              <a:ext uri="{FF2B5EF4-FFF2-40B4-BE49-F238E27FC236}">
+                <a16:creationId xmlns:a16="http://schemas.microsoft.com/office/drawing/2014/main" id="{BBE5EBE6-EAEF-54A7-2EB6-B07FF258B5F0}"/>
+              </a:ext>
+            </a:extLst>
+          </p:cNvPr>
+          <p:cNvPicPr>
+            <a:picLocks noChangeAspect="1"/>
+          </p:cNvPicPr>
+          <p:nvPr/>
+        </p:nvPicPr>
+        <p:blipFill>
+          <a:blip r:embed="rId2">
+            <a:extLst>
+              <a:ext uri="{28A0092B-C50C-407E-A947-70E740481C1C}">
+                <a14:useLocalDpi xmlns:a14="http://schemas.microsoft.com/office/drawing/2010/main" val="0"/>
+              </a:ext>
+            </a:extLst>
+          </a:blip>
+          <a:stretch>
+            <a:fillRect/>
+          </a:stretch>
+        </p:blipFill>
+        <p:spPr>
+          <a:xfrm>
+            <a:off x="6350558" y="1628131"/>
+            <a:ext cx="5080000" cy="4548832"/>
+          </a:xfrm>
+          <a:prstGeom prst="rect">
+            <a:avLst/>
+          </a:prstGeom>
+        </p:spPr>
+      </p:pic>
+    </p:spTree>
+    <p:extLst>
+      <p:ext uri="{BB962C8B-B14F-4D97-AF65-F5344CB8AC3E}">
+        <p14:creationId xmlns:p14="http://schemas.microsoft.com/office/powerpoint/2010/main" val="3300061936"/>
+      </p:ext>
+    </p:extLst>
+  </p:cSld>
+  <p:clrMapOvr>
+    <a:masterClrMapping/>
+  </p:clrMapOvr>
 </p:sld>
 </file>
 

--- a/1_Semester/Einführung_in_die_Informatik(DSEI)/IU_Präsentation_DSEI.pptx
+++ b/1_Semester/Einführung_in_die_Informatik(DSEI)/IU_Präsentation_DSEI.pptx
@@ -5,7 +5,7 @@
     <p:sldMasterId id="2147483648" r:id="rId1"/>
   </p:sldMasterIdLst>
   <p:notesMasterIdLst>
-    <p:notesMasterId r:id="rId17"/>
+    <p:notesMasterId r:id="rId16"/>
   </p:notesMasterIdLst>
   <p:sldIdLst>
     <p:sldId id="256" r:id="rId2"/>
@@ -22,7 +22,6 @@
     <p:sldId id="267" r:id="rId13"/>
     <p:sldId id="270" r:id="rId14"/>
     <p:sldId id="269" r:id="rId15"/>
-    <p:sldId id="271" r:id="rId16"/>
   </p:sldIdLst>
   <p:sldSz cx="12192000" cy="6858000"/>
   <p:notesSz cx="6858000" cy="9144000"/>
@@ -211,7 +210,7 @@
           <a:p>
             <a:fld id="{4C407AE7-3DC2-4CB6-B10D-9DFBA6E8F93A}" type="datetimeFigureOut">
               <a:rPr lang="de-DE" smtClean="0"/>
-              <a:t>23.11.2023</a:t>
+              <a:t>28.11.2023</a:t>
             </a:fld>
             <a:endParaRPr lang="de-DE"/>
           </a:p>
@@ -709,7 +708,7 @@
           <a:p>
             <a:fld id="{1CBA45C3-33FF-457A-9178-AFBFF5B4446A}" type="datetime1">
               <a:rPr lang="de-DE" smtClean="0"/>
-              <a:t>23.11.2023</a:t>
+              <a:t>28.11.2023</a:t>
             </a:fld>
             <a:endParaRPr lang="de-DE"/>
           </a:p>
@@ -928,7 +927,7 @@
           <a:p>
             <a:fld id="{CDF3BACB-F35C-4EB6-AB22-9E9EA63B1866}" type="datetime1">
               <a:rPr lang="de-DE" smtClean="0"/>
-              <a:t>23.11.2023</a:t>
+              <a:t>28.11.2023</a:t>
             </a:fld>
             <a:endParaRPr lang="de-DE"/>
           </a:p>
@@ -1089,7 +1088,7 @@
           <a:p>
             <a:fld id="{FC4D47F1-46D1-4646-9E91-836A61804234}" type="datetime1">
               <a:rPr lang="de-DE" smtClean="0"/>
-              <a:t>23.11.2023</a:t>
+              <a:t>28.11.2023</a:t>
             </a:fld>
             <a:endParaRPr lang="de-DE" dirty="0"/>
           </a:p>
@@ -1207,7 +1206,7 @@
           <a:p>
             <a:fld id="{D6AEE7B7-EA38-4A12-8758-E55DFEFCADC1}" type="datetime1">
               <a:rPr lang="de-DE" smtClean="0"/>
-              <a:t>23.11.2023</a:t>
+              <a:t>28.11.2023</a:t>
             </a:fld>
             <a:endParaRPr lang="de-DE" dirty="0"/>
           </a:p>
@@ -1510,7 +1509,7 @@
           <a:p>
             <a:fld id="{32B012C1-7FBF-44E4-A2ED-90FDB8C4A9F8}" type="datetime1">
               <a:rPr lang="de-DE" smtClean="0"/>
-              <a:t>23.11.2023</a:t>
+              <a:t>28.11.2023</a:t>
             </a:fld>
             <a:endParaRPr lang="de-DE" dirty="0"/>
           </a:p>
@@ -2166,7 +2165,7 @@
           <a:p>
             <a:fld id="{CDF3BACB-F35C-4EB6-AB22-9E9EA63B1866}" type="datetime1">
               <a:rPr lang="de-DE" smtClean="0"/>
-              <a:t>23.11.2023</a:t>
+              <a:t>28.11.2023</a:t>
             </a:fld>
             <a:endParaRPr lang="de-DE"/>
           </a:p>
@@ -2370,7 +2369,7 @@
           <a:p>
             <a:r>
               <a:rPr lang="de-DE" dirty="0"/>
-              <a:t>Verschlüsselte Übertragung</a:t>
+              <a:t>Ziel: Verschlüsselte Übertragung</a:t>
             </a:r>
           </a:p>
           <a:p>
@@ -2431,7 +2430,7 @@
           <a:p>
             <a:fld id="{CDF3BACB-F35C-4EB6-AB22-9E9EA63B1866}" type="datetime1">
               <a:rPr lang="de-DE" smtClean="0"/>
-              <a:t>23.11.2023</a:t>
+              <a:t>28.11.2023</a:t>
             </a:fld>
             <a:endParaRPr lang="de-DE"/>
           </a:p>
@@ -2623,7 +2622,7 @@
             </a:r>
             <a:r>
               <a:rPr lang="de-DE" dirty="0"/>
-              <a:t> IEE 802.11</a:t>
+              <a:t> IEEE 802.11</a:t>
             </a:r>
           </a:p>
           <a:p>
@@ -2639,12 +2638,21 @@
             </a:r>
           </a:p>
           <a:p>
+            <a:pPr marL="0" indent="0">
+              <a:buNone/>
+            </a:pPr>
             <a:endParaRPr lang="de-DE" dirty="0"/>
           </a:p>
           <a:p>
+            <a:pPr marL="0" indent="0">
+              <a:buNone/>
+            </a:pPr>
             <a:endParaRPr lang="de-DE" dirty="0"/>
           </a:p>
           <a:p>
+            <a:pPr marL="0" indent="0">
+              <a:buNone/>
+            </a:pPr>
             <a:endParaRPr lang="de-DE" dirty="0"/>
           </a:p>
           <a:p>
@@ -2690,7 +2698,7 @@
           <a:p>
             <a:fld id="{CDF3BACB-F35C-4EB6-AB22-9E9EA63B1866}" type="datetime1">
               <a:rPr lang="de-DE" smtClean="0"/>
-              <a:t>23.11.2023</a:t>
+              <a:t>28.11.2023</a:t>
             </a:fld>
             <a:endParaRPr lang="de-DE"/>
           </a:p>
@@ -2843,7 +2851,7 @@
           <a:p>
             <a:fld id="{D6AEE7B7-EA38-4A12-8758-E55DFEFCADC1}" type="datetime1">
               <a:rPr lang="de-DE" smtClean="0"/>
-              <a:t>23.11.2023</a:t>
+              <a:t>28.11.2023</a:t>
             </a:fld>
             <a:endParaRPr lang="de-DE" dirty="0"/>
           </a:p>
@@ -3993,6 +4001,21 @@
             </a:r>
           </a:p>
           <a:p>
+            <a:pPr lvl="1"/>
+            <a:r>
+              <a:rPr lang="de-DE" dirty="0"/>
+              <a:t>Parabolantennen</a:t>
+            </a:r>
+          </a:p>
+          <a:p>
+            <a:pPr lvl="1"/>
+            <a:r>
+              <a:rPr lang="de-DE" dirty="0" err="1"/>
+              <a:t>Sichtkontankt</a:t>
+            </a:r>
+            <a:endParaRPr lang="de-DE" dirty="0"/>
+          </a:p>
+          <a:p>
             <a:r>
               <a:rPr lang="de-DE" dirty="0" err="1"/>
               <a:t>LiFi</a:t>
@@ -4024,7 +4047,7 @@
           <a:p>
             <a:fld id="{CDF3BACB-F35C-4EB6-AB22-9E9EA63B1866}" type="datetime1">
               <a:rPr lang="de-DE" smtClean="0"/>
-              <a:t>23.11.2023</a:t>
+              <a:t>28.11.2023</a:t>
             </a:fld>
             <a:endParaRPr lang="de-DE"/>
           </a:p>
@@ -4092,312 +4115,6 @@
     <p:extLst>
       <p:ext uri="{BB962C8B-B14F-4D97-AF65-F5344CB8AC3E}">
         <p14:creationId xmlns:p14="http://schemas.microsoft.com/office/powerpoint/2010/main" val="2201376277"/>
-      </p:ext>
-    </p:extLst>
-  </p:cSld>
-  <p:clrMapOvr>
-    <a:masterClrMapping/>
-  </p:clrMapOvr>
-</p:sld>
-</file>
-
-<file path=ppt/slides/slide15.xml><?xml version="1.0" encoding="utf-8"?>
-<p:sld xmlns:a="http://schemas.openxmlformats.org/drawingml/2006/main" xmlns:r="http://schemas.openxmlformats.org/officeDocument/2006/relationships" xmlns:p="http://schemas.openxmlformats.org/presentationml/2006/main">
-  <p:cSld>
-    <p:spTree>
-      <p:nvGrpSpPr>
-        <p:cNvPr id="1" name=""/>
-        <p:cNvGrpSpPr/>
-        <p:nvPr/>
-      </p:nvGrpSpPr>
-      <p:grpSpPr>
-        <a:xfrm>
-          <a:off x="0" y="0"/>
-          <a:ext cx="0" cy="0"/>
-          <a:chOff x="0" y="0"/>
-          <a:chExt cx="0" cy="0"/>
-        </a:xfrm>
-      </p:grpSpPr>
-      <p:sp>
-        <p:nvSpPr>
-          <p:cNvPr id="2" name="Titel 1">
-            <a:extLst>
-              <a:ext uri="{FF2B5EF4-FFF2-40B4-BE49-F238E27FC236}">
-                <a16:creationId xmlns:a16="http://schemas.microsoft.com/office/drawing/2014/main" id="{ECB82B7D-0A9D-4EE3-2F96-1D39EFBEC1E3}"/>
-              </a:ext>
-            </a:extLst>
-          </p:cNvPr>
-          <p:cNvSpPr>
-            <a:spLocks noGrp="1"/>
-          </p:cNvSpPr>
-          <p:nvPr>
-            <p:ph type="title"/>
-          </p:nvPr>
-        </p:nvSpPr>
-        <p:spPr/>
-        <p:txBody>
-          <a:bodyPr/>
-          <a:lstStyle/>
-          <a:p>
-            <a:r>
-              <a:rPr lang="de-DE" dirty="0"/>
-              <a:t>Quellen</a:t>
-            </a:r>
-          </a:p>
-        </p:txBody>
-      </p:sp>
-      <p:sp>
-        <p:nvSpPr>
-          <p:cNvPr id="3" name="Inhaltsplatzhalter 2">
-            <a:extLst>
-              <a:ext uri="{FF2B5EF4-FFF2-40B4-BE49-F238E27FC236}">
-                <a16:creationId xmlns:a16="http://schemas.microsoft.com/office/drawing/2014/main" id="{6193943C-3322-FF18-D239-C62BD41A1FA5}"/>
-              </a:ext>
-            </a:extLst>
-          </p:cNvPr>
-          <p:cNvSpPr>
-            <a:spLocks noGrp="1"/>
-          </p:cNvSpPr>
-          <p:nvPr>
-            <p:ph idx="1"/>
-          </p:nvPr>
-        </p:nvSpPr>
-        <p:spPr/>
-        <p:txBody>
-          <a:bodyPr>
-            <a:normAutofit fontScale="92500" lnSpcReduction="10000"/>
-          </a:bodyPr>
-          <a:lstStyle/>
-          <a:p>
-            <a:r>
-              <a:rPr lang="de-DE" dirty="0"/>
-              <a:t>Inhalt</a:t>
-            </a:r>
-          </a:p>
-          <a:p>
-            <a:pPr lvl="1"/>
-            <a:r>
-              <a:rPr lang="de-DE" sz="1800" dirty="0" err="1">
-                <a:effectLst/>
-              </a:rPr>
-              <a:t>Fölsing</a:t>
-            </a:r>
-            <a:r>
-              <a:rPr lang="de-DE" sz="1800" dirty="0">
-                <a:effectLst/>
-              </a:rPr>
-              <a:t>, Albrecht. </a:t>
-            </a:r>
-            <a:r>
-              <a:rPr lang="de-DE" sz="1800" i="1" dirty="0">
-                <a:effectLst/>
-              </a:rPr>
-              <a:t>Heinrich Hertz: eine Biographie</a:t>
-            </a:r>
-            <a:r>
-              <a:rPr lang="de-DE" sz="1800" dirty="0">
-                <a:effectLst/>
-              </a:rPr>
-              <a:t>. Hamburg: Hoffmann und Campe, 1997.</a:t>
-            </a:r>
-          </a:p>
-          <a:p>
-            <a:pPr lvl="1"/>
-            <a:r>
-              <a:rPr lang="de-DE" sz="1800" dirty="0">
-                <a:effectLst/>
-              </a:rPr>
-              <a:t>Kersken, Sascha. </a:t>
-            </a:r>
-            <a:r>
-              <a:rPr lang="de-DE" sz="1800" i="1" dirty="0">
-                <a:effectLst/>
-              </a:rPr>
-              <a:t>IT-Handbuch für Fachinformatiker: der Ausbildungsbegleiter; EDV-Grundlagen, Netzwerktechnik, Programmierung...</a:t>
-            </a:r>
-            <a:r>
-              <a:rPr lang="de-DE" sz="1800" dirty="0">
-                <a:effectLst/>
-              </a:rPr>
-              <a:t> 6., Aktualisierte Aufl., 1., korr. </a:t>
-            </a:r>
-            <a:r>
-              <a:rPr lang="de-DE" sz="1800" dirty="0" err="1">
-                <a:effectLst/>
-              </a:rPr>
-              <a:t>Nachdr</a:t>
-            </a:r>
-            <a:r>
-              <a:rPr lang="de-DE" sz="1800" dirty="0">
-                <a:effectLst/>
-              </a:rPr>
-              <a:t>. Galileo Computing. Bonn: Galileo Press, 2014.</a:t>
-            </a:r>
-          </a:p>
-          <a:p>
-            <a:pPr lvl="1"/>
-            <a:r>
-              <a:rPr lang="de-DE" sz="1800" dirty="0">
-                <a:effectLst/>
-              </a:rPr>
-              <a:t>Schnabel, Patrick. </a:t>
-            </a:r>
-            <a:r>
-              <a:rPr lang="de-DE" sz="1800" i="1" dirty="0">
-                <a:effectLst/>
-              </a:rPr>
-              <a:t>Netzwerktechnik-Fibel: Grundlagen der Netzwerktechnik, Übertragungstechnik, TCP/IP, Anwendungen und Dienste, Netzwerk-Sicherheit</a:t>
-            </a:r>
-            <a:r>
-              <a:rPr lang="de-DE" sz="1800" dirty="0">
-                <a:effectLst/>
-              </a:rPr>
-              <a:t>. 5. vollständig überarbeitete Auflage. Ludwigsburg, Deutschland: Patrick Schnabel, 2022.</a:t>
-            </a:r>
-          </a:p>
-          <a:p>
-            <a:endParaRPr lang="de-DE" dirty="0"/>
-          </a:p>
-          <a:p>
-            <a:r>
-              <a:rPr lang="de-DE" dirty="0"/>
-              <a:t>Bild</a:t>
-            </a:r>
-          </a:p>
-          <a:p>
-            <a:pPr lvl="1"/>
-            <a:r>
-              <a:rPr lang="de-DE" sz="1800" dirty="0">
-                <a:hlinkClick r:id="rId2"/>
-              </a:rPr>
-              <a:t>https://www.dhm.de/fileadmin/medien/lemo/Titelbilder/heinrichhertz.jpg</a:t>
-            </a:r>
-            <a:endParaRPr lang="de-DE" sz="1800" dirty="0"/>
-          </a:p>
-          <a:p>
-            <a:pPr lvl="1"/>
-            <a:r>
-              <a:rPr lang="de-DE" sz="1800" dirty="0">
-                <a:hlinkClick r:id="rId3"/>
-              </a:rPr>
-              <a:t>https://prabook.com/web/show-photo-icon.jpg?id=2602255&amp;width=220&amp;cache=false</a:t>
-            </a:r>
-            <a:endParaRPr lang="de-DE" sz="1800" dirty="0"/>
-          </a:p>
-          <a:p>
-            <a:pPr lvl="1"/>
-            <a:r>
-              <a:rPr lang="de-DE" sz="1800" dirty="0">
-                <a:hlinkClick r:id="rId4"/>
-              </a:rPr>
-              <a:t>https://i0.wp.com/prologue.blogs.archives.gov/wp-content/uploads/sites/9/2020/05/2017-2076.jpg?ssl=1</a:t>
-            </a:r>
-            <a:endParaRPr lang="de-DE" sz="1800" dirty="0"/>
-          </a:p>
-          <a:p>
-            <a:pPr lvl="1"/>
-            <a:r>
-              <a:rPr lang="de-DE" sz="1800" dirty="0"/>
-              <a:t>https://th.bing.com/th?id=OIP.zFXB4AXw3K_obhn7HEeS6AAAAA&amp;w=80&amp;h=80&amp;c=1&amp;vt=10&amp;bgcl=6cdd62&amp;r=0&amp;o=6&amp;pid=5.1</a:t>
-            </a:r>
-          </a:p>
-          <a:p>
-            <a:pPr lvl="1"/>
-            <a:endParaRPr lang="de-DE" dirty="0"/>
-          </a:p>
-        </p:txBody>
-      </p:sp>
-      <p:sp>
-        <p:nvSpPr>
-          <p:cNvPr id="4" name="Datumsplatzhalter 3">
-            <a:extLst>
-              <a:ext uri="{FF2B5EF4-FFF2-40B4-BE49-F238E27FC236}">
-                <a16:creationId xmlns:a16="http://schemas.microsoft.com/office/drawing/2014/main" id="{73E68534-C391-B1CA-1D57-ED7016B96DC6}"/>
-              </a:ext>
-            </a:extLst>
-          </p:cNvPr>
-          <p:cNvSpPr>
-            <a:spLocks noGrp="1"/>
-          </p:cNvSpPr>
-          <p:nvPr>
-            <p:ph type="dt" sz="half" idx="10"/>
-          </p:nvPr>
-        </p:nvSpPr>
-        <p:spPr/>
-        <p:txBody>
-          <a:bodyPr/>
-          <a:lstStyle/>
-          <a:p>
-            <a:fld id="{CDF3BACB-F35C-4EB6-AB22-9E9EA63B1866}" type="datetime1">
-              <a:rPr lang="de-DE" smtClean="0"/>
-              <a:t>23.11.2023</a:t>
-            </a:fld>
-            <a:endParaRPr lang="de-DE"/>
-          </a:p>
-        </p:txBody>
-      </p:sp>
-      <p:sp>
-        <p:nvSpPr>
-          <p:cNvPr id="5" name="Fußzeilenplatzhalter 4">
-            <a:extLst>
-              <a:ext uri="{FF2B5EF4-FFF2-40B4-BE49-F238E27FC236}">
-                <a16:creationId xmlns:a16="http://schemas.microsoft.com/office/drawing/2014/main" id="{7D005C99-2EA7-C812-B3C5-69D756922002}"/>
-              </a:ext>
-            </a:extLst>
-          </p:cNvPr>
-          <p:cNvSpPr>
-            <a:spLocks noGrp="1"/>
-          </p:cNvSpPr>
-          <p:nvPr>
-            <p:ph type="ftr" sz="quarter" idx="11"/>
-          </p:nvPr>
-        </p:nvSpPr>
-        <p:spPr/>
-        <p:txBody>
-          <a:bodyPr/>
-          <a:lstStyle/>
-          <a:p>
-            <a:r>
-              <a:rPr lang="de-DE"/>
-              <a:t>Korbinian Müller -Wired und Wireless Netzwerke und ihre Topologien-Fach: Einführung in die Informatik</a:t>
-            </a:r>
-          </a:p>
-        </p:txBody>
-      </p:sp>
-      <p:sp>
-        <p:nvSpPr>
-          <p:cNvPr id="6" name="Foliennummernplatzhalter 5">
-            <a:extLst>
-              <a:ext uri="{FF2B5EF4-FFF2-40B4-BE49-F238E27FC236}">
-                <a16:creationId xmlns:a16="http://schemas.microsoft.com/office/drawing/2014/main" id="{8F2AA41E-1FC5-566F-9B87-98CBC89051AE}"/>
-              </a:ext>
-            </a:extLst>
-          </p:cNvPr>
-          <p:cNvSpPr>
-            <a:spLocks noGrp="1"/>
-          </p:cNvSpPr>
-          <p:nvPr>
-            <p:ph type="sldNum" sz="quarter" idx="12"/>
-          </p:nvPr>
-        </p:nvSpPr>
-        <p:spPr/>
-        <p:txBody>
-          <a:bodyPr/>
-          <a:lstStyle/>
-          <a:p>
-            <a:fld id="{5DE6925C-1583-47A7-A548-3B5B1B0709B5}" type="slidenum">
-              <a:rPr lang="de-DE" smtClean="0"/>
-              <a:pPr/>
-              <a:t>15</a:t>
-            </a:fld>
-            <a:endParaRPr lang="de-DE" dirty="0"/>
-          </a:p>
-        </p:txBody>
-      </p:sp>
-    </p:spTree>
-    <p:extLst>
-      <p:ext uri="{BB962C8B-B14F-4D97-AF65-F5344CB8AC3E}">
-        <p14:creationId xmlns:p14="http://schemas.microsoft.com/office/powerpoint/2010/main" val="1728622066"/>
       </p:ext>
     </p:extLst>
   </p:cSld>
@@ -4521,7 +4238,7 @@
           <a:p>
             <a:fld id="{229C36AE-B324-4094-9530-525070C02304}" type="datetime1">
               <a:rPr lang="de-DE" smtClean="0"/>
-              <a:t>23.11.2023</a:t>
+              <a:t>28.11.2023</a:t>
             </a:fld>
             <a:endParaRPr lang="de-DE"/>
           </a:p>
@@ -4673,7 +4390,7 @@
           <a:p>
             <a:fld id="{1A6D7320-410B-4718-BEF2-2E1B608770AD}" type="datetime1">
               <a:rPr lang="de-DE" smtClean="0"/>
-              <a:t>23.11.2023</a:t>
+              <a:t>28.11.2023</a:t>
             </a:fld>
             <a:endParaRPr lang="de-DE" dirty="0"/>
           </a:p>
@@ -5245,7 +4962,7 @@
           <a:p>
             <a:fld id="{1B107A7D-64E2-4442-A172-29202CF210ED}" type="datetime1">
               <a:rPr lang="de-DE" smtClean="0"/>
-              <a:t>23.11.2023</a:t>
+              <a:t>28.11.2023</a:t>
             </a:fld>
             <a:endParaRPr lang="de-DE" dirty="0"/>
           </a:p>
@@ -6538,7 +6255,7 @@
           <a:p>
             <a:fld id="{835AA394-4E0A-4D43-9C6E-63B4559443C5}" type="datetime1">
               <a:rPr lang="de-DE" smtClean="0"/>
-              <a:t>23.11.2023</a:t>
+              <a:t>28.11.2023</a:t>
             </a:fld>
             <a:endParaRPr lang="de-DE" dirty="0"/>
           </a:p>
@@ -7517,7 +7234,7 @@
           <a:p>
             <a:fld id="{0D9DB6AC-DA47-4D88-A9AE-8E9596FE2D8A}" type="datetime1">
               <a:rPr lang="de-DE" smtClean="0"/>
-              <a:t>23.11.2023</a:t>
+              <a:t>28.11.2023</a:t>
             </a:fld>
             <a:endParaRPr lang="de-DE" dirty="0"/>
           </a:p>
@@ -8241,7 +7958,7 @@
           <a:p>
             <a:fld id="{0D9DB6AC-DA47-4D88-A9AE-8E9596FE2D8A}" type="datetime1">
               <a:rPr lang="de-DE" smtClean="0"/>
-              <a:t>23.11.2023</a:t>
+              <a:t>28.11.2023</a:t>
             </a:fld>
             <a:endParaRPr lang="de-DE" dirty="0"/>
           </a:p>
@@ -8780,7 +8497,7 @@
           <a:p>
             <a:fld id="{0D9DB6AC-DA47-4D88-A9AE-8E9596FE2D8A}" type="datetime1">
               <a:rPr lang="de-DE" smtClean="0"/>
-              <a:t>23.11.2023</a:t>
+              <a:t>28.11.2023</a:t>
             </a:fld>
             <a:endParaRPr lang="de-DE" dirty="0"/>
           </a:p>
@@ -10097,7 +9814,7 @@
           <a:p>
             <a:fld id="{CDF3BACB-F35C-4EB6-AB22-9E9EA63B1866}" type="datetime1">
               <a:rPr lang="de-DE" smtClean="0"/>
-              <a:t>23.11.2023</a:t>
+              <a:t>28.11.2023</a:t>
             </a:fld>
             <a:endParaRPr lang="de-DE"/>
           </a:p>
